--- a/AI勉強会_8月.pptx
+++ b/AI勉強会_8月.pptx
@@ -1,58 +1,58 @@
 
 <file path=ppt/presentation.xml><?xml version="1.0" encoding="utf-8"?>
-<p:presentation xmlns:a="http://schemas.openxmlformats.org/drawingml/2006/main" xmlns:r="http://schemas.openxmlformats.org/officeDocument/2006/relationships" xmlns:mc="http://schemas.openxmlformats.org/markup-compatibility/2006" xmlns:mv="urn:schemas-microsoft-com:mac:vml" xmlns:p="http://schemas.openxmlformats.org/presentationml/2006/main" xmlns:c="http://schemas.openxmlformats.org/drawingml/2006/chart" xmlns:dgm="http://schemas.openxmlformats.org/drawingml/2006/diagram" xmlns:o="urn:schemas-microsoft-com:office:office" xmlns:v="urn:schemas-microsoft-com:vml" xmlns:pvml="urn:schemas-microsoft-com:office:powerpoint" xmlns:com="http://schemas.openxmlformats.org/drawingml/2006/compatibility" xmlns:p14="http://schemas.microsoft.com/office/powerpoint/2010/main" xmlns:p15="http://schemas.microsoft.com/office/powerpoint/2012/main" xmlns:ahyp="http://schemas.microsoft.com/office/drawing/2018/hyperlinkcolor" autoCompressPictures="0" embedTrueTypeFonts="1" strictFirstAndLastChars="0" saveSubsetFonts="1">
+<p:presentation xmlns:a="http://schemas.openxmlformats.org/drawingml/2006/main" xmlns:r="http://schemas.openxmlformats.org/officeDocument/2006/relationships" xmlns:p="http://schemas.openxmlformats.org/presentationml/2006/main" strictFirstAndLastChars="0" embedTrueTypeFonts="1" saveSubsetFonts="1" autoCompressPictures="0">
   <p:sldMasterIdLst>
-    <p:sldMasterId id="2147483659" r:id="rId4"/>
+    <p:sldMasterId id="2147483659" r:id="rId1"/>
   </p:sldMasterIdLst>
   <p:notesMasterIdLst>
-    <p:notesMasterId r:id="rId5"/>
+    <p:notesMasterId r:id="rId26"/>
   </p:notesMasterIdLst>
   <p:sldIdLst>
-    <p:sldId id="256" r:id="rId6"/>
-    <p:sldId id="257" r:id="rId7"/>
-    <p:sldId id="258" r:id="rId8"/>
-    <p:sldId id="259" r:id="rId9"/>
-    <p:sldId id="260" r:id="rId10"/>
-    <p:sldId id="261" r:id="rId11"/>
-    <p:sldId id="262" r:id="rId12"/>
-    <p:sldId id="263" r:id="rId13"/>
-    <p:sldId id="264" r:id="rId14"/>
-    <p:sldId id="265" r:id="rId15"/>
-    <p:sldId id="266" r:id="rId16"/>
-    <p:sldId id="267" r:id="rId17"/>
-    <p:sldId id="268" r:id="rId18"/>
-    <p:sldId id="269" r:id="rId19"/>
-    <p:sldId id="270" r:id="rId20"/>
-    <p:sldId id="271" r:id="rId21"/>
-    <p:sldId id="272" r:id="rId22"/>
-    <p:sldId id="273" r:id="rId23"/>
-    <p:sldId id="274" r:id="rId24"/>
-    <p:sldId id="275" r:id="rId25"/>
-    <p:sldId id="276" r:id="rId26"/>
-    <p:sldId id="277" r:id="rId27"/>
-    <p:sldId id="278" r:id="rId28"/>
-    <p:sldId id="279" r:id="rId29"/>
+    <p:sldId id="256" r:id="rId2"/>
+    <p:sldId id="257" r:id="rId3"/>
+    <p:sldId id="258" r:id="rId4"/>
+    <p:sldId id="259" r:id="rId5"/>
+    <p:sldId id="260" r:id="rId6"/>
+    <p:sldId id="261" r:id="rId7"/>
+    <p:sldId id="262" r:id="rId8"/>
+    <p:sldId id="263" r:id="rId9"/>
+    <p:sldId id="264" r:id="rId10"/>
+    <p:sldId id="265" r:id="rId11"/>
+    <p:sldId id="266" r:id="rId12"/>
+    <p:sldId id="267" r:id="rId13"/>
+    <p:sldId id="268" r:id="rId14"/>
+    <p:sldId id="269" r:id="rId15"/>
+    <p:sldId id="270" r:id="rId16"/>
+    <p:sldId id="271" r:id="rId17"/>
+    <p:sldId id="272" r:id="rId18"/>
+    <p:sldId id="273" r:id="rId19"/>
+    <p:sldId id="274" r:id="rId20"/>
+    <p:sldId id="275" r:id="rId21"/>
+    <p:sldId id="276" r:id="rId22"/>
+    <p:sldId id="277" r:id="rId23"/>
+    <p:sldId id="278" r:id="rId24"/>
+    <p:sldId id="279" r:id="rId25"/>
   </p:sldIdLst>
-  <p:sldSz cy="5143500" cx="9144000"/>
+  <p:sldSz cx="9144000" cy="5143500" type="screen16x9"/>
   <p:notesSz cx="6858000" cy="9144000"/>
   <p:embeddedFontLst>
     <p:embeddedFont>
-      <p:font typeface="Playfair Display"/>
-      <p:regular r:id="rId30"/>
-      <p:bold r:id="rId31"/>
-      <p:italic r:id="rId32"/>
-      <p:boldItalic r:id="rId33"/>
+      <p:font typeface="Lato" panose="020F0502020204030203" pitchFamily="34" charset="0"/>
+      <p:regular r:id="rId27"/>
+      <p:bold r:id="rId28"/>
+      <p:italic r:id="rId29"/>
+      <p:boldItalic r:id="rId30"/>
     </p:embeddedFont>
     <p:embeddedFont>
-      <p:font typeface="Lato"/>
-      <p:regular r:id="rId34"/>
-      <p:bold r:id="rId35"/>
-      <p:italic r:id="rId36"/>
-      <p:boldItalic r:id="rId37"/>
+      <p:font typeface="Playfair Display" pitchFamily="2" charset="0"/>
+      <p:regular r:id="rId31"/>
+      <p:bold r:id="rId32"/>
+      <p:italic r:id="rId33"/>
+      <p:boldItalic r:id="rId34"/>
     </p:embeddedFont>
   </p:embeddedFontLst>
   <p:defaultTextStyle>
-    <a:defPPr lvl="0" marR="0" rtl="0" algn="l">
+    <a:defPPr marR="0" lvl="0" algn="l" rtl="0">
       <a:lnSpc>
         <a:spcPct val="100000"/>
       </a:lnSpc>
@@ -63,7 +63,7 @@
         <a:spcPts val="0"/>
       </a:spcAft>
     </a:defPPr>
-    <a:lvl1pPr lvl="0" marR="0" rtl="0" algn="l">
+    <a:lvl1pPr marR="0" lvl="0" algn="l" rtl="0">
       <a:lnSpc>
         <a:spcPct val="100000"/>
       </a:lnSpc>
@@ -77,7 +77,7 @@
         <a:srgbClr val="000000"/>
       </a:buClr>
       <a:buFont typeface="Arial"/>
-      <a:defRPr b="0" i="0" sz="1400" u="none" cap="none" strike="noStrike">
+      <a:defRPr sz="1400" b="0" i="0" u="none" strike="noStrike" cap="none">
         <a:solidFill>
           <a:srgbClr val="000000"/>
         </a:solidFill>
@@ -87,7 +87,7 @@
         <a:sym typeface="Arial"/>
       </a:defRPr>
     </a:lvl1pPr>
-    <a:lvl2pPr lvl="1" marR="0" rtl="0" algn="l">
+    <a:lvl2pPr marR="0" lvl="1" algn="l" rtl="0">
       <a:lnSpc>
         <a:spcPct val="100000"/>
       </a:lnSpc>
@@ -101,7 +101,7 @@
         <a:srgbClr val="000000"/>
       </a:buClr>
       <a:buFont typeface="Arial"/>
-      <a:defRPr b="0" i="0" sz="1400" u="none" cap="none" strike="noStrike">
+      <a:defRPr sz="1400" b="0" i="0" u="none" strike="noStrike" cap="none">
         <a:solidFill>
           <a:srgbClr val="000000"/>
         </a:solidFill>
@@ -111,7 +111,7 @@
         <a:sym typeface="Arial"/>
       </a:defRPr>
     </a:lvl2pPr>
-    <a:lvl3pPr lvl="2" marR="0" rtl="0" algn="l">
+    <a:lvl3pPr marR="0" lvl="2" algn="l" rtl="0">
       <a:lnSpc>
         <a:spcPct val="100000"/>
       </a:lnSpc>
@@ -125,7 +125,7 @@
         <a:srgbClr val="000000"/>
       </a:buClr>
       <a:buFont typeface="Arial"/>
-      <a:defRPr b="0" i="0" sz="1400" u="none" cap="none" strike="noStrike">
+      <a:defRPr sz="1400" b="0" i="0" u="none" strike="noStrike" cap="none">
         <a:solidFill>
           <a:srgbClr val="000000"/>
         </a:solidFill>
@@ -135,7 +135,7 @@
         <a:sym typeface="Arial"/>
       </a:defRPr>
     </a:lvl3pPr>
-    <a:lvl4pPr lvl="3" marR="0" rtl="0" algn="l">
+    <a:lvl4pPr marR="0" lvl="3" algn="l" rtl="0">
       <a:lnSpc>
         <a:spcPct val="100000"/>
       </a:lnSpc>
@@ -149,7 +149,7 @@
         <a:srgbClr val="000000"/>
       </a:buClr>
       <a:buFont typeface="Arial"/>
-      <a:defRPr b="0" i="0" sz="1400" u="none" cap="none" strike="noStrike">
+      <a:defRPr sz="1400" b="0" i="0" u="none" strike="noStrike" cap="none">
         <a:solidFill>
           <a:srgbClr val="000000"/>
         </a:solidFill>
@@ -159,7 +159,7 @@
         <a:sym typeface="Arial"/>
       </a:defRPr>
     </a:lvl4pPr>
-    <a:lvl5pPr lvl="4" marR="0" rtl="0" algn="l">
+    <a:lvl5pPr marR="0" lvl="4" algn="l" rtl="0">
       <a:lnSpc>
         <a:spcPct val="100000"/>
       </a:lnSpc>
@@ -173,7 +173,7 @@
         <a:srgbClr val="000000"/>
       </a:buClr>
       <a:buFont typeface="Arial"/>
-      <a:defRPr b="0" i="0" sz="1400" u="none" cap="none" strike="noStrike">
+      <a:defRPr sz="1400" b="0" i="0" u="none" strike="noStrike" cap="none">
         <a:solidFill>
           <a:srgbClr val="000000"/>
         </a:solidFill>
@@ -183,7 +183,7 @@
         <a:sym typeface="Arial"/>
       </a:defRPr>
     </a:lvl5pPr>
-    <a:lvl6pPr lvl="5" marR="0" rtl="0" algn="l">
+    <a:lvl6pPr marR="0" lvl="5" algn="l" rtl="0">
       <a:lnSpc>
         <a:spcPct val="100000"/>
       </a:lnSpc>
@@ -197,7 +197,7 @@
         <a:srgbClr val="000000"/>
       </a:buClr>
       <a:buFont typeface="Arial"/>
-      <a:defRPr b="0" i="0" sz="1400" u="none" cap="none" strike="noStrike">
+      <a:defRPr sz="1400" b="0" i="0" u="none" strike="noStrike" cap="none">
         <a:solidFill>
           <a:srgbClr val="000000"/>
         </a:solidFill>
@@ -207,7 +207,7 @@
         <a:sym typeface="Arial"/>
       </a:defRPr>
     </a:lvl6pPr>
-    <a:lvl7pPr lvl="6" marR="0" rtl="0" algn="l">
+    <a:lvl7pPr marR="0" lvl="6" algn="l" rtl="0">
       <a:lnSpc>
         <a:spcPct val="100000"/>
       </a:lnSpc>
@@ -221,7 +221,7 @@
         <a:srgbClr val="000000"/>
       </a:buClr>
       <a:buFont typeface="Arial"/>
-      <a:defRPr b="0" i="0" sz="1400" u="none" cap="none" strike="noStrike">
+      <a:defRPr sz="1400" b="0" i="0" u="none" strike="noStrike" cap="none">
         <a:solidFill>
           <a:srgbClr val="000000"/>
         </a:solidFill>
@@ -231,7 +231,7 @@
         <a:sym typeface="Arial"/>
       </a:defRPr>
     </a:lvl7pPr>
-    <a:lvl8pPr lvl="7" marR="0" rtl="0" algn="l">
+    <a:lvl8pPr marR="0" lvl="7" algn="l" rtl="0">
       <a:lnSpc>
         <a:spcPct val="100000"/>
       </a:lnSpc>
@@ -245,7 +245,7 @@
         <a:srgbClr val="000000"/>
       </a:buClr>
       <a:buFont typeface="Arial"/>
-      <a:defRPr b="0" i="0" sz="1400" u="none" cap="none" strike="noStrike">
+      <a:defRPr sz="1400" b="0" i="0" u="none" strike="noStrike" cap="none">
         <a:solidFill>
           <a:srgbClr val="000000"/>
         </a:solidFill>
@@ -255,7 +255,7 @@
         <a:sym typeface="Arial"/>
       </a:defRPr>
     </a:lvl8pPr>
-    <a:lvl9pPr lvl="8" marR="0" rtl="0" algn="l">
+    <a:lvl9pPr marR="0" lvl="8" algn="l" rtl="0">
       <a:lnSpc>
         <a:spcPct val="100000"/>
       </a:lnSpc>
@@ -269,7 +269,7 @@
         <a:srgbClr val="000000"/>
       </a:buClr>
       <a:buFont typeface="Arial"/>
-      <a:defRPr b="0" i="0" sz="1400" u="none" cap="none" strike="noStrike">
+      <a:defRPr sz="1400" b="0" i="0" u="none" strike="noStrike" cap="none">
         <a:solidFill>
           <a:srgbClr val="000000"/>
         </a:solidFill>
@@ -282,7 +282,7 @@
   </p:defaultTextStyle>
   <p:extLst>
     <p:ext uri="{EFAFB233-063F-42B5-8137-9DF3F51BA10A}">
-      <p15:sldGuideLst>
+      <p15:sldGuideLst xmlns:p15="http://schemas.microsoft.com/office/powerpoint/2012/main">
         <p15:guide id="1" orient="horz" pos="1620">
           <p15:clr>
             <a:srgbClr val="747775"/>
@@ -300,11 +300,16 @@
 </file>
 
 <file path=ppt/notesMasters/notesMaster1.xml><?xml version="1.0" encoding="utf-8"?>
-<p:notesMaster xmlns:a="http://schemas.openxmlformats.org/drawingml/2006/main" xmlns:r="http://schemas.openxmlformats.org/officeDocument/2006/relationships" xmlns:mc="http://schemas.openxmlformats.org/markup-compatibility/2006" xmlns:mv="urn:schemas-microsoft-com:mac:vml" xmlns:p="http://schemas.openxmlformats.org/presentationml/2006/main" xmlns:c="http://schemas.openxmlformats.org/drawingml/2006/chart" xmlns:dgm="http://schemas.openxmlformats.org/drawingml/2006/diagram" xmlns:o="urn:schemas-microsoft-com:office:office" xmlns:v="urn:schemas-microsoft-com:vml" xmlns:pvml="urn:schemas-microsoft-com:office:powerpoint" xmlns:com="http://schemas.openxmlformats.org/drawingml/2006/compatibility" xmlns:p14="http://schemas.microsoft.com/office/powerpoint/2010/main" xmlns:p15="http://schemas.microsoft.com/office/powerpoint/2012/main" xmlns:ahyp="http://schemas.microsoft.com/office/drawing/2018/hyperlinkcolor">
+<p:notesMaster xmlns:a="http://schemas.openxmlformats.org/drawingml/2006/main" xmlns:r="http://schemas.openxmlformats.org/officeDocument/2006/relationships" xmlns:p="http://schemas.openxmlformats.org/presentationml/2006/main">
   <p:cSld>
+    <p:bg>
+      <p:bgRef idx="1001">
+        <a:schemeClr val="bg1"/>
+      </p:bgRef>
+    </p:bg>
     <p:spTree>
       <p:nvGrpSpPr>
-        <p:cNvPr id="2" name="Shape 2"/>
+        <p:cNvPr id="1" name="Shape 2"/>
         <p:cNvGrpSpPr/>
         <p:nvPr/>
       </p:nvGrpSpPr>
@@ -319,9 +324,11 @@
       <p:sp>
         <p:nvSpPr>
           <p:cNvPr id="3" name="Google Shape;3;n"/>
-          <p:cNvSpPr/>
+          <p:cNvSpPr>
+            <a:spLocks noGrp="1" noRot="1" noChangeAspect="1"/>
+          </p:cNvSpPr>
           <p:nvPr>
-            <p:ph idx="2" type="sldImg"/>
+            <p:ph type="sldImg" idx="2"/>
           </p:nvPr>
         </p:nvSpPr>
         <p:spPr>
@@ -330,9 +337,13 @@
             <a:ext cx="6096075" cy="3429000"/>
           </a:xfrm>
           <a:custGeom>
-            <a:rect b="b" l="l" r="r" t="t"/>
+            <a:avLst/>
+            <a:gdLst/>
+            <a:ahLst/>
+            <a:cxnLst/>
+            <a:rect l="l" t="t" r="r" b="b"/>
             <a:pathLst>
-              <a:path extrusionOk="0" h="120000" w="120000">
+              <a:path w="120000" h="120000" extrusionOk="0">
                 <a:moveTo>
                   <a:pt x="0" y="0"/>
                 </a:moveTo>
@@ -350,23 +361,25 @@
             </a:pathLst>
           </a:custGeom>
           <a:noFill/>
-          <a:ln cap="flat" cmpd="sng" w="9525">
+          <a:ln w="9525" cap="flat" cmpd="sng">
             <a:solidFill>
               <a:srgbClr val="000000"/>
             </a:solidFill>
             <a:prstDash val="solid"/>
             <a:round/>
-            <a:headEnd len="sm" w="sm" type="none"/>
-            <a:tailEnd len="sm" w="sm" type="none"/>
+            <a:headEnd type="none" w="sm" len="sm"/>
+            <a:tailEnd type="none" w="sm" len="sm"/>
           </a:ln>
         </p:spPr>
       </p:sp>
       <p:sp>
         <p:nvSpPr>
           <p:cNvPr id="4" name="Google Shape;4;n"/>
-          <p:cNvSpPr txBox="1"/>
+          <p:cNvSpPr txBox="1">
+            <a:spLocks noGrp="1"/>
+          </p:cNvSpPr>
           <p:nvPr>
-            <p:ph idx="1" type="body"/>
+            <p:ph type="body" idx="1"/>
           </p:nvPr>
         </p:nvSpPr>
         <p:spPr>
@@ -383,11 +396,11 @@
           </a:ln>
         </p:spPr>
         <p:txBody>
-          <a:bodyPr anchorCtr="0" anchor="t" bIns="91425" lIns="91425" spcFirstLastPara="1" rIns="91425" wrap="square" tIns="91425">
+          <a:bodyPr spcFirstLastPara="1" wrap="square" lIns="91425" tIns="91425" rIns="91425" bIns="91425" anchor="t" anchorCtr="0">
             <a:noAutofit/>
           </a:bodyPr>
           <a:lstStyle>
-            <a:lvl1pPr indent="-298450" lvl="0" marL="457200">
+            <a:lvl1pPr marL="457200" lvl="0" indent="-298450">
               <a:spcBef>
                 <a:spcPts val="0"/>
               </a:spcBef>
@@ -398,7 +411,7 @@
               <a:buChar char="●"/>
               <a:defRPr sz="1100"/>
             </a:lvl1pPr>
-            <a:lvl2pPr indent="-298450" lvl="1" marL="914400">
+            <a:lvl2pPr marL="914400" lvl="1" indent="-298450">
               <a:spcBef>
                 <a:spcPts val="0"/>
               </a:spcBef>
@@ -409,7 +422,7 @@
               <a:buChar char="○"/>
               <a:defRPr sz="1100"/>
             </a:lvl2pPr>
-            <a:lvl3pPr indent="-298450" lvl="2" marL="1371600">
+            <a:lvl3pPr marL="1371600" lvl="2" indent="-298450">
               <a:spcBef>
                 <a:spcPts val="0"/>
               </a:spcBef>
@@ -420,7 +433,7 @@
               <a:buChar char="■"/>
               <a:defRPr sz="1100"/>
             </a:lvl3pPr>
-            <a:lvl4pPr indent="-298450" lvl="3" marL="1828800">
+            <a:lvl4pPr marL="1828800" lvl="3" indent="-298450">
               <a:spcBef>
                 <a:spcPts val="0"/>
               </a:spcBef>
@@ -431,7 +444,7 @@
               <a:buChar char="●"/>
               <a:defRPr sz="1100"/>
             </a:lvl4pPr>
-            <a:lvl5pPr indent="-298450" lvl="4" marL="2286000">
+            <a:lvl5pPr marL="2286000" lvl="4" indent="-298450">
               <a:spcBef>
                 <a:spcPts val="0"/>
               </a:spcBef>
@@ -442,7 +455,7 @@
               <a:buChar char="○"/>
               <a:defRPr sz="1100"/>
             </a:lvl5pPr>
-            <a:lvl6pPr indent="-298450" lvl="5" marL="2743200">
+            <a:lvl6pPr marL="2743200" lvl="5" indent="-298450">
               <a:spcBef>
                 <a:spcPts val="0"/>
               </a:spcBef>
@@ -453,7 +466,7 @@
               <a:buChar char="■"/>
               <a:defRPr sz="1100"/>
             </a:lvl6pPr>
-            <a:lvl7pPr indent="-298450" lvl="6" marL="3200400">
+            <a:lvl7pPr marL="3200400" lvl="6" indent="-298450">
               <a:spcBef>
                 <a:spcPts val="0"/>
               </a:spcBef>
@@ -464,7 +477,7 @@
               <a:buChar char="●"/>
               <a:defRPr sz="1100"/>
             </a:lvl7pPr>
-            <a:lvl8pPr indent="-298450" lvl="7" marL="3657600">
+            <a:lvl8pPr marL="3657600" lvl="7" indent="-298450">
               <a:spcBef>
                 <a:spcPts val="0"/>
               </a:spcBef>
@@ -475,7 +488,7 @@
               <a:buChar char="○"/>
               <a:defRPr sz="1100"/>
             </a:lvl8pPr>
-            <a:lvl9pPr indent="-298450" lvl="8" marL="4114800">
+            <a:lvl9pPr marL="4114800" lvl="8" indent="-298450">
               <a:spcBef>
                 <a:spcPts val="0"/>
               </a:spcBef>
@@ -487,14 +500,16 @@
               <a:defRPr sz="1100"/>
             </a:lvl9pPr>
           </a:lstStyle>
-          <a:p/>
+          <a:p>
+            <a:endParaRPr/>
+          </a:p>
         </p:txBody>
       </p:sp>
     </p:spTree>
   </p:cSld>
-  <p:clrMap accent1="accent1" accent2="accent2" accent3="accent3" accent4="accent4" accent5="accent5" accent6="accent6" bg1="lt1" bg2="dk2" tx1="dk1" tx2="lt2" folHlink="folHlink" hlink="hlink"/>
+  <p:clrMap bg1="lt1" tx1="dk1" bg2="dk2" tx2="lt2" accent1="accent1" accent2="accent2" accent3="accent3" accent4="accent4" accent5="accent5" accent6="accent6" hlink="hlink" folHlink="folHlink"/>
   <p:notesStyle>
-    <a:defPPr lvl="0" marR="0" rtl="0" algn="l">
+    <a:defPPr marR="0" lvl="0" algn="l" rtl="0">
       <a:lnSpc>
         <a:spcPct val="100000"/>
       </a:lnSpc>
@@ -505,7 +520,7 @@
         <a:spcPts val="0"/>
       </a:spcAft>
     </a:defPPr>
-    <a:lvl1pPr lvl="0" marR="0" rtl="0" algn="l">
+    <a:lvl1pPr marR="0" lvl="0" algn="l" rtl="0">
       <a:lnSpc>
         <a:spcPct val="100000"/>
       </a:lnSpc>
@@ -519,7 +534,7 @@
         <a:srgbClr val="000000"/>
       </a:buClr>
       <a:buFont typeface="Arial"/>
-      <a:defRPr b="0" i="0" sz="1400" u="none" cap="none" strike="noStrike">
+      <a:defRPr sz="1400" b="0" i="0" u="none" strike="noStrike" cap="none">
         <a:solidFill>
           <a:srgbClr val="000000"/>
         </a:solidFill>
@@ -529,7 +544,7 @@
         <a:sym typeface="Arial"/>
       </a:defRPr>
     </a:lvl1pPr>
-    <a:lvl2pPr lvl="1" marR="0" rtl="0" algn="l">
+    <a:lvl2pPr marR="0" lvl="1" algn="l" rtl="0">
       <a:lnSpc>
         <a:spcPct val="100000"/>
       </a:lnSpc>
@@ -543,7 +558,7 @@
         <a:srgbClr val="000000"/>
       </a:buClr>
       <a:buFont typeface="Arial"/>
-      <a:defRPr b="0" i="0" sz="1400" u="none" cap="none" strike="noStrike">
+      <a:defRPr sz="1400" b="0" i="0" u="none" strike="noStrike" cap="none">
         <a:solidFill>
           <a:srgbClr val="000000"/>
         </a:solidFill>
@@ -553,7 +568,7 @@
         <a:sym typeface="Arial"/>
       </a:defRPr>
     </a:lvl2pPr>
-    <a:lvl3pPr lvl="2" marR="0" rtl="0" algn="l">
+    <a:lvl3pPr marR="0" lvl="2" algn="l" rtl="0">
       <a:lnSpc>
         <a:spcPct val="100000"/>
       </a:lnSpc>
@@ -567,7 +582,7 @@
         <a:srgbClr val="000000"/>
       </a:buClr>
       <a:buFont typeface="Arial"/>
-      <a:defRPr b="0" i="0" sz="1400" u="none" cap="none" strike="noStrike">
+      <a:defRPr sz="1400" b="0" i="0" u="none" strike="noStrike" cap="none">
         <a:solidFill>
           <a:srgbClr val="000000"/>
         </a:solidFill>
@@ -577,7 +592,7 @@
         <a:sym typeface="Arial"/>
       </a:defRPr>
     </a:lvl3pPr>
-    <a:lvl4pPr lvl="3" marR="0" rtl="0" algn="l">
+    <a:lvl4pPr marR="0" lvl="3" algn="l" rtl="0">
       <a:lnSpc>
         <a:spcPct val="100000"/>
       </a:lnSpc>
@@ -591,7 +606,7 @@
         <a:srgbClr val="000000"/>
       </a:buClr>
       <a:buFont typeface="Arial"/>
-      <a:defRPr b="0" i="0" sz="1400" u="none" cap="none" strike="noStrike">
+      <a:defRPr sz="1400" b="0" i="0" u="none" strike="noStrike" cap="none">
         <a:solidFill>
           <a:srgbClr val="000000"/>
         </a:solidFill>
@@ -601,7 +616,7 @@
         <a:sym typeface="Arial"/>
       </a:defRPr>
     </a:lvl4pPr>
-    <a:lvl5pPr lvl="4" marR="0" rtl="0" algn="l">
+    <a:lvl5pPr marR="0" lvl="4" algn="l" rtl="0">
       <a:lnSpc>
         <a:spcPct val="100000"/>
       </a:lnSpc>
@@ -615,7 +630,7 @@
         <a:srgbClr val="000000"/>
       </a:buClr>
       <a:buFont typeface="Arial"/>
-      <a:defRPr b="0" i="0" sz="1400" u="none" cap="none" strike="noStrike">
+      <a:defRPr sz="1400" b="0" i="0" u="none" strike="noStrike" cap="none">
         <a:solidFill>
           <a:srgbClr val="000000"/>
         </a:solidFill>
@@ -625,7 +640,7 @@
         <a:sym typeface="Arial"/>
       </a:defRPr>
     </a:lvl5pPr>
-    <a:lvl6pPr lvl="5" marR="0" rtl="0" algn="l">
+    <a:lvl6pPr marR="0" lvl="5" algn="l" rtl="0">
       <a:lnSpc>
         <a:spcPct val="100000"/>
       </a:lnSpc>
@@ -639,7 +654,7 @@
         <a:srgbClr val="000000"/>
       </a:buClr>
       <a:buFont typeface="Arial"/>
-      <a:defRPr b="0" i="0" sz="1400" u="none" cap="none" strike="noStrike">
+      <a:defRPr sz="1400" b="0" i="0" u="none" strike="noStrike" cap="none">
         <a:solidFill>
           <a:srgbClr val="000000"/>
         </a:solidFill>
@@ -649,7 +664,7 @@
         <a:sym typeface="Arial"/>
       </a:defRPr>
     </a:lvl6pPr>
-    <a:lvl7pPr lvl="6" marR="0" rtl="0" algn="l">
+    <a:lvl7pPr marR="0" lvl="6" algn="l" rtl="0">
       <a:lnSpc>
         <a:spcPct val="100000"/>
       </a:lnSpc>
@@ -663,7 +678,7 @@
         <a:srgbClr val="000000"/>
       </a:buClr>
       <a:buFont typeface="Arial"/>
-      <a:defRPr b="0" i="0" sz="1400" u="none" cap="none" strike="noStrike">
+      <a:defRPr sz="1400" b="0" i="0" u="none" strike="noStrike" cap="none">
         <a:solidFill>
           <a:srgbClr val="000000"/>
         </a:solidFill>
@@ -673,7 +688,7 @@
         <a:sym typeface="Arial"/>
       </a:defRPr>
     </a:lvl7pPr>
-    <a:lvl8pPr lvl="7" marR="0" rtl="0" algn="l">
+    <a:lvl8pPr marR="0" lvl="7" algn="l" rtl="0">
       <a:lnSpc>
         <a:spcPct val="100000"/>
       </a:lnSpc>
@@ -687,7 +702,7 @@
         <a:srgbClr val="000000"/>
       </a:buClr>
       <a:buFont typeface="Arial"/>
-      <a:defRPr b="0" i="0" sz="1400" u="none" cap="none" strike="noStrike">
+      <a:defRPr sz="1400" b="0" i="0" u="none" strike="noStrike" cap="none">
         <a:solidFill>
           <a:srgbClr val="000000"/>
         </a:solidFill>
@@ -697,7 +712,7 @@
         <a:sym typeface="Arial"/>
       </a:defRPr>
     </a:lvl8pPr>
-    <a:lvl9pPr lvl="8" marR="0" rtl="0" algn="l">
+    <a:lvl9pPr marR="0" lvl="8" algn="l" rtl="0">
       <a:lnSpc>
         <a:spcPct val="100000"/>
       </a:lnSpc>
@@ -711,7 +726,7 @@
         <a:srgbClr val="000000"/>
       </a:buClr>
       <a:buFont typeface="Arial"/>
-      <a:defRPr b="0" i="0" sz="1400" u="none" cap="none" strike="noStrike">
+      <a:defRPr sz="1400" b="0" i="0" u="none" strike="noStrike" cap="none">
         <a:solidFill>
           <a:srgbClr val="000000"/>
         </a:solidFill>
@@ -726,11 +741,11 @@
 </file>
 
 <file path=ppt/notesSlides/notesSlide1.xml><?xml version="1.0" encoding="utf-8"?>
-<p:notes xmlns:a="http://schemas.openxmlformats.org/drawingml/2006/main" xmlns:r="http://schemas.openxmlformats.org/officeDocument/2006/relationships" xmlns:mc="http://schemas.openxmlformats.org/markup-compatibility/2006" xmlns:mv="urn:schemas-microsoft-com:mac:vml" xmlns:p="http://schemas.openxmlformats.org/presentationml/2006/main" xmlns:c="http://schemas.openxmlformats.org/drawingml/2006/chart" xmlns:dgm="http://schemas.openxmlformats.org/drawingml/2006/diagram" xmlns:o="urn:schemas-microsoft-com:office:office" xmlns:v="urn:schemas-microsoft-com:vml" xmlns:pvml="urn:schemas-microsoft-com:office:powerpoint" xmlns:com="http://schemas.openxmlformats.org/drawingml/2006/compatibility" xmlns:p14="http://schemas.microsoft.com/office/powerpoint/2010/main" xmlns:p15="http://schemas.microsoft.com/office/powerpoint/2012/main" xmlns:ahyp="http://schemas.microsoft.com/office/drawing/2018/hyperlinkcolor" showMasterPhAnim="0" showMasterSp="0">
+<p:notes xmlns:a="http://schemas.openxmlformats.org/drawingml/2006/main" xmlns:r="http://schemas.openxmlformats.org/officeDocument/2006/relationships" xmlns:p="http://schemas.openxmlformats.org/presentationml/2006/main" showMasterSp="0" showMasterPhAnim="0">
   <p:cSld>
     <p:spTree>
       <p:nvGrpSpPr>
-        <p:cNvPr id="55" name="Shape 55"/>
+        <p:cNvPr id="1" name="Shape 55"/>
         <p:cNvGrpSpPr/>
         <p:nvPr/>
       </p:nvGrpSpPr>
@@ -745,9 +760,11 @@
       <p:sp>
         <p:nvSpPr>
           <p:cNvPr id="56" name="Google Shape;56;p:notes"/>
-          <p:cNvSpPr/>
+          <p:cNvSpPr>
+            <a:spLocks noGrp="1" noRot="1" noChangeAspect="1"/>
+          </p:cNvSpPr>
           <p:nvPr>
-            <p:ph idx="2" type="sldImg"/>
+            <p:ph type="sldImg" idx="2"/>
           </p:nvPr>
         </p:nvSpPr>
         <p:spPr>
@@ -756,9 +773,13 @@
             <a:ext cx="6096075" cy="3429000"/>
           </a:xfrm>
           <a:custGeom>
-            <a:rect b="b" l="l" r="r" t="t"/>
+            <a:avLst/>
+            <a:gdLst/>
+            <a:ahLst/>
+            <a:cxnLst/>
+            <a:rect l="l" t="t" r="r" b="b"/>
             <a:pathLst>
-              <a:path extrusionOk="0" h="120000" w="120000">
+              <a:path w="120000" h="120000" extrusionOk="0">
                 <a:moveTo>
                   <a:pt x="0" y="0"/>
                 </a:moveTo>
@@ -780,9 +801,11 @@
       <p:sp>
         <p:nvSpPr>
           <p:cNvPr id="57" name="Google Shape;57;p:notes"/>
-          <p:cNvSpPr txBox="1"/>
+          <p:cNvSpPr txBox="1">
+            <a:spLocks noGrp="1"/>
+          </p:cNvSpPr>
           <p:nvPr>
-            <p:ph idx="1" type="body"/>
+            <p:ph type="body" idx="1"/>
           </p:nvPr>
         </p:nvSpPr>
         <p:spPr>
@@ -795,12 +818,12 @@
           </a:prstGeom>
         </p:spPr>
         <p:txBody>
-          <a:bodyPr anchorCtr="0" anchor="t" bIns="91425" lIns="91425" spcFirstLastPara="1" rIns="91425" wrap="square" tIns="91425">
+          <a:bodyPr spcFirstLastPara="1" wrap="square" lIns="91425" tIns="91425" rIns="91425" bIns="91425" anchor="t" anchorCtr="0">
             <a:noAutofit/>
           </a:bodyPr>
           <a:lstStyle/>
           <a:p>
-            <a:pPr indent="0" lvl="0" marL="0" rtl="0" algn="l">
+            <a:pPr marL="0" lvl="0" indent="0" algn="l" rtl="0">
               <a:spcBef>
                 <a:spcPts val="0"/>
               </a:spcBef>
@@ -809,9 +832,6 @@
               </a:spcAft>
               <a:buNone/>
             </a:pPr>
-            <a:r>
-              <a:t/>
-            </a:r>
             <a:endParaRPr/>
           </a:p>
         </p:txBody>
@@ -825,11 +845,11 @@
 </file>
 
 <file path=ppt/notesSlides/notesSlide10.xml><?xml version="1.0" encoding="utf-8"?>
-<p:notes xmlns:a="http://schemas.openxmlformats.org/drawingml/2006/main" xmlns:r="http://schemas.openxmlformats.org/officeDocument/2006/relationships" xmlns:mc="http://schemas.openxmlformats.org/markup-compatibility/2006" xmlns:mv="urn:schemas-microsoft-com:mac:vml" xmlns:p="http://schemas.openxmlformats.org/presentationml/2006/main" xmlns:c="http://schemas.openxmlformats.org/drawingml/2006/chart" xmlns:dgm="http://schemas.openxmlformats.org/drawingml/2006/diagram" xmlns:o="urn:schemas-microsoft-com:office:office" xmlns:v="urn:schemas-microsoft-com:vml" xmlns:pvml="urn:schemas-microsoft-com:office:powerpoint" xmlns:com="http://schemas.openxmlformats.org/drawingml/2006/compatibility" xmlns:p14="http://schemas.microsoft.com/office/powerpoint/2010/main" xmlns:p15="http://schemas.microsoft.com/office/powerpoint/2012/main" xmlns:ahyp="http://schemas.microsoft.com/office/drawing/2018/hyperlinkcolor" showMasterPhAnim="0" showMasterSp="0">
+<p:notes xmlns:a="http://schemas.openxmlformats.org/drawingml/2006/main" xmlns:r="http://schemas.openxmlformats.org/officeDocument/2006/relationships" xmlns:p="http://schemas.openxmlformats.org/presentationml/2006/main" showMasterSp="0" showMasterPhAnim="0">
   <p:cSld>
     <p:spTree>
       <p:nvGrpSpPr>
-        <p:cNvPr id="104" name="Shape 104"/>
+        <p:cNvPr id="1" name="Shape 104"/>
         <p:cNvGrpSpPr/>
         <p:nvPr/>
       </p:nvGrpSpPr>
@@ -844,9 +864,11 @@
       <p:sp>
         <p:nvSpPr>
           <p:cNvPr id="105" name="Google Shape;105;g25e0b65091b_0_18:notes"/>
-          <p:cNvSpPr/>
+          <p:cNvSpPr>
+            <a:spLocks noGrp="1" noRot="1" noChangeAspect="1"/>
+          </p:cNvSpPr>
           <p:nvPr>
-            <p:ph idx="2" type="sldImg"/>
+            <p:ph type="sldImg" idx="2"/>
           </p:nvPr>
         </p:nvSpPr>
         <p:spPr>
@@ -855,9 +877,13 @@
             <a:ext cx="6096000" cy="3429000"/>
           </a:xfrm>
           <a:custGeom>
-            <a:rect b="b" l="l" r="r" t="t"/>
+            <a:avLst/>
+            <a:gdLst/>
+            <a:ahLst/>
+            <a:cxnLst/>
+            <a:rect l="l" t="t" r="r" b="b"/>
             <a:pathLst>
-              <a:path extrusionOk="0" h="120000" w="120000">
+              <a:path w="120000" h="120000" extrusionOk="0">
                 <a:moveTo>
                   <a:pt x="0" y="0"/>
                 </a:moveTo>
@@ -879,9 +905,11 @@
       <p:sp>
         <p:nvSpPr>
           <p:cNvPr id="106" name="Google Shape;106;g25e0b65091b_0_18:notes"/>
-          <p:cNvSpPr txBox="1"/>
+          <p:cNvSpPr txBox="1">
+            <a:spLocks noGrp="1"/>
+          </p:cNvSpPr>
           <p:nvPr>
-            <p:ph idx="1" type="body"/>
+            <p:ph type="body" idx="1"/>
           </p:nvPr>
         </p:nvSpPr>
         <p:spPr>
@@ -894,12 +922,12 @@
           </a:prstGeom>
         </p:spPr>
         <p:txBody>
-          <a:bodyPr anchorCtr="0" anchor="t" bIns="91425" lIns="91425" spcFirstLastPara="1" rIns="91425" wrap="square" tIns="91425">
+          <a:bodyPr spcFirstLastPara="1" wrap="square" lIns="91425" tIns="91425" rIns="91425" bIns="91425" anchor="t" anchorCtr="0">
             <a:noAutofit/>
           </a:bodyPr>
           <a:lstStyle/>
           <a:p>
-            <a:pPr indent="0" lvl="0" marL="0" rtl="0" algn="l">
+            <a:pPr marL="0" lvl="0" indent="0" algn="l" rtl="0">
               <a:spcBef>
                 <a:spcPts val="0"/>
               </a:spcBef>
@@ -908,9 +936,6 @@
               </a:spcAft>
               <a:buNone/>
             </a:pPr>
-            <a:r>
-              <a:t/>
-            </a:r>
             <a:endParaRPr/>
           </a:p>
         </p:txBody>
@@ -924,11 +949,11 @@
 </file>
 
 <file path=ppt/notesSlides/notesSlide11.xml><?xml version="1.0" encoding="utf-8"?>
-<p:notes xmlns:a="http://schemas.openxmlformats.org/drawingml/2006/main" xmlns:r="http://schemas.openxmlformats.org/officeDocument/2006/relationships" xmlns:mc="http://schemas.openxmlformats.org/markup-compatibility/2006" xmlns:mv="urn:schemas-microsoft-com:mac:vml" xmlns:p="http://schemas.openxmlformats.org/presentationml/2006/main" xmlns:c="http://schemas.openxmlformats.org/drawingml/2006/chart" xmlns:dgm="http://schemas.openxmlformats.org/drawingml/2006/diagram" xmlns:o="urn:schemas-microsoft-com:office:office" xmlns:v="urn:schemas-microsoft-com:vml" xmlns:pvml="urn:schemas-microsoft-com:office:powerpoint" xmlns:com="http://schemas.openxmlformats.org/drawingml/2006/compatibility" xmlns:p14="http://schemas.microsoft.com/office/powerpoint/2010/main" xmlns:p15="http://schemas.microsoft.com/office/powerpoint/2012/main" xmlns:ahyp="http://schemas.microsoft.com/office/drawing/2018/hyperlinkcolor" showMasterPhAnim="0" showMasterSp="0">
+<p:notes xmlns:a="http://schemas.openxmlformats.org/drawingml/2006/main" xmlns:r="http://schemas.openxmlformats.org/officeDocument/2006/relationships" xmlns:p="http://schemas.openxmlformats.org/presentationml/2006/main" showMasterSp="0" showMasterPhAnim="0">
   <p:cSld>
     <p:spTree>
       <p:nvGrpSpPr>
-        <p:cNvPr id="110" name="Shape 110"/>
+        <p:cNvPr id="1" name="Shape 110"/>
         <p:cNvGrpSpPr/>
         <p:nvPr/>
       </p:nvGrpSpPr>
@@ -943,9 +968,11 @@
       <p:sp>
         <p:nvSpPr>
           <p:cNvPr id="111" name="Google Shape;111;g25e0b65091b_0_24:notes"/>
-          <p:cNvSpPr/>
+          <p:cNvSpPr>
+            <a:spLocks noGrp="1" noRot="1" noChangeAspect="1"/>
+          </p:cNvSpPr>
           <p:nvPr>
-            <p:ph idx="2" type="sldImg"/>
+            <p:ph type="sldImg" idx="2"/>
           </p:nvPr>
         </p:nvSpPr>
         <p:spPr>
@@ -954,9 +981,13 @@
             <a:ext cx="6096000" cy="3429000"/>
           </a:xfrm>
           <a:custGeom>
-            <a:rect b="b" l="l" r="r" t="t"/>
+            <a:avLst/>
+            <a:gdLst/>
+            <a:ahLst/>
+            <a:cxnLst/>
+            <a:rect l="l" t="t" r="r" b="b"/>
             <a:pathLst>
-              <a:path extrusionOk="0" h="120000" w="120000">
+              <a:path w="120000" h="120000" extrusionOk="0">
                 <a:moveTo>
                   <a:pt x="0" y="0"/>
                 </a:moveTo>
@@ -978,9 +1009,11 @@
       <p:sp>
         <p:nvSpPr>
           <p:cNvPr id="112" name="Google Shape;112;g25e0b65091b_0_24:notes"/>
-          <p:cNvSpPr txBox="1"/>
+          <p:cNvSpPr txBox="1">
+            <a:spLocks noGrp="1"/>
+          </p:cNvSpPr>
           <p:nvPr>
-            <p:ph idx="1" type="body"/>
+            <p:ph type="body" idx="1"/>
           </p:nvPr>
         </p:nvSpPr>
         <p:spPr>
@@ -993,12 +1026,12 @@
           </a:prstGeom>
         </p:spPr>
         <p:txBody>
-          <a:bodyPr anchorCtr="0" anchor="t" bIns="91425" lIns="91425" spcFirstLastPara="1" rIns="91425" wrap="square" tIns="91425">
+          <a:bodyPr spcFirstLastPara="1" wrap="square" lIns="91425" tIns="91425" rIns="91425" bIns="91425" anchor="t" anchorCtr="0">
             <a:noAutofit/>
           </a:bodyPr>
           <a:lstStyle/>
           <a:p>
-            <a:pPr indent="0" lvl="0" marL="0" rtl="0" algn="l">
+            <a:pPr marL="0" lvl="0" indent="0" algn="l" rtl="0">
               <a:spcBef>
                 <a:spcPts val="0"/>
               </a:spcBef>
@@ -1007,9 +1040,6 @@
               </a:spcAft>
               <a:buNone/>
             </a:pPr>
-            <a:r>
-              <a:t/>
-            </a:r>
             <a:endParaRPr/>
           </a:p>
         </p:txBody>
@@ -1023,11 +1053,11 @@
 </file>
 
 <file path=ppt/notesSlides/notesSlide12.xml><?xml version="1.0" encoding="utf-8"?>
-<p:notes xmlns:a="http://schemas.openxmlformats.org/drawingml/2006/main" xmlns:r="http://schemas.openxmlformats.org/officeDocument/2006/relationships" xmlns:mc="http://schemas.openxmlformats.org/markup-compatibility/2006" xmlns:mv="urn:schemas-microsoft-com:mac:vml" xmlns:p="http://schemas.openxmlformats.org/presentationml/2006/main" xmlns:c="http://schemas.openxmlformats.org/drawingml/2006/chart" xmlns:dgm="http://schemas.openxmlformats.org/drawingml/2006/diagram" xmlns:o="urn:schemas-microsoft-com:office:office" xmlns:v="urn:schemas-microsoft-com:vml" xmlns:pvml="urn:schemas-microsoft-com:office:powerpoint" xmlns:com="http://schemas.openxmlformats.org/drawingml/2006/compatibility" xmlns:p14="http://schemas.microsoft.com/office/powerpoint/2010/main" xmlns:p15="http://schemas.microsoft.com/office/powerpoint/2012/main" xmlns:ahyp="http://schemas.microsoft.com/office/drawing/2018/hyperlinkcolor" showMasterPhAnim="0" showMasterSp="0">
+<p:notes xmlns:a="http://schemas.openxmlformats.org/drawingml/2006/main" xmlns:r="http://schemas.openxmlformats.org/officeDocument/2006/relationships" xmlns:p="http://schemas.openxmlformats.org/presentationml/2006/main" showMasterSp="0" showMasterPhAnim="0">
   <p:cSld>
     <p:spTree>
       <p:nvGrpSpPr>
-        <p:cNvPr id="117" name="Shape 117"/>
+        <p:cNvPr id="1" name="Shape 117"/>
         <p:cNvGrpSpPr/>
         <p:nvPr/>
       </p:nvGrpSpPr>
@@ -1042,9 +1072,11 @@
       <p:sp>
         <p:nvSpPr>
           <p:cNvPr id="118" name="Google Shape;118;g25e0b65091b_0_37:notes"/>
-          <p:cNvSpPr/>
+          <p:cNvSpPr>
+            <a:spLocks noGrp="1" noRot="1" noChangeAspect="1"/>
+          </p:cNvSpPr>
           <p:nvPr>
-            <p:ph idx="2" type="sldImg"/>
+            <p:ph type="sldImg" idx="2"/>
           </p:nvPr>
         </p:nvSpPr>
         <p:spPr>
@@ -1053,9 +1085,13 @@
             <a:ext cx="6096000" cy="3429000"/>
           </a:xfrm>
           <a:custGeom>
-            <a:rect b="b" l="l" r="r" t="t"/>
+            <a:avLst/>
+            <a:gdLst/>
+            <a:ahLst/>
+            <a:cxnLst/>
+            <a:rect l="l" t="t" r="r" b="b"/>
             <a:pathLst>
-              <a:path extrusionOk="0" h="120000" w="120000">
+              <a:path w="120000" h="120000" extrusionOk="0">
                 <a:moveTo>
                   <a:pt x="0" y="0"/>
                 </a:moveTo>
@@ -1077,9 +1113,11 @@
       <p:sp>
         <p:nvSpPr>
           <p:cNvPr id="119" name="Google Shape;119;g25e0b65091b_0_37:notes"/>
-          <p:cNvSpPr txBox="1"/>
+          <p:cNvSpPr txBox="1">
+            <a:spLocks noGrp="1"/>
+          </p:cNvSpPr>
           <p:nvPr>
-            <p:ph idx="1" type="body"/>
+            <p:ph type="body" idx="1"/>
           </p:nvPr>
         </p:nvSpPr>
         <p:spPr>
@@ -1092,12 +1130,12 @@
           </a:prstGeom>
         </p:spPr>
         <p:txBody>
-          <a:bodyPr anchorCtr="0" anchor="t" bIns="91425" lIns="91425" spcFirstLastPara="1" rIns="91425" wrap="square" tIns="91425">
+          <a:bodyPr spcFirstLastPara="1" wrap="square" lIns="91425" tIns="91425" rIns="91425" bIns="91425" anchor="t" anchorCtr="0">
             <a:noAutofit/>
           </a:bodyPr>
           <a:lstStyle/>
           <a:p>
-            <a:pPr indent="0" lvl="0" marL="0" rtl="0" algn="l">
+            <a:pPr marL="0" lvl="0" indent="0" algn="l" rtl="0">
               <a:spcBef>
                 <a:spcPts val="0"/>
               </a:spcBef>
@@ -1106,9 +1144,6 @@
               </a:spcAft>
               <a:buNone/>
             </a:pPr>
-            <a:r>
-              <a:t/>
-            </a:r>
             <a:endParaRPr/>
           </a:p>
         </p:txBody>
@@ -1122,11 +1157,11 @@
 </file>
 
 <file path=ppt/notesSlides/notesSlide13.xml><?xml version="1.0" encoding="utf-8"?>
-<p:notes xmlns:a="http://schemas.openxmlformats.org/drawingml/2006/main" xmlns:r="http://schemas.openxmlformats.org/officeDocument/2006/relationships" xmlns:mc="http://schemas.openxmlformats.org/markup-compatibility/2006" xmlns:mv="urn:schemas-microsoft-com:mac:vml" xmlns:p="http://schemas.openxmlformats.org/presentationml/2006/main" xmlns:c="http://schemas.openxmlformats.org/drawingml/2006/chart" xmlns:dgm="http://schemas.openxmlformats.org/drawingml/2006/diagram" xmlns:o="urn:schemas-microsoft-com:office:office" xmlns:v="urn:schemas-microsoft-com:vml" xmlns:pvml="urn:schemas-microsoft-com:office:powerpoint" xmlns:com="http://schemas.openxmlformats.org/drawingml/2006/compatibility" xmlns:p14="http://schemas.microsoft.com/office/powerpoint/2010/main" xmlns:p15="http://schemas.microsoft.com/office/powerpoint/2012/main" xmlns:ahyp="http://schemas.microsoft.com/office/drawing/2018/hyperlinkcolor" showMasterPhAnim="0" showMasterSp="0">
+<p:notes xmlns:a="http://schemas.openxmlformats.org/drawingml/2006/main" xmlns:r="http://schemas.openxmlformats.org/officeDocument/2006/relationships" xmlns:p="http://schemas.openxmlformats.org/presentationml/2006/main" showMasterSp="0" showMasterPhAnim="0">
   <p:cSld>
     <p:spTree>
       <p:nvGrpSpPr>
-        <p:cNvPr id="123" name="Shape 123"/>
+        <p:cNvPr id="1" name="Shape 123"/>
         <p:cNvGrpSpPr/>
         <p:nvPr/>
       </p:nvGrpSpPr>
@@ -1141,9 +1176,11 @@
       <p:sp>
         <p:nvSpPr>
           <p:cNvPr id="124" name="Google Shape;124;g25e0b65091b_0_47:notes"/>
-          <p:cNvSpPr/>
+          <p:cNvSpPr>
+            <a:spLocks noGrp="1" noRot="1" noChangeAspect="1"/>
+          </p:cNvSpPr>
           <p:nvPr>
-            <p:ph idx="2" type="sldImg"/>
+            <p:ph type="sldImg" idx="2"/>
           </p:nvPr>
         </p:nvSpPr>
         <p:spPr>
@@ -1152,9 +1189,13 @@
             <a:ext cx="6096000" cy="3429000"/>
           </a:xfrm>
           <a:custGeom>
-            <a:rect b="b" l="l" r="r" t="t"/>
+            <a:avLst/>
+            <a:gdLst/>
+            <a:ahLst/>
+            <a:cxnLst/>
+            <a:rect l="l" t="t" r="r" b="b"/>
             <a:pathLst>
-              <a:path extrusionOk="0" h="120000" w="120000">
+              <a:path w="120000" h="120000" extrusionOk="0">
                 <a:moveTo>
                   <a:pt x="0" y="0"/>
                 </a:moveTo>
@@ -1176,9 +1217,11 @@
       <p:sp>
         <p:nvSpPr>
           <p:cNvPr id="125" name="Google Shape;125;g25e0b65091b_0_47:notes"/>
-          <p:cNvSpPr txBox="1"/>
+          <p:cNvSpPr txBox="1">
+            <a:spLocks noGrp="1"/>
+          </p:cNvSpPr>
           <p:nvPr>
-            <p:ph idx="1" type="body"/>
+            <p:ph type="body" idx="1"/>
           </p:nvPr>
         </p:nvSpPr>
         <p:spPr>
@@ -1191,12 +1234,12 @@
           </a:prstGeom>
         </p:spPr>
         <p:txBody>
-          <a:bodyPr anchorCtr="0" anchor="t" bIns="91425" lIns="91425" spcFirstLastPara="1" rIns="91425" wrap="square" tIns="91425">
+          <a:bodyPr spcFirstLastPara="1" wrap="square" lIns="91425" tIns="91425" rIns="91425" bIns="91425" anchor="t" anchorCtr="0">
             <a:noAutofit/>
           </a:bodyPr>
           <a:lstStyle/>
           <a:p>
-            <a:pPr indent="0" lvl="0" marL="0" rtl="0" algn="l">
+            <a:pPr marL="0" lvl="0" indent="0" algn="l" rtl="0">
               <a:spcBef>
                 <a:spcPts val="0"/>
               </a:spcBef>
@@ -1205,9 +1248,6 @@
               </a:spcAft>
               <a:buNone/>
             </a:pPr>
-            <a:r>
-              <a:t/>
-            </a:r>
             <a:endParaRPr/>
           </a:p>
         </p:txBody>
@@ -1221,11 +1261,11 @@
 </file>
 
 <file path=ppt/notesSlides/notesSlide14.xml><?xml version="1.0" encoding="utf-8"?>
-<p:notes xmlns:a="http://schemas.openxmlformats.org/drawingml/2006/main" xmlns:r="http://schemas.openxmlformats.org/officeDocument/2006/relationships" xmlns:mc="http://schemas.openxmlformats.org/markup-compatibility/2006" xmlns:mv="urn:schemas-microsoft-com:mac:vml" xmlns:p="http://schemas.openxmlformats.org/presentationml/2006/main" xmlns:c="http://schemas.openxmlformats.org/drawingml/2006/chart" xmlns:dgm="http://schemas.openxmlformats.org/drawingml/2006/diagram" xmlns:o="urn:schemas-microsoft-com:office:office" xmlns:v="urn:schemas-microsoft-com:vml" xmlns:pvml="urn:schemas-microsoft-com:office:powerpoint" xmlns:com="http://schemas.openxmlformats.org/drawingml/2006/compatibility" xmlns:p14="http://schemas.microsoft.com/office/powerpoint/2010/main" xmlns:p15="http://schemas.microsoft.com/office/powerpoint/2012/main" xmlns:ahyp="http://schemas.microsoft.com/office/drawing/2018/hyperlinkcolor" showMasterPhAnim="0" showMasterSp="0">
+<p:notes xmlns:a="http://schemas.openxmlformats.org/drawingml/2006/main" xmlns:r="http://schemas.openxmlformats.org/officeDocument/2006/relationships" xmlns:p="http://schemas.openxmlformats.org/presentationml/2006/main" showMasterSp="0" showMasterPhAnim="0">
   <p:cSld>
     <p:spTree>
       <p:nvGrpSpPr>
-        <p:cNvPr id="128" name="Shape 128"/>
+        <p:cNvPr id="1" name="Shape 128"/>
         <p:cNvGrpSpPr/>
         <p:nvPr/>
       </p:nvGrpSpPr>
@@ -1240,9 +1280,11 @@
       <p:sp>
         <p:nvSpPr>
           <p:cNvPr id="129" name="Google Shape;129;g25e0b65091b_0_52:notes"/>
-          <p:cNvSpPr/>
+          <p:cNvSpPr>
+            <a:spLocks noGrp="1" noRot="1" noChangeAspect="1"/>
+          </p:cNvSpPr>
           <p:nvPr>
-            <p:ph idx="2" type="sldImg"/>
+            <p:ph type="sldImg" idx="2"/>
           </p:nvPr>
         </p:nvSpPr>
         <p:spPr>
@@ -1251,9 +1293,13 @@
             <a:ext cx="6096000" cy="3429000"/>
           </a:xfrm>
           <a:custGeom>
-            <a:rect b="b" l="l" r="r" t="t"/>
+            <a:avLst/>
+            <a:gdLst/>
+            <a:ahLst/>
+            <a:cxnLst/>
+            <a:rect l="l" t="t" r="r" b="b"/>
             <a:pathLst>
-              <a:path extrusionOk="0" h="120000" w="120000">
+              <a:path w="120000" h="120000" extrusionOk="0">
                 <a:moveTo>
                   <a:pt x="0" y="0"/>
                 </a:moveTo>
@@ -1275,9 +1321,11 @@
       <p:sp>
         <p:nvSpPr>
           <p:cNvPr id="130" name="Google Shape;130;g25e0b65091b_0_52:notes"/>
-          <p:cNvSpPr txBox="1"/>
+          <p:cNvSpPr txBox="1">
+            <a:spLocks noGrp="1"/>
+          </p:cNvSpPr>
           <p:nvPr>
-            <p:ph idx="1" type="body"/>
+            <p:ph type="body" idx="1"/>
           </p:nvPr>
         </p:nvSpPr>
         <p:spPr>
@@ -1290,12 +1338,12 @@
           </a:prstGeom>
         </p:spPr>
         <p:txBody>
-          <a:bodyPr anchorCtr="0" anchor="t" bIns="91425" lIns="91425" spcFirstLastPara="1" rIns="91425" wrap="square" tIns="91425">
+          <a:bodyPr spcFirstLastPara="1" wrap="square" lIns="91425" tIns="91425" rIns="91425" bIns="91425" anchor="t" anchorCtr="0">
             <a:noAutofit/>
           </a:bodyPr>
           <a:lstStyle/>
           <a:p>
-            <a:pPr indent="0" lvl="0" marL="0" rtl="0" algn="l">
+            <a:pPr marL="0" lvl="0" indent="0" algn="l" rtl="0">
               <a:spcBef>
                 <a:spcPts val="0"/>
               </a:spcBef>
@@ -1304,9 +1352,6 @@
               </a:spcAft>
               <a:buNone/>
             </a:pPr>
-            <a:r>
-              <a:t/>
-            </a:r>
             <a:endParaRPr/>
           </a:p>
         </p:txBody>
@@ -1320,11 +1365,11 @@
 </file>
 
 <file path=ppt/notesSlides/notesSlide15.xml><?xml version="1.0" encoding="utf-8"?>
-<p:notes xmlns:a="http://schemas.openxmlformats.org/drawingml/2006/main" xmlns:r="http://schemas.openxmlformats.org/officeDocument/2006/relationships" xmlns:mc="http://schemas.openxmlformats.org/markup-compatibility/2006" xmlns:mv="urn:schemas-microsoft-com:mac:vml" xmlns:p="http://schemas.openxmlformats.org/presentationml/2006/main" xmlns:c="http://schemas.openxmlformats.org/drawingml/2006/chart" xmlns:dgm="http://schemas.openxmlformats.org/drawingml/2006/diagram" xmlns:o="urn:schemas-microsoft-com:office:office" xmlns:v="urn:schemas-microsoft-com:vml" xmlns:pvml="urn:schemas-microsoft-com:office:powerpoint" xmlns:com="http://schemas.openxmlformats.org/drawingml/2006/compatibility" xmlns:p14="http://schemas.microsoft.com/office/powerpoint/2010/main" xmlns:p15="http://schemas.microsoft.com/office/powerpoint/2012/main" xmlns:ahyp="http://schemas.microsoft.com/office/drawing/2018/hyperlinkcolor" showMasterPhAnim="0" showMasterSp="0">
+<p:notes xmlns:a="http://schemas.openxmlformats.org/drawingml/2006/main" xmlns:r="http://schemas.openxmlformats.org/officeDocument/2006/relationships" xmlns:p="http://schemas.openxmlformats.org/presentationml/2006/main" showMasterSp="0" showMasterPhAnim="0">
   <p:cSld>
     <p:spTree>
       <p:nvGrpSpPr>
-        <p:cNvPr id="134" name="Shape 134"/>
+        <p:cNvPr id="1" name="Shape 134"/>
         <p:cNvGrpSpPr/>
         <p:nvPr/>
       </p:nvGrpSpPr>
@@ -1339,9 +1384,11 @@
       <p:sp>
         <p:nvSpPr>
           <p:cNvPr id="135" name="Google Shape;135;g25e0b65091b_0_84:notes"/>
-          <p:cNvSpPr/>
+          <p:cNvSpPr>
+            <a:spLocks noGrp="1" noRot="1" noChangeAspect="1"/>
+          </p:cNvSpPr>
           <p:nvPr>
-            <p:ph idx="2" type="sldImg"/>
+            <p:ph type="sldImg" idx="2"/>
           </p:nvPr>
         </p:nvSpPr>
         <p:spPr>
@@ -1350,9 +1397,13 @@
             <a:ext cx="6096000" cy="3429000"/>
           </a:xfrm>
           <a:custGeom>
-            <a:rect b="b" l="l" r="r" t="t"/>
+            <a:avLst/>
+            <a:gdLst/>
+            <a:ahLst/>
+            <a:cxnLst/>
+            <a:rect l="l" t="t" r="r" b="b"/>
             <a:pathLst>
-              <a:path extrusionOk="0" h="120000" w="120000">
+              <a:path w="120000" h="120000" extrusionOk="0">
                 <a:moveTo>
                   <a:pt x="0" y="0"/>
                 </a:moveTo>
@@ -1374,9 +1425,11 @@
       <p:sp>
         <p:nvSpPr>
           <p:cNvPr id="136" name="Google Shape;136;g25e0b65091b_0_84:notes"/>
-          <p:cNvSpPr txBox="1"/>
+          <p:cNvSpPr txBox="1">
+            <a:spLocks noGrp="1"/>
+          </p:cNvSpPr>
           <p:nvPr>
-            <p:ph idx="1" type="body"/>
+            <p:ph type="body" idx="1"/>
           </p:nvPr>
         </p:nvSpPr>
         <p:spPr>
@@ -1389,12 +1442,12 @@
           </a:prstGeom>
         </p:spPr>
         <p:txBody>
-          <a:bodyPr anchorCtr="0" anchor="t" bIns="91425" lIns="91425" spcFirstLastPara="1" rIns="91425" wrap="square" tIns="91425">
+          <a:bodyPr spcFirstLastPara="1" wrap="square" lIns="91425" tIns="91425" rIns="91425" bIns="91425" anchor="t" anchorCtr="0">
             <a:noAutofit/>
           </a:bodyPr>
           <a:lstStyle/>
           <a:p>
-            <a:pPr indent="0" lvl="0" marL="0" rtl="0" algn="l">
+            <a:pPr marL="0" lvl="0" indent="0" algn="l" rtl="0">
               <a:spcBef>
                 <a:spcPts val="0"/>
               </a:spcBef>
@@ -1403,9 +1456,6 @@
               </a:spcAft>
               <a:buNone/>
             </a:pPr>
-            <a:r>
-              <a:t/>
-            </a:r>
             <a:endParaRPr/>
           </a:p>
         </p:txBody>
@@ -1419,11 +1469,11 @@
 </file>
 
 <file path=ppt/notesSlides/notesSlide16.xml><?xml version="1.0" encoding="utf-8"?>
-<p:notes xmlns:a="http://schemas.openxmlformats.org/drawingml/2006/main" xmlns:r="http://schemas.openxmlformats.org/officeDocument/2006/relationships" xmlns:mc="http://schemas.openxmlformats.org/markup-compatibility/2006" xmlns:mv="urn:schemas-microsoft-com:mac:vml" xmlns:p="http://schemas.openxmlformats.org/presentationml/2006/main" xmlns:c="http://schemas.openxmlformats.org/drawingml/2006/chart" xmlns:dgm="http://schemas.openxmlformats.org/drawingml/2006/diagram" xmlns:o="urn:schemas-microsoft-com:office:office" xmlns:v="urn:schemas-microsoft-com:vml" xmlns:pvml="urn:schemas-microsoft-com:office:powerpoint" xmlns:com="http://schemas.openxmlformats.org/drawingml/2006/compatibility" xmlns:p14="http://schemas.microsoft.com/office/powerpoint/2010/main" xmlns:p15="http://schemas.microsoft.com/office/powerpoint/2012/main" xmlns:ahyp="http://schemas.microsoft.com/office/drawing/2018/hyperlinkcolor" showMasterPhAnim="0" showMasterSp="0">
+<p:notes xmlns:a="http://schemas.openxmlformats.org/drawingml/2006/main" xmlns:r="http://schemas.openxmlformats.org/officeDocument/2006/relationships" xmlns:p="http://schemas.openxmlformats.org/presentationml/2006/main" showMasterSp="0" showMasterPhAnim="0">
   <p:cSld>
     <p:spTree>
       <p:nvGrpSpPr>
-        <p:cNvPr id="141" name="Shape 141"/>
+        <p:cNvPr id="1" name="Shape 141"/>
         <p:cNvGrpSpPr/>
         <p:nvPr/>
       </p:nvGrpSpPr>
@@ -1438,9 +1488,11 @@
       <p:sp>
         <p:nvSpPr>
           <p:cNvPr id="142" name="Google Shape;142;g25e0b65091b_0_64:notes"/>
-          <p:cNvSpPr/>
+          <p:cNvSpPr>
+            <a:spLocks noGrp="1" noRot="1" noChangeAspect="1"/>
+          </p:cNvSpPr>
           <p:nvPr>
-            <p:ph idx="2" type="sldImg"/>
+            <p:ph type="sldImg" idx="2"/>
           </p:nvPr>
         </p:nvSpPr>
         <p:spPr>
@@ -1449,9 +1501,13 @@
             <a:ext cx="6096000" cy="3429000"/>
           </a:xfrm>
           <a:custGeom>
-            <a:rect b="b" l="l" r="r" t="t"/>
+            <a:avLst/>
+            <a:gdLst/>
+            <a:ahLst/>
+            <a:cxnLst/>
+            <a:rect l="l" t="t" r="r" b="b"/>
             <a:pathLst>
-              <a:path extrusionOk="0" h="120000" w="120000">
+              <a:path w="120000" h="120000" extrusionOk="0">
                 <a:moveTo>
                   <a:pt x="0" y="0"/>
                 </a:moveTo>
@@ -1473,9 +1529,11 @@
       <p:sp>
         <p:nvSpPr>
           <p:cNvPr id="143" name="Google Shape;143;g25e0b65091b_0_64:notes"/>
-          <p:cNvSpPr txBox="1"/>
+          <p:cNvSpPr txBox="1">
+            <a:spLocks noGrp="1"/>
+          </p:cNvSpPr>
           <p:nvPr>
-            <p:ph idx="1" type="body"/>
+            <p:ph type="body" idx="1"/>
           </p:nvPr>
         </p:nvSpPr>
         <p:spPr>
@@ -1488,12 +1546,12 @@
           </a:prstGeom>
         </p:spPr>
         <p:txBody>
-          <a:bodyPr anchorCtr="0" anchor="t" bIns="91425" lIns="91425" spcFirstLastPara="1" rIns="91425" wrap="square" tIns="91425">
+          <a:bodyPr spcFirstLastPara="1" wrap="square" lIns="91425" tIns="91425" rIns="91425" bIns="91425" anchor="t" anchorCtr="0">
             <a:noAutofit/>
           </a:bodyPr>
           <a:lstStyle/>
           <a:p>
-            <a:pPr indent="0" lvl="0" marL="0" rtl="0" algn="l">
+            <a:pPr marL="0" lvl="0" indent="0" algn="l" rtl="0">
               <a:spcBef>
                 <a:spcPts val="0"/>
               </a:spcBef>
@@ -1502,9 +1560,6 @@
               </a:spcAft>
               <a:buNone/>
             </a:pPr>
-            <a:r>
-              <a:t/>
-            </a:r>
             <a:endParaRPr/>
           </a:p>
         </p:txBody>
@@ -1518,11 +1573,11 @@
 </file>
 
 <file path=ppt/notesSlides/notesSlide17.xml><?xml version="1.0" encoding="utf-8"?>
-<p:notes xmlns:a="http://schemas.openxmlformats.org/drawingml/2006/main" xmlns:r="http://schemas.openxmlformats.org/officeDocument/2006/relationships" xmlns:mc="http://schemas.openxmlformats.org/markup-compatibility/2006" xmlns:mv="urn:schemas-microsoft-com:mac:vml" xmlns:p="http://schemas.openxmlformats.org/presentationml/2006/main" xmlns:c="http://schemas.openxmlformats.org/drawingml/2006/chart" xmlns:dgm="http://schemas.openxmlformats.org/drawingml/2006/diagram" xmlns:o="urn:schemas-microsoft-com:office:office" xmlns:v="urn:schemas-microsoft-com:vml" xmlns:pvml="urn:schemas-microsoft-com:office:powerpoint" xmlns:com="http://schemas.openxmlformats.org/drawingml/2006/compatibility" xmlns:p14="http://schemas.microsoft.com/office/powerpoint/2010/main" xmlns:p15="http://schemas.microsoft.com/office/powerpoint/2012/main" xmlns:ahyp="http://schemas.microsoft.com/office/drawing/2018/hyperlinkcolor" showMasterPhAnim="0" showMasterSp="0">
+<p:notes xmlns:a="http://schemas.openxmlformats.org/drawingml/2006/main" xmlns:r="http://schemas.openxmlformats.org/officeDocument/2006/relationships" xmlns:p="http://schemas.openxmlformats.org/presentationml/2006/main" showMasterSp="0" showMasterPhAnim="0">
   <p:cSld>
     <p:spTree>
       <p:nvGrpSpPr>
-        <p:cNvPr id="148" name="Shape 148"/>
+        <p:cNvPr id="1" name="Shape 148"/>
         <p:cNvGrpSpPr/>
         <p:nvPr/>
       </p:nvGrpSpPr>
@@ -1537,9 +1592,11 @@
       <p:sp>
         <p:nvSpPr>
           <p:cNvPr id="149" name="Google Shape;149;g25e0b65091b_0_69:notes"/>
-          <p:cNvSpPr/>
+          <p:cNvSpPr>
+            <a:spLocks noGrp="1" noRot="1" noChangeAspect="1"/>
+          </p:cNvSpPr>
           <p:nvPr>
-            <p:ph idx="2" type="sldImg"/>
+            <p:ph type="sldImg" idx="2"/>
           </p:nvPr>
         </p:nvSpPr>
         <p:spPr>
@@ -1548,9 +1605,13 @@
             <a:ext cx="6096000" cy="3429000"/>
           </a:xfrm>
           <a:custGeom>
-            <a:rect b="b" l="l" r="r" t="t"/>
+            <a:avLst/>
+            <a:gdLst/>
+            <a:ahLst/>
+            <a:cxnLst/>
+            <a:rect l="l" t="t" r="r" b="b"/>
             <a:pathLst>
-              <a:path extrusionOk="0" h="120000" w="120000">
+              <a:path w="120000" h="120000" extrusionOk="0">
                 <a:moveTo>
                   <a:pt x="0" y="0"/>
                 </a:moveTo>
@@ -1572,9 +1633,11 @@
       <p:sp>
         <p:nvSpPr>
           <p:cNvPr id="150" name="Google Shape;150;g25e0b65091b_0_69:notes"/>
-          <p:cNvSpPr txBox="1"/>
+          <p:cNvSpPr txBox="1">
+            <a:spLocks noGrp="1"/>
+          </p:cNvSpPr>
           <p:nvPr>
-            <p:ph idx="1" type="body"/>
+            <p:ph type="body" idx="1"/>
           </p:nvPr>
         </p:nvSpPr>
         <p:spPr>
@@ -1587,12 +1650,12 @@
           </a:prstGeom>
         </p:spPr>
         <p:txBody>
-          <a:bodyPr anchorCtr="0" anchor="t" bIns="91425" lIns="91425" spcFirstLastPara="1" rIns="91425" wrap="square" tIns="91425">
+          <a:bodyPr spcFirstLastPara="1" wrap="square" lIns="91425" tIns="91425" rIns="91425" bIns="91425" anchor="t" anchorCtr="0">
             <a:noAutofit/>
           </a:bodyPr>
           <a:lstStyle/>
           <a:p>
-            <a:pPr indent="0" lvl="0" marL="0" rtl="0" algn="l">
+            <a:pPr marL="0" lvl="0" indent="0" algn="l" rtl="0">
               <a:spcBef>
                 <a:spcPts val="0"/>
               </a:spcBef>
@@ -1601,9 +1664,6 @@
               </a:spcAft>
               <a:buNone/>
             </a:pPr>
-            <a:r>
-              <a:t/>
-            </a:r>
             <a:endParaRPr/>
           </a:p>
         </p:txBody>
@@ -1617,11 +1677,11 @@
 </file>
 
 <file path=ppt/notesSlides/notesSlide18.xml><?xml version="1.0" encoding="utf-8"?>
-<p:notes xmlns:a="http://schemas.openxmlformats.org/drawingml/2006/main" xmlns:r="http://schemas.openxmlformats.org/officeDocument/2006/relationships" xmlns:mc="http://schemas.openxmlformats.org/markup-compatibility/2006" xmlns:mv="urn:schemas-microsoft-com:mac:vml" xmlns:p="http://schemas.openxmlformats.org/presentationml/2006/main" xmlns:c="http://schemas.openxmlformats.org/drawingml/2006/chart" xmlns:dgm="http://schemas.openxmlformats.org/drawingml/2006/diagram" xmlns:o="urn:schemas-microsoft-com:office:office" xmlns:v="urn:schemas-microsoft-com:vml" xmlns:pvml="urn:schemas-microsoft-com:office:powerpoint" xmlns:com="http://schemas.openxmlformats.org/drawingml/2006/compatibility" xmlns:p14="http://schemas.microsoft.com/office/powerpoint/2010/main" xmlns:p15="http://schemas.microsoft.com/office/powerpoint/2012/main" xmlns:ahyp="http://schemas.microsoft.com/office/drawing/2018/hyperlinkcolor" showMasterPhAnim="0" showMasterSp="0">
+<p:notes xmlns:a="http://schemas.openxmlformats.org/drawingml/2006/main" xmlns:r="http://schemas.openxmlformats.org/officeDocument/2006/relationships" xmlns:p="http://schemas.openxmlformats.org/presentationml/2006/main" showMasterSp="0" showMasterPhAnim="0">
   <p:cSld>
     <p:spTree>
       <p:nvGrpSpPr>
-        <p:cNvPr id="155" name="Shape 155"/>
+        <p:cNvPr id="1" name="Shape 155"/>
         <p:cNvGrpSpPr/>
         <p:nvPr/>
       </p:nvGrpSpPr>
@@ -1636,9 +1696,11 @@
       <p:sp>
         <p:nvSpPr>
           <p:cNvPr id="156" name="Google Shape;156;g25e0b65091b_0_74:notes"/>
-          <p:cNvSpPr/>
+          <p:cNvSpPr>
+            <a:spLocks noGrp="1" noRot="1" noChangeAspect="1"/>
+          </p:cNvSpPr>
           <p:nvPr>
-            <p:ph idx="2" type="sldImg"/>
+            <p:ph type="sldImg" idx="2"/>
           </p:nvPr>
         </p:nvSpPr>
         <p:spPr>
@@ -1647,9 +1709,13 @@
             <a:ext cx="6096000" cy="3429000"/>
           </a:xfrm>
           <a:custGeom>
-            <a:rect b="b" l="l" r="r" t="t"/>
+            <a:avLst/>
+            <a:gdLst/>
+            <a:ahLst/>
+            <a:cxnLst/>
+            <a:rect l="l" t="t" r="r" b="b"/>
             <a:pathLst>
-              <a:path extrusionOk="0" h="120000" w="120000">
+              <a:path w="120000" h="120000" extrusionOk="0">
                 <a:moveTo>
                   <a:pt x="0" y="0"/>
                 </a:moveTo>
@@ -1671,9 +1737,11 @@
       <p:sp>
         <p:nvSpPr>
           <p:cNvPr id="157" name="Google Shape;157;g25e0b65091b_0_74:notes"/>
-          <p:cNvSpPr txBox="1"/>
+          <p:cNvSpPr txBox="1">
+            <a:spLocks noGrp="1"/>
+          </p:cNvSpPr>
           <p:nvPr>
-            <p:ph idx="1" type="body"/>
+            <p:ph type="body" idx="1"/>
           </p:nvPr>
         </p:nvSpPr>
         <p:spPr>
@@ -1686,12 +1754,12 @@
           </a:prstGeom>
         </p:spPr>
         <p:txBody>
-          <a:bodyPr anchorCtr="0" anchor="t" bIns="91425" lIns="91425" spcFirstLastPara="1" rIns="91425" wrap="square" tIns="91425">
+          <a:bodyPr spcFirstLastPara="1" wrap="square" lIns="91425" tIns="91425" rIns="91425" bIns="91425" anchor="t" anchorCtr="0">
             <a:noAutofit/>
           </a:bodyPr>
           <a:lstStyle/>
           <a:p>
-            <a:pPr indent="0" lvl="0" marL="0" rtl="0" algn="l">
+            <a:pPr marL="0" lvl="0" indent="0" algn="l" rtl="0">
               <a:spcBef>
                 <a:spcPts val="0"/>
               </a:spcBef>
@@ -1700,9 +1768,6 @@
               </a:spcAft>
               <a:buNone/>
             </a:pPr>
-            <a:r>
-              <a:t/>
-            </a:r>
             <a:endParaRPr/>
           </a:p>
         </p:txBody>
@@ -1716,11 +1781,11 @@
 </file>
 
 <file path=ppt/notesSlides/notesSlide19.xml><?xml version="1.0" encoding="utf-8"?>
-<p:notes xmlns:a="http://schemas.openxmlformats.org/drawingml/2006/main" xmlns:r="http://schemas.openxmlformats.org/officeDocument/2006/relationships" xmlns:mc="http://schemas.openxmlformats.org/markup-compatibility/2006" xmlns:mv="urn:schemas-microsoft-com:mac:vml" xmlns:p="http://schemas.openxmlformats.org/presentationml/2006/main" xmlns:c="http://schemas.openxmlformats.org/drawingml/2006/chart" xmlns:dgm="http://schemas.openxmlformats.org/drawingml/2006/diagram" xmlns:o="urn:schemas-microsoft-com:office:office" xmlns:v="urn:schemas-microsoft-com:vml" xmlns:pvml="urn:schemas-microsoft-com:office:powerpoint" xmlns:com="http://schemas.openxmlformats.org/drawingml/2006/compatibility" xmlns:p14="http://schemas.microsoft.com/office/powerpoint/2010/main" xmlns:p15="http://schemas.microsoft.com/office/powerpoint/2012/main" xmlns:ahyp="http://schemas.microsoft.com/office/drawing/2018/hyperlinkcolor" showMasterPhAnim="0" showMasterSp="0">
+<p:notes xmlns:a="http://schemas.openxmlformats.org/drawingml/2006/main" xmlns:r="http://schemas.openxmlformats.org/officeDocument/2006/relationships" xmlns:p="http://schemas.openxmlformats.org/presentationml/2006/main" showMasterSp="0" showMasterPhAnim="0">
   <p:cSld>
     <p:spTree>
       <p:nvGrpSpPr>
-        <p:cNvPr id="162" name="Shape 162"/>
+        <p:cNvPr id="1" name="Shape 162"/>
         <p:cNvGrpSpPr/>
         <p:nvPr/>
       </p:nvGrpSpPr>
@@ -1735,9 +1800,11 @@
       <p:sp>
         <p:nvSpPr>
           <p:cNvPr id="163" name="Google Shape;163;g25e0b65091b_0_116:notes"/>
-          <p:cNvSpPr/>
+          <p:cNvSpPr>
+            <a:spLocks noGrp="1" noRot="1" noChangeAspect="1"/>
+          </p:cNvSpPr>
           <p:nvPr>
-            <p:ph idx="2" type="sldImg"/>
+            <p:ph type="sldImg" idx="2"/>
           </p:nvPr>
         </p:nvSpPr>
         <p:spPr>
@@ -1746,9 +1813,13 @@
             <a:ext cx="6096000" cy="3429000"/>
           </a:xfrm>
           <a:custGeom>
-            <a:rect b="b" l="l" r="r" t="t"/>
+            <a:avLst/>
+            <a:gdLst/>
+            <a:ahLst/>
+            <a:cxnLst/>
+            <a:rect l="l" t="t" r="r" b="b"/>
             <a:pathLst>
-              <a:path extrusionOk="0" h="120000" w="120000">
+              <a:path w="120000" h="120000" extrusionOk="0">
                 <a:moveTo>
                   <a:pt x="0" y="0"/>
                 </a:moveTo>
@@ -1770,9 +1841,11 @@
       <p:sp>
         <p:nvSpPr>
           <p:cNvPr id="164" name="Google Shape;164;g25e0b65091b_0_116:notes"/>
-          <p:cNvSpPr txBox="1"/>
+          <p:cNvSpPr txBox="1">
+            <a:spLocks noGrp="1"/>
+          </p:cNvSpPr>
           <p:nvPr>
-            <p:ph idx="1" type="body"/>
+            <p:ph type="body" idx="1"/>
           </p:nvPr>
         </p:nvSpPr>
         <p:spPr>
@@ -1785,12 +1858,12 @@
           </a:prstGeom>
         </p:spPr>
         <p:txBody>
-          <a:bodyPr anchorCtr="0" anchor="t" bIns="91425" lIns="91425" spcFirstLastPara="1" rIns="91425" wrap="square" tIns="91425">
+          <a:bodyPr spcFirstLastPara="1" wrap="square" lIns="91425" tIns="91425" rIns="91425" bIns="91425" anchor="t" anchorCtr="0">
             <a:noAutofit/>
           </a:bodyPr>
           <a:lstStyle/>
           <a:p>
-            <a:pPr indent="0" lvl="0" marL="0" rtl="0" algn="l">
+            <a:pPr marL="0" lvl="0" indent="0" algn="l" rtl="0">
               <a:spcBef>
                 <a:spcPts val="0"/>
               </a:spcBef>
@@ -1799,9 +1872,6 @@
               </a:spcAft>
               <a:buNone/>
             </a:pPr>
-            <a:r>
-              <a:t/>
-            </a:r>
             <a:endParaRPr/>
           </a:p>
         </p:txBody>
@@ -1815,11 +1885,11 @@
 </file>
 
 <file path=ppt/notesSlides/notesSlide2.xml><?xml version="1.0" encoding="utf-8"?>
-<p:notes xmlns:a="http://schemas.openxmlformats.org/drawingml/2006/main" xmlns:r="http://schemas.openxmlformats.org/officeDocument/2006/relationships" xmlns:mc="http://schemas.openxmlformats.org/markup-compatibility/2006" xmlns:mv="urn:schemas-microsoft-com:mac:vml" xmlns:p="http://schemas.openxmlformats.org/presentationml/2006/main" xmlns:c="http://schemas.openxmlformats.org/drawingml/2006/chart" xmlns:dgm="http://schemas.openxmlformats.org/drawingml/2006/diagram" xmlns:o="urn:schemas-microsoft-com:office:office" xmlns:v="urn:schemas-microsoft-com:vml" xmlns:pvml="urn:schemas-microsoft-com:office:powerpoint" xmlns:com="http://schemas.openxmlformats.org/drawingml/2006/compatibility" xmlns:p14="http://schemas.microsoft.com/office/powerpoint/2010/main" xmlns:p15="http://schemas.microsoft.com/office/powerpoint/2012/main" xmlns:ahyp="http://schemas.microsoft.com/office/drawing/2018/hyperlinkcolor" showMasterPhAnim="0" showMasterSp="0">
+<p:notes xmlns:a="http://schemas.openxmlformats.org/drawingml/2006/main" xmlns:r="http://schemas.openxmlformats.org/officeDocument/2006/relationships" xmlns:p="http://schemas.openxmlformats.org/presentationml/2006/main" showMasterSp="0" showMasterPhAnim="0">
   <p:cSld>
     <p:spTree>
       <p:nvGrpSpPr>
-        <p:cNvPr id="62" name="Shape 62"/>
+        <p:cNvPr id="1" name="Shape 62"/>
         <p:cNvGrpSpPr/>
         <p:nvPr/>
       </p:nvGrpSpPr>
@@ -1834,9 +1904,11 @@
       <p:sp>
         <p:nvSpPr>
           <p:cNvPr id="63" name="Google Shape;63;g25d3a3c3b73_0_200:notes"/>
-          <p:cNvSpPr/>
+          <p:cNvSpPr>
+            <a:spLocks noGrp="1" noRot="1" noChangeAspect="1"/>
+          </p:cNvSpPr>
           <p:nvPr>
-            <p:ph idx="2" type="sldImg"/>
+            <p:ph type="sldImg" idx="2"/>
           </p:nvPr>
         </p:nvSpPr>
         <p:spPr>
@@ -1845,9 +1917,13 @@
             <a:ext cx="6096000" cy="3429000"/>
           </a:xfrm>
           <a:custGeom>
-            <a:rect b="b" l="l" r="r" t="t"/>
+            <a:avLst/>
+            <a:gdLst/>
+            <a:ahLst/>
+            <a:cxnLst/>
+            <a:rect l="l" t="t" r="r" b="b"/>
             <a:pathLst>
-              <a:path extrusionOk="0" h="120000" w="120000">
+              <a:path w="120000" h="120000" extrusionOk="0">
                 <a:moveTo>
                   <a:pt x="0" y="0"/>
                 </a:moveTo>
@@ -1869,9 +1945,11 @@
       <p:sp>
         <p:nvSpPr>
           <p:cNvPr id="64" name="Google Shape;64;g25d3a3c3b73_0_200:notes"/>
-          <p:cNvSpPr txBox="1"/>
+          <p:cNvSpPr txBox="1">
+            <a:spLocks noGrp="1"/>
+          </p:cNvSpPr>
           <p:nvPr>
-            <p:ph idx="1" type="body"/>
+            <p:ph type="body" idx="1"/>
           </p:nvPr>
         </p:nvSpPr>
         <p:spPr>
@@ -1884,12 +1962,12 @@
           </a:prstGeom>
         </p:spPr>
         <p:txBody>
-          <a:bodyPr anchorCtr="0" anchor="t" bIns="91425" lIns="91425" spcFirstLastPara="1" rIns="91425" wrap="square" tIns="91425">
+          <a:bodyPr spcFirstLastPara="1" wrap="square" lIns="91425" tIns="91425" rIns="91425" bIns="91425" anchor="t" anchorCtr="0">
             <a:noAutofit/>
           </a:bodyPr>
           <a:lstStyle/>
           <a:p>
-            <a:pPr indent="0" lvl="0" marL="0" rtl="0" algn="l">
+            <a:pPr marL="0" lvl="0" indent="0" algn="l" rtl="0">
               <a:spcBef>
                 <a:spcPts val="0"/>
               </a:spcBef>
@@ -1898,9 +1976,6 @@
               </a:spcAft>
               <a:buNone/>
             </a:pPr>
-            <a:r>
-              <a:t/>
-            </a:r>
             <a:endParaRPr/>
           </a:p>
         </p:txBody>
@@ -1914,11 +1989,11 @@
 </file>
 
 <file path=ppt/notesSlides/notesSlide20.xml><?xml version="1.0" encoding="utf-8"?>
-<p:notes xmlns:a="http://schemas.openxmlformats.org/drawingml/2006/main" xmlns:r="http://schemas.openxmlformats.org/officeDocument/2006/relationships" xmlns:mc="http://schemas.openxmlformats.org/markup-compatibility/2006" xmlns:mv="urn:schemas-microsoft-com:mac:vml" xmlns:p="http://schemas.openxmlformats.org/presentationml/2006/main" xmlns:c="http://schemas.openxmlformats.org/drawingml/2006/chart" xmlns:dgm="http://schemas.openxmlformats.org/drawingml/2006/diagram" xmlns:o="urn:schemas-microsoft-com:office:office" xmlns:v="urn:schemas-microsoft-com:vml" xmlns:pvml="urn:schemas-microsoft-com:office:powerpoint" xmlns:com="http://schemas.openxmlformats.org/drawingml/2006/compatibility" xmlns:p14="http://schemas.microsoft.com/office/powerpoint/2010/main" xmlns:p15="http://schemas.microsoft.com/office/powerpoint/2012/main" xmlns:ahyp="http://schemas.microsoft.com/office/drawing/2018/hyperlinkcolor" showMasterPhAnim="0" showMasterSp="0">
+<p:notes xmlns:a="http://schemas.openxmlformats.org/drawingml/2006/main" xmlns:r="http://schemas.openxmlformats.org/officeDocument/2006/relationships" xmlns:p="http://schemas.openxmlformats.org/presentationml/2006/main" showMasterSp="0" showMasterPhAnim="0">
   <p:cSld>
     <p:spTree>
       <p:nvGrpSpPr>
-        <p:cNvPr id="168" name="Shape 168"/>
+        <p:cNvPr id="1" name="Shape 168"/>
         <p:cNvGrpSpPr/>
         <p:nvPr/>
       </p:nvGrpSpPr>
@@ -1933,9 +2008,11 @@
       <p:sp>
         <p:nvSpPr>
           <p:cNvPr id="169" name="Google Shape;169;g25e0b65091b_0_135:notes"/>
-          <p:cNvSpPr/>
+          <p:cNvSpPr>
+            <a:spLocks noGrp="1" noRot="1" noChangeAspect="1"/>
+          </p:cNvSpPr>
           <p:nvPr>
-            <p:ph idx="2" type="sldImg"/>
+            <p:ph type="sldImg" idx="2"/>
           </p:nvPr>
         </p:nvSpPr>
         <p:spPr>
@@ -1944,9 +2021,13 @@
             <a:ext cx="6096000" cy="3429000"/>
           </a:xfrm>
           <a:custGeom>
-            <a:rect b="b" l="l" r="r" t="t"/>
+            <a:avLst/>
+            <a:gdLst/>
+            <a:ahLst/>
+            <a:cxnLst/>
+            <a:rect l="l" t="t" r="r" b="b"/>
             <a:pathLst>
-              <a:path extrusionOk="0" h="120000" w="120000">
+              <a:path w="120000" h="120000" extrusionOk="0">
                 <a:moveTo>
                   <a:pt x="0" y="0"/>
                 </a:moveTo>
@@ -1968,9 +2049,11 @@
       <p:sp>
         <p:nvSpPr>
           <p:cNvPr id="170" name="Google Shape;170;g25e0b65091b_0_135:notes"/>
-          <p:cNvSpPr txBox="1"/>
+          <p:cNvSpPr txBox="1">
+            <a:spLocks noGrp="1"/>
+          </p:cNvSpPr>
           <p:nvPr>
-            <p:ph idx="1" type="body"/>
+            <p:ph type="body" idx="1"/>
           </p:nvPr>
         </p:nvSpPr>
         <p:spPr>
@@ -1983,12 +2066,12 @@
           </a:prstGeom>
         </p:spPr>
         <p:txBody>
-          <a:bodyPr anchorCtr="0" anchor="t" bIns="91425" lIns="91425" spcFirstLastPara="1" rIns="91425" wrap="square" tIns="91425">
+          <a:bodyPr spcFirstLastPara="1" wrap="square" lIns="91425" tIns="91425" rIns="91425" bIns="91425" anchor="t" anchorCtr="0">
             <a:noAutofit/>
           </a:bodyPr>
           <a:lstStyle/>
           <a:p>
-            <a:pPr indent="0" lvl="0" marL="0" rtl="0" algn="l">
+            <a:pPr marL="0" lvl="0" indent="0" algn="l" rtl="0">
               <a:spcBef>
                 <a:spcPts val="0"/>
               </a:spcBef>
@@ -1997,9 +2080,6 @@
               </a:spcAft>
               <a:buNone/>
             </a:pPr>
-            <a:r>
-              <a:t/>
-            </a:r>
             <a:endParaRPr/>
           </a:p>
         </p:txBody>
@@ -2013,11 +2093,11 @@
 </file>
 
 <file path=ppt/notesSlides/notesSlide21.xml><?xml version="1.0" encoding="utf-8"?>
-<p:notes xmlns:a="http://schemas.openxmlformats.org/drawingml/2006/main" xmlns:r="http://schemas.openxmlformats.org/officeDocument/2006/relationships" xmlns:mc="http://schemas.openxmlformats.org/markup-compatibility/2006" xmlns:mv="urn:schemas-microsoft-com:mac:vml" xmlns:p="http://schemas.openxmlformats.org/presentationml/2006/main" xmlns:c="http://schemas.openxmlformats.org/drawingml/2006/chart" xmlns:dgm="http://schemas.openxmlformats.org/drawingml/2006/diagram" xmlns:o="urn:schemas-microsoft-com:office:office" xmlns:v="urn:schemas-microsoft-com:vml" xmlns:pvml="urn:schemas-microsoft-com:office:powerpoint" xmlns:com="http://schemas.openxmlformats.org/drawingml/2006/compatibility" xmlns:p14="http://schemas.microsoft.com/office/powerpoint/2010/main" xmlns:p15="http://schemas.microsoft.com/office/powerpoint/2012/main" xmlns:ahyp="http://schemas.microsoft.com/office/drawing/2018/hyperlinkcolor" showMasterPhAnim="0" showMasterSp="0">
+<p:notes xmlns:a="http://schemas.openxmlformats.org/drawingml/2006/main" xmlns:r="http://schemas.openxmlformats.org/officeDocument/2006/relationships" xmlns:p="http://schemas.openxmlformats.org/presentationml/2006/main" showMasterSp="0" showMasterPhAnim="0">
   <p:cSld>
     <p:spTree>
       <p:nvGrpSpPr>
-        <p:cNvPr id="174" name="Shape 174"/>
+        <p:cNvPr id="1" name="Shape 174"/>
         <p:cNvGrpSpPr/>
         <p:nvPr/>
       </p:nvGrpSpPr>
@@ -2032,9 +2112,11 @@
       <p:sp>
         <p:nvSpPr>
           <p:cNvPr id="175" name="Google Shape;175;g25e0b65091b_0_126:notes"/>
-          <p:cNvSpPr/>
+          <p:cNvSpPr>
+            <a:spLocks noGrp="1" noRot="1" noChangeAspect="1"/>
+          </p:cNvSpPr>
           <p:nvPr>
-            <p:ph idx="2" type="sldImg"/>
+            <p:ph type="sldImg" idx="2"/>
           </p:nvPr>
         </p:nvSpPr>
         <p:spPr>
@@ -2043,9 +2125,13 @@
             <a:ext cx="6096000" cy="3429000"/>
           </a:xfrm>
           <a:custGeom>
-            <a:rect b="b" l="l" r="r" t="t"/>
+            <a:avLst/>
+            <a:gdLst/>
+            <a:ahLst/>
+            <a:cxnLst/>
+            <a:rect l="l" t="t" r="r" b="b"/>
             <a:pathLst>
-              <a:path extrusionOk="0" h="120000" w="120000">
+              <a:path w="120000" h="120000" extrusionOk="0">
                 <a:moveTo>
                   <a:pt x="0" y="0"/>
                 </a:moveTo>
@@ -2067,9 +2153,11 @@
       <p:sp>
         <p:nvSpPr>
           <p:cNvPr id="176" name="Google Shape;176;g25e0b65091b_0_126:notes"/>
-          <p:cNvSpPr txBox="1"/>
+          <p:cNvSpPr txBox="1">
+            <a:spLocks noGrp="1"/>
+          </p:cNvSpPr>
           <p:nvPr>
-            <p:ph idx="1" type="body"/>
+            <p:ph type="body" idx="1"/>
           </p:nvPr>
         </p:nvSpPr>
         <p:spPr>
@@ -2082,12 +2170,12 @@
           </a:prstGeom>
         </p:spPr>
         <p:txBody>
-          <a:bodyPr anchorCtr="0" anchor="t" bIns="91425" lIns="91425" spcFirstLastPara="1" rIns="91425" wrap="square" tIns="91425">
+          <a:bodyPr spcFirstLastPara="1" wrap="square" lIns="91425" tIns="91425" rIns="91425" bIns="91425" anchor="t" anchorCtr="0">
             <a:noAutofit/>
           </a:bodyPr>
           <a:lstStyle/>
           <a:p>
-            <a:pPr indent="0" lvl="0" marL="0" rtl="0" algn="l">
+            <a:pPr marL="0" lvl="0" indent="0" algn="l" rtl="0">
               <a:spcBef>
                 <a:spcPts val="0"/>
               </a:spcBef>
@@ -2096,9 +2184,6 @@
               </a:spcAft>
               <a:buNone/>
             </a:pPr>
-            <a:r>
-              <a:t/>
-            </a:r>
             <a:endParaRPr/>
           </a:p>
         </p:txBody>
@@ -2112,11 +2197,11 @@
 </file>
 
 <file path=ppt/notesSlides/notesSlide22.xml><?xml version="1.0" encoding="utf-8"?>
-<p:notes xmlns:a="http://schemas.openxmlformats.org/drawingml/2006/main" xmlns:r="http://schemas.openxmlformats.org/officeDocument/2006/relationships" xmlns:mc="http://schemas.openxmlformats.org/markup-compatibility/2006" xmlns:mv="urn:schemas-microsoft-com:mac:vml" xmlns:p="http://schemas.openxmlformats.org/presentationml/2006/main" xmlns:c="http://schemas.openxmlformats.org/drawingml/2006/chart" xmlns:dgm="http://schemas.openxmlformats.org/drawingml/2006/diagram" xmlns:o="urn:schemas-microsoft-com:office:office" xmlns:v="urn:schemas-microsoft-com:vml" xmlns:pvml="urn:schemas-microsoft-com:office:powerpoint" xmlns:com="http://schemas.openxmlformats.org/drawingml/2006/compatibility" xmlns:p14="http://schemas.microsoft.com/office/powerpoint/2010/main" xmlns:p15="http://schemas.microsoft.com/office/powerpoint/2012/main" xmlns:ahyp="http://schemas.microsoft.com/office/drawing/2018/hyperlinkcolor" showMasterPhAnim="0" showMasterSp="0">
+<p:notes xmlns:a="http://schemas.openxmlformats.org/drawingml/2006/main" xmlns:r="http://schemas.openxmlformats.org/officeDocument/2006/relationships" xmlns:p="http://schemas.openxmlformats.org/presentationml/2006/main" showMasterSp="0" showMasterPhAnim="0">
   <p:cSld>
     <p:spTree>
       <p:nvGrpSpPr>
-        <p:cNvPr id="179" name="Shape 179"/>
+        <p:cNvPr id="1" name="Shape 179"/>
         <p:cNvGrpSpPr/>
         <p:nvPr/>
       </p:nvGrpSpPr>
@@ -2131,9 +2216,11 @@
       <p:sp>
         <p:nvSpPr>
           <p:cNvPr id="180" name="Google Shape;180;g25e0b65091b_0_130:notes"/>
-          <p:cNvSpPr/>
+          <p:cNvSpPr>
+            <a:spLocks noGrp="1" noRot="1" noChangeAspect="1"/>
+          </p:cNvSpPr>
           <p:nvPr>
-            <p:ph idx="2" type="sldImg"/>
+            <p:ph type="sldImg" idx="2"/>
           </p:nvPr>
         </p:nvSpPr>
         <p:spPr>
@@ -2142,9 +2229,13 @@
             <a:ext cx="6096000" cy="3429000"/>
           </a:xfrm>
           <a:custGeom>
-            <a:rect b="b" l="l" r="r" t="t"/>
+            <a:avLst/>
+            <a:gdLst/>
+            <a:ahLst/>
+            <a:cxnLst/>
+            <a:rect l="l" t="t" r="r" b="b"/>
             <a:pathLst>
-              <a:path extrusionOk="0" h="120000" w="120000">
+              <a:path w="120000" h="120000" extrusionOk="0">
                 <a:moveTo>
                   <a:pt x="0" y="0"/>
                 </a:moveTo>
@@ -2166,9 +2257,11 @@
       <p:sp>
         <p:nvSpPr>
           <p:cNvPr id="181" name="Google Shape;181;g25e0b65091b_0_130:notes"/>
-          <p:cNvSpPr txBox="1"/>
+          <p:cNvSpPr txBox="1">
+            <a:spLocks noGrp="1"/>
+          </p:cNvSpPr>
           <p:nvPr>
-            <p:ph idx="1" type="body"/>
+            <p:ph type="body" idx="1"/>
           </p:nvPr>
         </p:nvSpPr>
         <p:spPr>
@@ -2181,12 +2274,12 @@
           </a:prstGeom>
         </p:spPr>
         <p:txBody>
-          <a:bodyPr anchorCtr="0" anchor="t" bIns="91425" lIns="91425" spcFirstLastPara="1" rIns="91425" wrap="square" tIns="91425">
+          <a:bodyPr spcFirstLastPara="1" wrap="square" lIns="91425" tIns="91425" rIns="91425" bIns="91425" anchor="t" anchorCtr="0">
             <a:noAutofit/>
           </a:bodyPr>
           <a:lstStyle/>
           <a:p>
-            <a:pPr indent="0" lvl="0" marL="0" rtl="0" algn="l">
+            <a:pPr marL="0" lvl="0" indent="0" algn="l" rtl="0">
               <a:spcBef>
                 <a:spcPts val="0"/>
               </a:spcBef>
@@ -2195,9 +2288,6 @@
               </a:spcAft>
               <a:buNone/>
             </a:pPr>
-            <a:r>
-              <a:t/>
-            </a:r>
             <a:endParaRPr/>
           </a:p>
         </p:txBody>
@@ -2211,11 +2301,11 @@
 </file>
 
 <file path=ppt/notesSlides/notesSlide23.xml><?xml version="1.0" encoding="utf-8"?>
-<p:notes xmlns:a="http://schemas.openxmlformats.org/drawingml/2006/main" xmlns:r="http://schemas.openxmlformats.org/officeDocument/2006/relationships" xmlns:mc="http://schemas.openxmlformats.org/markup-compatibility/2006" xmlns:mv="urn:schemas-microsoft-com:mac:vml" xmlns:p="http://schemas.openxmlformats.org/presentationml/2006/main" xmlns:c="http://schemas.openxmlformats.org/drawingml/2006/chart" xmlns:dgm="http://schemas.openxmlformats.org/drawingml/2006/diagram" xmlns:o="urn:schemas-microsoft-com:office:office" xmlns:v="urn:schemas-microsoft-com:vml" xmlns:pvml="urn:schemas-microsoft-com:office:powerpoint" xmlns:com="http://schemas.openxmlformats.org/drawingml/2006/compatibility" xmlns:p14="http://schemas.microsoft.com/office/powerpoint/2010/main" xmlns:p15="http://schemas.microsoft.com/office/powerpoint/2012/main" xmlns:ahyp="http://schemas.microsoft.com/office/drawing/2018/hyperlinkcolor" showMasterPhAnim="0" showMasterSp="0">
+<p:notes xmlns:a="http://schemas.openxmlformats.org/drawingml/2006/main" xmlns:r="http://schemas.openxmlformats.org/officeDocument/2006/relationships" xmlns:p="http://schemas.openxmlformats.org/presentationml/2006/main" showMasterSp="0" showMasterPhAnim="0">
   <p:cSld>
     <p:spTree>
       <p:nvGrpSpPr>
-        <p:cNvPr id="185" name="Shape 185"/>
+        <p:cNvPr id="1" name="Shape 185"/>
         <p:cNvGrpSpPr/>
         <p:nvPr/>
       </p:nvGrpSpPr>
@@ -2230,9 +2320,11 @@
       <p:sp>
         <p:nvSpPr>
           <p:cNvPr id="186" name="Google Shape;186;g25e0b65091b_0_141:notes"/>
-          <p:cNvSpPr/>
+          <p:cNvSpPr>
+            <a:spLocks noGrp="1" noRot="1" noChangeAspect="1"/>
+          </p:cNvSpPr>
           <p:nvPr>
-            <p:ph idx="2" type="sldImg"/>
+            <p:ph type="sldImg" idx="2"/>
           </p:nvPr>
         </p:nvSpPr>
         <p:spPr>
@@ -2241,9 +2333,13 @@
             <a:ext cx="6096000" cy="3429000"/>
           </a:xfrm>
           <a:custGeom>
-            <a:rect b="b" l="l" r="r" t="t"/>
+            <a:avLst/>
+            <a:gdLst/>
+            <a:ahLst/>
+            <a:cxnLst/>
+            <a:rect l="l" t="t" r="r" b="b"/>
             <a:pathLst>
-              <a:path extrusionOk="0" h="120000" w="120000">
+              <a:path w="120000" h="120000" extrusionOk="0">
                 <a:moveTo>
                   <a:pt x="0" y="0"/>
                 </a:moveTo>
@@ -2265,9 +2361,11 @@
       <p:sp>
         <p:nvSpPr>
           <p:cNvPr id="187" name="Google Shape;187;g25e0b65091b_0_141:notes"/>
-          <p:cNvSpPr txBox="1"/>
+          <p:cNvSpPr txBox="1">
+            <a:spLocks noGrp="1"/>
+          </p:cNvSpPr>
           <p:nvPr>
-            <p:ph idx="1" type="body"/>
+            <p:ph type="body" idx="1"/>
           </p:nvPr>
         </p:nvSpPr>
         <p:spPr>
@@ -2280,12 +2378,12 @@
           </a:prstGeom>
         </p:spPr>
         <p:txBody>
-          <a:bodyPr anchorCtr="0" anchor="t" bIns="91425" lIns="91425" spcFirstLastPara="1" rIns="91425" wrap="square" tIns="91425">
+          <a:bodyPr spcFirstLastPara="1" wrap="square" lIns="91425" tIns="91425" rIns="91425" bIns="91425" anchor="t" anchorCtr="0">
             <a:noAutofit/>
           </a:bodyPr>
           <a:lstStyle/>
           <a:p>
-            <a:pPr indent="0" lvl="0" marL="0" rtl="0" algn="l">
+            <a:pPr marL="0" lvl="0" indent="0" algn="l" rtl="0">
               <a:spcBef>
                 <a:spcPts val="0"/>
               </a:spcBef>
@@ -2294,9 +2392,6 @@
               </a:spcAft>
               <a:buNone/>
             </a:pPr>
-            <a:r>
-              <a:t/>
-            </a:r>
             <a:endParaRPr/>
           </a:p>
         </p:txBody>
@@ -2310,11 +2405,11 @@
 </file>
 
 <file path=ppt/notesSlides/notesSlide24.xml><?xml version="1.0" encoding="utf-8"?>
-<p:notes xmlns:a="http://schemas.openxmlformats.org/drawingml/2006/main" xmlns:r="http://schemas.openxmlformats.org/officeDocument/2006/relationships" xmlns:mc="http://schemas.openxmlformats.org/markup-compatibility/2006" xmlns:mv="urn:schemas-microsoft-com:mac:vml" xmlns:p="http://schemas.openxmlformats.org/presentationml/2006/main" xmlns:c="http://schemas.openxmlformats.org/drawingml/2006/chart" xmlns:dgm="http://schemas.openxmlformats.org/drawingml/2006/diagram" xmlns:o="urn:schemas-microsoft-com:office:office" xmlns:v="urn:schemas-microsoft-com:vml" xmlns:pvml="urn:schemas-microsoft-com:office:powerpoint" xmlns:com="http://schemas.openxmlformats.org/drawingml/2006/compatibility" xmlns:p14="http://schemas.microsoft.com/office/powerpoint/2010/main" xmlns:p15="http://schemas.microsoft.com/office/powerpoint/2012/main" xmlns:ahyp="http://schemas.microsoft.com/office/drawing/2018/hyperlinkcolor" showMasterPhAnim="0" showMasterSp="0">
+<p:notes xmlns:a="http://schemas.openxmlformats.org/drawingml/2006/main" xmlns:r="http://schemas.openxmlformats.org/officeDocument/2006/relationships" xmlns:p="http://schemas.openxmlformats.org/presentationml/2006/main" showMasterSp="0" showMasterPhAnim="0">
   <p:cSld>
     <p:spTree>
       <p:nvGrpSpPr>
-        <p:cNvPr id="190" name="Shape 190"/>
+        <p:cNvPr id="1" name="Shape 190"/>
         <p:cNvGrpSpPr/>
         <p:nvPr/>
       </p:nvGrpSpPr>
@@ -2329,9 +2424,11 @@
       <p:sp>
         <p:nvSpPr>
           <p:cNvPr id="191" name="Google Shape;191;g25e0b65091b_0_145:notes"/>
-          <p:cNvSpPr/>
+          <p:cNvSpPr>
+            <a:spLocks noGrp="1" noRot="1" noChangeAspect="1"/>
+          </p:cNvSpPr>
           <p:nvPr>
-            <p:ph idx="2" type="sldImg"/>
+            <p:ph type="sldImg" idx="2"/>
           </p:nvPr>
         </p:nvSpPr>
         <p:spPr>
@@ -2340,9 +2437,13 @@
             <a:ext cx="6096000" cy="3429000"/>
           </a:xfrm>
           <a:custGeom>
-            <a:rect b="b" l="l" r="r" t="t"/>
+            <a:avLst/>
+            <a:gdLst/>
+            <a:ahLst/>
+            <a:cxnLst/>
+            <a:rect l="l" t="t" r="r" b="b"/>
             <a:pathLst>
-              <a:path extrusionOk="0" h="120000" w="120000">
+              <a:path w="120000" h="120000" extrusionOk="0">
                 <a:moveTo>
                   <a:pt x="0" y="0"/>
                 </a:moveTo>
@@ -2364,9 +2465,11 @@
       <p:sp>
         <p:nvSpPr>
           <p:cNvPr id="192" name="Google Shape;192;g25e0b65091b_0_145:notes"/>
-          <p:cNvSpPr txBox="1"/>
+          <p:cNvSpPr txBox="1">
+            <a:spLocks noGrp="1"/>
+          </p:cNvSpPr>
           <p:nvPr>
-            <p:ph idx="1" type="body"/>
+            <p:ph type="body" idx="1"/>
           </p:nvPr>
         </p:nvSpPr>
         <p:spPr>
@@ -2379,12 +2482,12 @@
           </a:prstGeom>
         </p:spPr>
         <p:txBody>
-          <a:bodyPr anchorCtr="0" anchor="t" bIns="91425" lIns="91425" spcFirstLastPara="1" rIns="91425" wrap="square" tIns="91425">
+          <a:bodyPr spcFirstLastPara="1" wrap="square" lIns="91425" tIns="91425" rIns="91425" bIns="91425" anchor="t" anchorCtr="0">
             <a:noAutofit/>
           </a:bodyPr>
           <a:lstStyle/>
           <a:p>
-            <a:pPr indent="0" lvl="0" marL="0" rtl="0" algn="l">
+            <a:pPr marL="0" lvl="0" indent="0" algn="l" rtl="0">
               <a:spcBef>
                 <a:spcPts val="0"/>
               </a:spcBef>
@@ -2393,9 +2496,6 @@
               </a:spcAft>
               <a:buNone/>
             </a:pPr>
-            <a:r>
-              <a:t/>
-            </a:r>
             <a:endParaRPr/>
           </a:p>
         </p:txBody>
@@ -2409,11 +2509,11 @@
 </file>
 
 <file path=ppt/notesSlides/notesSlide3.xml><?xml version="1.0" encoding="utf-8"?>
-<p:notes xmlns:a="http://schemas.openxmlformats.org/drawingml/2006/main" xmlns:r="http://schemas.openxmlformats.org/officeDocument/2006/relationships" xmlns:mc="http://schemas.openxmlformats.org/markup-compatibility/2006" xmlns:mv="urn:schemas-microsoft-com:mac:vml" xmlns:p="http://schemas.openxmlformats.org/presentationml/2006/main" xmlns:c="http://schemas.openxmlformats.org/drawingml/2006/chart" xmlns:dgm="http://schemas.openxmlformats.org/drawingml/2006/diagram" xmlns:o="urn:schemas-microsoft-com:office:office" xmlns:v="urn:schemas-microsoft-com:vml" xmlns:pvml="urn:schemas-microsoft-com:office:powerpoint" xmlns:com="http://schemas.openxmlformats.org/drawingml/2006/compatibility" xmlns:p14="http://schemas.microsoft.com/office/powerpoint/2010/main" xmlns:p15="http://schemas.microsoft.com/office/powerpoint/2012/main" xmlns:ahyp="http://schemas.microsoft.com/office/drawing/2018/hyperlinkcolor" showMasterPhAnim="0" showMasterSp="0">
+<p:notes xmlns:a="http://schemas.openxmlformats.org/drawingml/2006/main" xmlns:r="http://schemas.openxmlformats.org/officeDocument/2006/relationships" xmlns:p="http://schemas.openxmlformats.org/presentationml/2006/main" showMasterSp="0" showMasterPhAnim="0">
   <p:cSld>
     <p:spTree>
       <p:nvGrpSpPr>
-        <p:cNvPr id="67" name="Shape 67"/>
+        <p:cNvPr id="1" name="Shape 67"/>
         <p:cNvGrpSpPr/>
         <p:nvPr/>
       </p:nvGrpSpPr>
@@ -2428,9 +2528,11 @@
       <p:sp>
         <p:nvSpPr>
           <p:cNvPr id="68" name="Google Shape;68;g23817e7c980_0_0:notes"/>
-          <p:cNvSpPr/>
+          <p:cNvSpPr>
+            <a:spLocks noGrp="1" noRot="1" noChangeAspect="1"/>
+          </p:cNvSpPr>
           <p:nvPr>
-            <p:ph idx="2" type="sldImg"/>
+            <p:ph type="sldImg" idx="2"/>
           </p:nvPr>
         </p:nvSpPr>
         <p:spPr>
@@ -2439,9 +2541,13 @@
             <a:ext cx="6096000" cy="3429000"/>
           </a:xfrm>
           <a:custGeom>
-            <a:rect b="b" l="l" r="r" t="t"/>
+            <a:avLst/>
+            <a:gdLst/>
+            <a:ahLst/>
+            <a:cxnLst/>
+            <a:rect l="l" t="t" r="r" b="b"/>
             <a:pathLst>
-              <a:path extrusionOk="0" h="120000" w="120000">
+              <a:path w="120000" h="120000" extrusionOk="0">
                 <a:moveTo>
                   <a:pt x="0" y="0"/>
                 </a:moveTo>
@@ -2463,9 +2569,11 @@
       <p:sp>
         <p:nvSpPr>
           <p:cNvPr id="69" name="Google Shape;69;g23817e7c980_0_0:notes"/>
-          <p:cNvSpPr txBox="1"/>
+          <p:cNvSpPr txBox="1">
+            <a:spLocks noGrp="1"/>
+          </p:cNvSpPr>
           <p:nvPr>
-            <p:ph idx="1" type="body"/>
+            <p:ph type="body" idx="1"/>
           </p:nvPr>
         </p:nvSpPr>
         <p:spPr>
@@ -2478,12 +2586,12 @@
           </a:prstGeom>
         </p:spPr>
         <p:txBody>
-          <a:bodyPr anchorCtr="0" anchor="t" bIns="91425" lIns="91425" spcFirstLastPara="1" rIns="91425" wrap="square" tIns="91425">
+          <a:bodyPr spcFirstLastPara="1" wrap="square" lIns="91425" tIns="91425" rIns="91425" bIns="91425" anchor="t" anchorCtr="0">
             <a:noAutofit/>
           </a:bodyPr>
           <a:lstStyle/>
           <a:p>
-            <a:pPr indent="0" lvl="0" marL="0" rtl="0" algn="l">
+            <a:pPr marL="0" lvl="0" indent="0" algn="l" rtl="0">
               <a:spcBef>
                 <a:spcPts val="0"/>
               </a:spcBef>
@@ -2492,9 +2600,6 @@
               </a:spcAft>
               <a:buNone/>
             </a:pPr>
-            <a:r>
-              <a:t/>
-            </a:r>
             <a:endParaRPr/>
           </a:p>
         </p:txBody>
@@ -2508,11 +2613,11 @@
 </file>
 
 <file path=ppt/notesSlides/notesSlide4.xml><?xml version="1.0" encoding="utf-8"?>
-<p:notes xmlns:a="http://schemas.openxmlformats.org/drawingml/2006/main" xmlns:r="http://schemas.openxmlformats.org/officeDocument/2006/relationships" xmlns:mc="http://schemas.openxmlformats.org/markup-compatibility/2006" xmlns:mv="urn:schemas-microsoft-com:mac:vml" xmlns:p="http://schemas.openxmlformats.org/presentationml/2006/main" xmlns:c="http://schemas.openxmlformats.org/drawingml/2006/chart" xmlns:dgm="http://schemas.openxmlformats.org/drawingml/2006/diagram" xmlns:o="urn:schemas-microsoft-com:office:office" xmlns:v="urn:schemas-microsoft-com:vml" xmlns:pvml="urn:schemas-microsoft-com:office:powerpoint" xmlns:com="http://schemas.openxmlformats.org/drawingml/2006/compatibility" xmlns:p14="http://schemas.microsoft.com/office/powerpoint/2010/main" xmlns:p15="http://schemas.microsoft.com/office/powerpoint/2012/main" xmlns:ahyp="http://schemas.microsoft.com/office/drawing/2018/hyperlinkcolor" showMasterPhAnim="0" showMasterSp="0">
+<p:notes xmlns:a="http://schemas.openxmlformats.org/drawingml/2006/main" xmlns:r="http://schemas.openxmlformats.org/officeDocument/2006/relationships" xmlns:p="http://schemas.openxmlformats.org/presentationml/2006/main" showMasterSp="0" showMasterPhAnim="0">
   <p:cSld>
     <p:spTree>
       <p:nvGrpSpPr>
-        <p:cNvPr id="72" name="Shape 72"/>
+        <p:cNvPr id="1" name="Shape 72"/>
         <p:cNvGrpSpPr/>
         <p:nvPr/>
       </p:nvGrpSpPr>
@@ -2527,20 +2632,26 @@
       <p:sp>
         <p:nvSpPr>
           <p:cNvPr id="73" name="Google Shape;73;g23817e7c980_0_4:notes"/>
-          <p:cNvSpPr/>
+          <p:cNvSpPr>
+            <a:spLocks noGrp="1" noRot="1" noChangeAspect="1"/>
+          </p:cNvSpPr>
           <p:nvPr>
-            <p:ph idx="2" type="sldImg"/>
+            <p:ph type="sldImg" idx="2"/>
           </p:nvPr>
         </p:nvSpPr>
         <p:spPr>
           <a:xfrm>
-            <a:off x="381300" y="685800"/>
+            <a:off x="381000" y="685800"/>
             <a:ext cx="6096000" cy="3429000"/>
           </a:xfrm>
           <a:custGeom>
-            <a:rect b="b" l="l" r="r" t="t"/>
+            <a:avLst/>
+            <a:gdLst/>
+            <a:ahLst/>
+            <a:cxnLst/>
+            <a:rect l="l" t="t" r="r" b="b"/>
             <a:pathLst>
-              <a:path extrusionOk="0" h="120000" w="120000">
+              <a:path w="120000" h="120000" extrusionOk="0">
                 <a:moveTo>
                   <a:pt x="0" y="0"/>
                 </a:moveTo>
@@ -2562,9 +2673,11 @@
       <p:sp>
         <p:nvSpPr>
           <p:cNvPr id="74" name="Google Shape;74;g23817e7c980_0_4:notes"/>
-          <p:cNvSpPr txBox="1"/>
+          <p:cNvSpPr txBox="1">
+            <a:spLocks noGrp="1"/>
+          </p:cNvSpPr>
           <p:nvPr>
-            <p:ph idx="1" type="body"/>
+            <p:ph type="body" idx="1"/>
           </p:nvPr>
         </p:nvSpPr>
         <p:spPr>
@@ -2577,12 +2690,12 @@
           </a:prstGeom>
         </p:spPr>
         <p:txBody>
-          <a:bodyPr anchorCtr="0" anchor="t" bIns="91425" lIns="91425" spcFirstLastPara="1" rIns="91425" wrap="square" tIns="91425">
+          <a:bodyPr spcFirstLastPara="1" wrap="square" lIns="91425" tIns="91425" rIns="91425" bIns="91425" anchor="t" anchorCtr="0">
             <a:noAutofit/>
           </a:bodyPr>
           <a:lstStyle/>
           <a:p>
-            <a:pPr indent="0" lvl="0" marL="0" rtl="0" algn="l">
+            <a:pPr marL="0" lvl="0" indent="0" algn="l" rtl="0">
               <a:spcBef>
                 <a:spcPts val="0"/>
               </a:spcBef>
@@ -2591,9 +2704,6 @@
               </a:spcAft>
               <a:buNone/>
             </a:pPr>
-            <a:r>
-              <a:t/>
-            </a:r>
             <a:endParaRPr/>
           </a:p>
         </p:txBody>
@@ -2607,11 +2717,11 @@
 </file>
 
 <file path=ppt/notesSlides/notesSlide5.xml><?xml version="1.0" encoding="utf-8"?>
-<p:notes xmlns:a="http://schemas.openxmlformats.org/drawingml/2006/main" xmlns:r="http://schemas.openxmlformats.org/officeDocument/2006/relationships" xmlns:mc="http://schemas.openxmlformats.org/markup-compatibility/2006" xmlns:mv="urn:schemas-microsoft-com:mac:vml" xmlns:p="http://schemas.openxmlformats.org/presentationml/2006/main" xmlns:c="http://schemas.openxmlformats.org/drawingml/2006/chart" xmlns:dgm="http://schemas.openxmlformats.org/drawingml/2006/diagram" xmlns:o="urn:schemas-microsoft-com:office:office" xmlns:v="urn:schemas-microsoft-com:vml" xmlns:pvml="urn:schemas-microsoft-com:office:powerpoint" xmlns:com="http://schemas.openxmlformats.org/drawingml/2006/compatibility" xmlns:p14="http://schemas.microsoft.com/office/powerpoint/2010/main" xmlns:p15="http://schemas.microsoft.com/office/powerpoint/2012/main" xmlns:ahyp="http://schemas.microsoft.com/office/drawing/2018/hyperlinkcolor" showMasterPhAnim="0" showMasterSp="0">
+<p:notes xmlns:a="http://schemas.openxmlformats.org/drawingml/2006/main" xmlns:r="http://schemas.openxmlformats.org/officeDocument/2006/relationships" xmlns:p="http://schemas.openxmlformats.org/presentationml/2006/main" showMasterSp="0" showMasterPhAnim="0">
   <p:cSld>
     <p:spTree>
       <p:nvGrpSpPr>
-        <p:cNvPr id="78" name="Shape 78"/>
+        <p:cNvPr id="1" name="Shape 78"/>
         <p:cNvGrpSpPr/>
         <p:nvPr/>
       </p:nvGrpSpPr>
@@ -2626,9 +2736,11 @@
       <p:sp>
         <p:nvSpPr>
           <p:cNvPr id="79" name="Google Shape;79;g25e0b65091b_0_14:notes"/>
-          <p:cNvSpPr/>
+          <p:cNvSpPr>
+            <a:spLocks noGrp="1" noRot="1" noChangeAspect="1"/>
+          </p:cNvSpPr>
           <p:nvPr>
-            <p:ph idx="2" type="sldImg"/>
+            <p:ph type="sldImg" idx="2"/>
           </p:nvPr>
         </p:nvSpPr>
         <p:spPr>
@@ -2637,9 +2749,13 @@
             <a:ext cx="6096000" cy="3429000"/>
           </a:xfrm>
           <a:custGeom>
-            <a:rect b="b" l="l" r="r" t="t"/>
+            <a:avLst/>
+            <a:gdLst/>
+            <a:ahLst/>
+            <a:cxnLst/>
+            <a:rect l="l" t="t" r="r" b="b"/>
             <a:pathLst>
-              <a:path extrusionOk="0" h="120000" w="120000">
+              <a:path w="120000" h="120000" extrusionOk="0">
                 <a:moveTo>
                   <a:pt x="0" y="0"/>
                 </a:moveTo>
@@ -2661,9 +2777,11 @@
       <p:sp>
         <p:nvSpPr>
           <p:cNvPr id="80" name="Google Shape;80;g25e0b65091b_0_14:notes"/>
-          <p:cNvSpPr txBox="1"/>
+          <p:cNvSpPr txBox="1">
+            <a:spLocks noGrp="1"/>
+          </p:cNvSpPr>
           <p:nvPr>
-            <p:ph idx="1" type="body"/>
+            <p:ph type="body" idx="1"/>
           </p:nvPr>
         </p:nvSpPr>
         <p:spPr>
@@ -2676,12 +2794,12 @@
           </a:prstGeom>
         </p:spPr>
         <p:txBody>
-          <a:bodyPr anchorCtr="0" anchor="t" bIns="91425" lIns="91425" spcFirstLastPara="1" rIns="91425" wrap="square" tIns="91425">
+          <a:bodyPr spcFirstLastPara="1" wrap="square" lIns="91425" tIns="91425" rIns="91425" bIns="91425" anchor="t" anchorCtr="0">
             <a:noAutofit/>
           </a:bodyPr>
           <a:lstStyle/>
           <a:p>
-            <a:pPr indent="0" lvl="0" marL="0" rtl="0" algn="l">
+            <a:pPr marL="0" lvl="0" indent="0" algn="l" rtl="0">
               <a:spcBef>
                 <a:spcPts val="0"/>
               </a:spcBef>
@@ -2690,9 +2808,6 @@
               </a:spcAft>
               <a:buNone/>
             </a:pPr>
-            <a:r>
-              <a:t/>
-            </a:r>
             <a:endParaRPr/>
           </a:p>
         </p:txBody>
@@ -2706,11 +2821,11 @@
 </file>
 
 <file path=ppt/notesSlides/notesSlide6.xml><?xml version="1.0" encoding="utf-8"?>
-<p:notes xmlns:a="http://schemas.openxmlformats.org/drawingml/2006/main" xmlns:r="http://schemas.openxmlformats.org/officeDocument/2006/relationships" xmlns:mc="http://schemas.openxmlformats.org/markup-compatibility/2006" xmlns:mv="urn:schemas-microsoft-com:mac:vml" xmlns:p="http://schemas.openxmlformats.org/presentationml/2006/main" xmlns:c="http://schemas.openxmlformats.org/drawingml/2006/chart" xmlns:dgm="http://schemas.openxmlformats.org/drawingml/2006/diagram" xmlns:o="urn:schemas-microsoft-com:office:office" xmlns:v="urn:schemas-microsoft-com:vml" xmlns:pvml="urn:schemas-microsoft-com:office:powerpoint" xmlns:com="http://schemas.openxmlformats.org/drawingml/2006/compatibility" xmlns:p14="http://schemas.microsoft.com/office/powerpoint/2010/main" xmlns:p15="http://schemas.microsoft.com/office/powerpoint/2012/main" xmlns:ahyp="http://schemas.microsoft.com/office/drawing/2018/hyperlinkcolor" showMasterPhAnim="0" showMasterSp="0">
+<p:notes xmlns:a="http://schemas.openxmlformats.org/drawingml/2006/main" xmlns:r="http://schemas.openxmlformats.org/officeDocument/2006/relationships" xmlns:p="http://schemas.openxmlformats.org/presentationml/2006/main" showMasterSp="0" showMasterPhAnim="0">
   <p:cSld>
     <p:spTree>
       <p:nvGrpSpPr>
-        <p:cNvPr id="83" name="Shape 83"/>
+        <p:cNvPr id="1" name="Shape 83"/>
         <p:cNvGrpSpPr/>
         <p:nvPr/>
       </p:nvGrpSpPr>
@@ -2725,9 +2840,11 @@
       <p:sp>
         <p:nvSpPr>
           <p:cNvPr id="84" name="Google Shape;84;g23817e7c980_0_9:notes"/>
-          <p:cNvSpPr/>
+          <p:cNvSpPr>
+            <a:spLocks noGrp="1" noRot="1" noChangeAspect="1"/>
+          </p:cNvSpPr>
           <p:nvPr>
-            <p:ph idx="2" type="sldImg"/>
+            <p:ph type="sldImg" idx="2"/>
           </p:nvPr>
         </p:nvSpPr>
         <p:spPr>
@@ -2736,9 +2853,13 @@
             <a:ext cx="6096000" cy="3429000"/>
           </a:xfrm>
           <a:custGeom>
-            <a:rect b="b" l="l" r="r" t="t"/>
+            <a:avLst/>
+            <a:gdLst/>
+            <a:ahLst/>
+            <a:cxnLst/>
+            <a:rect l="l" t="t" r="r" b="b"/>
             <a:pathLst>
-              <a:path extrusionOk="0" h="120000" w="120000">
+              <a:path w="120000" h="120000" extrusionOk="0">
                 <a:moveTo>
                   <a:pt x="0" y="0"/>
                 </a:moveTo>
@@ -2760,9 +2881,11 @@
       <p:sp>
         <p:nvSpPr>
           <p:cNvPr id="85" name="Google Shape;85;g23817e7c980_0_9:notes"/>
-          <p:cNvSpPr txBox="1"/>
+          <p:cNvSpPr txBox="1">
+            <a:spLocks noGrp="1"/>
+          </p:cNvSpPr>
           <p:nvPr>
-            <p:ph idx="1" type="body"/>
+            <p:ph type="body" idx="1"/>
           </p:nvPr>
         </p:nvSpPr>
         <p:spPr>
@@ -2775,12 +2898,12 @@
           </a:prstGeom>
         </p:spPr>
         <p:txBody>
-          <a:bodyPr anchorCtr="0" anchor="t" bIns="91425" lIns="91425" spcFirstLastPara="1" rIns="91425" wrap="square" tIns="91425">
+          <a:bodyPr spcFirstLastPara="1" wrap="square" lIns="91425" tIns="91425" rIns="91425" bIns="91425" anchor="t" anchorCtr="0">
             <a:noAutofit/>
           </a:bodyPr>
           <a:lstStyle/>
           <a:p>
-            <a:pPr indent="0" lvl="0" marL="0" rtl="0" algn="l">
+            <a:pPr marL="0" lvl="0" indent="0" algn="l" rtl="0">
               <a:spcBef>
                 <a:spcPts val="0"/>
               </a:spcBef>
@@ -2789,9 +2912,6 @@
               </a:spcAft>
               <a:buNone/>
             </a:pPr>
-            <a:r>
-              <a:t/>
-            </a:r>
             <a:endParaRPr/>
           </a:p>
         </p:txBody>
@@ -2805,11 +2925,11 @@
 </file>
 
 <file path=ppt/notesSlides/notesSlide7.xml><?xml version="1.0" encoding="utf-8"?>
-<p:notes xmlns:a="http://schemas.openxmlformats.org/drawingml/2006/main" xmlns:r="http://schemas.openxmlformats.org/officeDocument/2006/relationships" xmlns:mc="http://schemas.openxmlformats.org/markup-compatibility/2006" xmlns:mv="urn:schemas-microsoft-com:mac:vml" xmlns:p="http://schemas.openxmlformats.org/presentationml/2006/main" xmlns:c="http://schemas.openxmlformats.org/drawingml/2006/chart" xmlns:dgm="http://schemas.openxmlformats.org/drawingml/2006/diagram" xmlns:o="urn:schemas-microsoft-com:office:office" xmlns:v="urn:schemas-microsoft-com:vml" xmlns:pvml="urn:schemas-microsoft-com:office:powerpoint" xmlns:com="http://schemas.openxmlformats.org/drawingml/2006/compatibility" xmlns:p14="http://schemas.microsoft.com/office/powerpoint/2010/main" xmlns:p15="http://schemas.microsoft.com/office/powerpoint/2012/main" xmlns:ahyp="http://schemas.microsoft.com/office/drawing/2018/hyperlinkcolor" showMasterPhAnim="0" showMasterSp="0">
+<p:notes xmlns:a="http://schemas.openxmlformats.org/drawingml/2006/main" xmlns:r="http://schemas.openxmlformats.org/officeDocument/2006/relationships" xmlns:p="http://schemas.openxmlformats.org/presentationml/2006/main" showMasterSp="0" showMasterPhAnim="0">
   <p:cSld>
     <p:spTree>
       <p:nvGrpSpPr>
-        <p:cNvPr id="88" name="Shape 88"/>
+        <p:cNvPr id="1" name="Shape 88"/>
         <p:cNvGrpSpPr/>
         <p:nvPr/>
       </p:nvGrpSpPr>
@@ -2824,9 +2944,11 @@
       <p:sp>
         <p:nvSpPr>
           <p:cNvPr id="89" name="Google Shape;89;g23817e7c980_0_13:notes"/>
-          <p:cNvSpPr/>
+          <p:cNvSpPr>
+            <a:spLocks noGrp="1" noRot="1" noChangeAspect="1"/>
+          </p:cNvSpPr>
           <p:nvPr>
-            <p:ph idx="2" type="sldImg"/>
+            <p:ph type="sldImg" idx="2"/>
           </p:nvPr>
         </p:nvSpPr>
         <p:spPr>
@@ -2835,9 +2957,13 @@
             <a:ext cx="6096000" cy="3429000"/>
           </a:xfrm>
           <a:custGeom>
-            <a:rect b="b" l="l" r="r" t="t"/>
+            <a:avLst/>
+            <a:gdLst/>
+            <a:ahLst/>
+            <a:cxnLst/>
+            <a:rect l="l" t="t" r="r" b="b"/>
             <a:pathLst>
-              <a:path extrusionOk="0" h="120000" w="120000">
+              <a:path w="120000" h="120000" extrusionOk="0">
                 <a:moveTo>
                   <a:pt x="0" y="0"/>
                 </a:moveTo>
@@ -2859,9 +2985,11 @@
       <p:sp>
         <p:nvSpPr>
           <p:cNvPr id="90" name="Google Shape;90;g23817e7c980_0_13:notes"/>
-          <p:cNvSpPr txBox="1"/>
+          <p:cNvSpPr txBox="1">
+            <a:spLocks noGrp="1"/>
+          </p:cNvSpPr>
           <p:nvPr>
-            <p:ph idx="1" type="body"/>
+            <p:ph type="body" idx="1"/>
           </p:nvPr>
         </p:nvSpPr>
         <p:spPr>
@@ -2874,12 +3002,12 @@
           </a:prstGeom>
         </p:spPr>
         <p:txBody>
-          <a:bodyPr anchorCtr="0" anchor="t" bIns="91425" lIns="91425" spcFirstLastPara="1" rIns="91425" wrap="square" tIns="91425">
+          <a:bodyPr spcFirstLastPara="1" wrap="square" lIns="91425" tIns="91425" rIns="91425" bIns="91425" anchor="t" anchorCtr="0">
             <a:noAutofit/>
           </a:bodyPr>
           <a:lstStyle/>
           <a:p>
-            <a:pPr indent="0" lvl="0" marL="0" rtl="0" algn="l">
+            <a:pPr marL="0" lvl="0" indent="0" algn="l" rtl="0">
               <a:spcBef>
                 <a:spcPts val="0"/>
               </a:spcBef>
@@ -2888,9 +3016,6 @@
               </a:spcAft>
               <a:buNone/>
             </a:pPr>
-            <a:r>
-              <a:t/>
-            </a:r>
             <a:endParaRPr/>
           </a:p>
         </p:txBody>
@@ -2904,11 +3029,11 @@
 </file>
 
 <file path=ppt/notesSlides/notesSlide8.xml><?xml version="1.0" encoding="utf-8"?>
-<p:notes xmlns:a="http://schemas.openxmlformats.org/drawingml/2006/main" xmlns:r="http://schemas.openxmlformats.org/officeDocument/2006/relationships" xmlns:mc="http://schemas.openxmlformats.org/markup-compatibility/2006" xmlns:mv="urn:schemas-microsoft-com:mac:vml" xmlns:p="http://schemas.openxmlformats.org/presentationml/2006/main" xmlns:c="http://schemas.openxmlformats.org/drawingml/2006/chart" xmlns:dgm="http://schemas.openxmlformats.org/drawingml/2006/diagram" xmlns:o="urn:schemas-microsoft-com:office:office" xmlns:v="urn:schemas-microsoft-com:vml" xmlns:pvml="urn:schemas-microsoft-com:office:powerpoint" xmlns:com="http://schemas.openxmlformats.org/drawingml/2006/compatibility" xmlns:p14="http://schemas.microsoft.com/office/powerpoint/2010/main" xmlns:p15="http://schemas.microsoft.com/office/powerpoint/2012/main" xmlns:ahyp="http://schemas.microsoft.com/office/drawing/2018/hyperlinkcolor" showMasterPhAnim="0" showMasterSp="0">
+<p:notes xmlns:a="http://schemas.openxmlformats.org/drawingml/2006/main" xmlns:r="http://schemas.openxmlformats.org/officeDocument/2006/relationships" xmlns:p="http://schemas.openxmlformats.org/presentationml/2006/main" showMasterSp="0" showMasterPhAnim="0">
   <p:cSld>
     <p:spTree>
       <p:nvGrpSpPr>
-        <p:cNvPr id="94" name="Shape 94"/>
+        <p:cNvPr id="1" name="Shape 94"/>
         <p:cNvGrpSpPr/>
         <p:nvPr/>
       </p:nvGrpSpPr>
@@ -2923,9 +3048,11 @@
       <p:sp>
         <p:nvSpPr>
           <p:cNvPr id="95" name="Google Shape;95;g25e0b65091b_0_0:notes"/>
-          <p:cNvSpPr/>
+          <p:cNvSpPr>
+            <a:spLocks noGrp="1" noRot="1" noChangeAspect="1"/>
+          </p:cNvSpPr>
           <p:nvPr>
-            <p:ph idx="2" type="sldImg"/>
+            <p:ph type="sldImg" idx="2"/>
           </p:nvPr>
         </p:nvSpPr>
         <p:spPr>
@@ -2934,9 +3061,13 @@
             <a:ext cx="6096000" cy="3429000"/>
           </a:xfrm>
           <a:custGeom>
-            <a:rect b="b" l="l" r="r" t="t"/>
+            <a:avLst/>
+            <a:gdLst/>
+            <a:ahLst/>
+            <a:cxnLst/>
+            <a:rect l="l" t="t" r="r" b="b"/>
             <a:pathLst>
-              <a:path extrusionOk="0" h="120000" w="120000">
+              <a:path w="120000" h="120000" extrusionOk="0">
                 <a:moveTo>
                   <a:pt x="0" y="0"/>
                 </a:moveTo>
@@ -2958,9 +3089,11 @@
       <p:sp>
         <p:nvSpPr>
           <p:cNvPr id="96" name="Google Shape;96;g25e0b65091b_0_0:notes"/>
-          <p:cNvSpPr txBox="1"/>
+          <p:cNvSpPr txBox="1">
+            <a:spLocks noGrp="1"/>
+          </p:cNvSpPr>
           <p:nvPr>
-            <p:ph idx="1" type="body"/>
+            <p:ph type="body" idx="1"/>
           </p:nvPr>
         </p:nvSpPr>
         <p:spPr>
@@ -2973,12 +3106,12 @@
           </a:prstGeom>
         </p:spPr>
         <p:txBody>
-          <a:bodyPr anchorCtr="0" anchor="t" bIns="91425" lIns="91425" spcFirstLastPara="1" rIns="91425" wrap="square" tIns="91425">
+          <a:bodyPr spcFirstLastPara="1" wrap="square" lIns="91425" tIns="91425" rIns="91425" bIns="91425" anchor="t" anchorCtr="0">
             <a:noAutofit/>
           </a:bodyPr>
           <a:lstStyle/>
           <a:p>
-            <a:pPr indent="0" lvl="0" marL="0" rtl="0" algn="l">
+            <a:pPr marL="0" lvl="0" indent="0" algn="l" rtl="0">
               <a:spcBef>
                 <a:spcPts val="0"/>
               </a:spcBef>
@@ -2987,9 +3120,6 @@
               </a:spcAft>
               <a:buNone/>
             </a:pPr>
-            <a:r>
-              <a:t/>
-            </a:r>
             <a:endParaRPr/>
           </a:p>
         </p:txBody>
@@ -3003,11 +3133,11 @@
 </file>
 
 <file path=ppt/notesSlides/notesSlide9.xml><?xml version="1.0" encoding="utf-8"?>
-<p:notes xmlns:a="http://schemas.openxmlformats.org/drawingml/2006/main" xmlns:r="http://schemas.openxmlformats.org/officeDocument/2006/relationships" xmlns:mc="http://schemas.openxmlformats.org/markup-compatibility/2006" xmlns:mv="urn:schemas-microsoft-com:mac:vml" xmlns:p="http://schemas.openxmlformats.org/presentationml/2006/main" xmlns:c="http://schemas.openxmlformats.org/drawingml/2006/chart" xmlns:dgm="http://schemas.openxmlformats.org/drawingml/2006/diagram" xmlns:o="urn:schemas-microsoft-com:office:office" xmlns:v="urn:schemas-microsoft-com:vml" xmlns:pvml="urn:schemas-microsoft-com:office:powerpoint" xmlns:com="http://schemas.openxmlformats.org/drawingml/2006/compatibility" xmlns:p14="http://schemas.microsoft.com/office/powerpoint/2010/main" xmlns:p15="http://schemas.microsoft.com/office/powerpoint/2012/main" xmlns:ahyp="http://schemas.microsoft.com/office/drawing/2018/hyperlinkcolor" showMasterPhAnim="0" showMasterSp="0">
+<p:notes xmlns:a="http://schemas.openxmlformats.org/drawingml/2006/main" xmlns:r="http://schemas.openxmlformats.org/officeDocument/2006/relationships" xmlns:p="http://schemas.openxmlformats.org/presentationml/2006/main" showMasterSp="0" showMasterPhAnim="0">
   <p:cSld>
     <p:spTree>
       <p:nvGrpSpPr>
-        <p:cNvPr id="99" name="Shape 99"/>
+        <p:cNvPr id="1" name="Shape 99"/>
         <p:cNvGrpSpPr/>
         <p:nvPr/>
       </p:nvGrpSpPr>
@@ -3022,9 +3152,11 @@
       <p:sp>
         <p:nvSpPr>
           <p:cNvPr id="100" name="Google Shape;100;g25e0b65091b_0_10:notes"/>
-          <p:cNvSpPr/>
+          <p:cNvSpPr>
+            <a:spLocks noGrp="1" noRot="1" noChangeAspect="1"/>
+          </p:cNvSpPr>
           <p:nvPr>
-            <p:ph idx="2" type="sldImg"/>
+            <p:ph type="sldImg" idx="2"/>
           </p:nvPr>
         </p:nvSpPr>
         <p:spPr>
@@ -3033,9 +3165,13 @@
             <a:ext cx="6096000" cy="3429000"/>
           </a:xfrm>
           <a:custGeom>
-            <a:rect b="b" l="l" r="r" t="t"/>
+            <a:avLst/>
+            <a:gdLst/>
+            <a:ahLst/>
+            <a:cxnLst/>
+            <a:rect l="l" t="t" r="r" b="b"/>
             <a:pathLst>
-              <a:path extrusionOk="0" h="120000" w="120000">
+              <a:path w="120000" h="120000" extrusionOk="0">
                 <a:moveTo>
                   <a:pt x="0" y="0"/>
                 </a:moveTo>
@@ -3057,9 +3193,11 @@
       <p:sp>
         <p:nvSpPr>
           <p:cNvPr id="101" name="Google Shape;101;g25e0b65091b_0_10:notes"/>
-          <p:cNvSpPr txBox="1"/>
+          <p:cNvSpPr txBox="1">
+            <a:spLocks noGrp="1"/>
+          </p:cNvSpPr>
           <p:nvPr>
-            <p:ph idx="1" type="body"/>
+            <p:ph type="body" idx="1"/>
           </p:nvPr>
         </p:nvSpPr>
         <p:spPr>
@@ -3072,12 +3210,12 @@
           </a:prstGeom>
         </p:spPr>
         <p:txBody>
-          <a:bodyPr anchorCtr="0" anchor="t" bIns="91425" lIns="91425" spcFirstLastPara="1" rIns="91425" wrap="square" tIns="91425">
+          <a:bodyPr spcFirstLastPara="1" wrap="square" lIns="91425" tIns="91425" rIns="91425" bIns="91425" anchor="t" anchorCtr="0">
             <a:noAutofit/>
           </a:bodyPr>
           <a:lstStyle/>
           <a:p>
-            <a:pPr indent="0" lvl="0" marL="0" rtl="0" algn="l">
+            <a:pPr marL="0" lvl="0" indent="0" algn="l" rtl="0">
               <a:spcBef>
                 <a:spcPts val="0"/>
               </a:spcBef>
@@ -3086,9 +3224,6 @@
               </a:spcAft>
               <a:buNone/>
             </a:pPr>
-            <a:r>
-              <a:t/>
-            </a:r>
             <a:endParaRPr/>
           </a:p>
         </p:txBody>
@@ -3102,11 +3237,11 @@
 </file>
 
 <file path=ppt/slideLayouts/slideLayout1.xml><?xml version="1.0" encoding="utf-8"?>
-<p:sldLayout xmlns:a="http://schemas.openxmlformats.org/drawingml/2006/main" xmlns:r="http://schemas.openxmlformats.org/officeDocument/2006/relationships" xmlns:mc="http://schemas.openxmlformats.org/markup-compatibility/2006" xmlns:mv="urn:schemas-microsoft-com:mac:vml" xmlns:p="http://schemas.openxmlformats.org/presentationml/2006/main" xmlns:c="http://schemas.openxmlformats.org/drawingml/2006/chart" xmlns:dgm="http://schemas.openxmlformats.org/drawingml/2006/diagram" xmlns:o="urn:schemas-microsoft-com:office:office" xmlns:v="urn:schemas-microsoft-com:vml" xmlns:pvml="urn:schemas-microsoft-com:office:powerpoint" xmlns:com="http://schemas.openxmlformats.org/drawingml/2006/compatibility" xmlns:p14="http://schemas.microsoft.com/office/powerpoint/2010/main" xmlns:p15="http://schemas.microsoft.com/office/powerpoint/2012/main" xmlns:ahyp="http://schemas.microsoft.com/office/drawing/2018/hyperlinkcolor" matchingName="Title slide" type="title">
+<p:sldLayout xmlns:a="http://schemas.openxmlformats.org/drawingml/2006/main" xmlns:r="http://schemas.openxmlformats.org/officeDocument/2006/relationships" xmlns:p="http://schemas.openxmlformats.org/presentationml/2006/main" matchingName="Title slide" type="title">
   <p:cSld name="TITLE">
     <p:spTree>
       <p:nvGrpSpPr>
-        <p:cNvPr id="9" name="Shape 9"/>
+        <p:cNvPr id="1" name="Shape 9"/>
         <p:cNvGrpSpPr/>
         <p:nvPr/>
       </p:nvGrpSpPr>
@@ -3140,12 +3275,12 @@
           </a:ln>
         </p:spPr>
         <p:txBody>
-          <a:bodyPr anchorCtr="0" anchor="ctr" bIns="91425" lIns="91425" spcFirstLastPara="1" rIns="91425" wrap="square" tIns="91425">
+          <a:bodyPr spcFirstLastPara="1" wrap="square" lIns="91425" tIns="91425" rIns="91425" bIns="91425" anchor="ctr" anchorCtr="0">
             <a:noAutofit/>
           </a:bodyPr>
           <a:lstStyle/>
           <a:p>
-            <a:pPr indent="0" lvl="0" marL="0" rtl="0" algn="l">
+            <a:pPr marL="0" lvl="0" indent="0" algn="l" rtl="0">
               <a:spcBef>
                 <a:spcPts val="0"/>
               </a:spcBef>
@@ -3154,9 +3289,6 @@
               </a:spcAft>
               <a:buNone/>
             </a:pPr>
-            <a:r>
-              <a:t/>
-            </a:r>
             <a:endParaRPr/>
           </a:p>
         </p:txBody>
@@ -3176,23 +3308,23 @@
             <a:avLst/>
           </a:prstGeom>
           <a:noFill/>
-          <a:ln cap="flat" cmpd="sng" w="28575">
+          <a:ln w="28575" cap="flat" cmpd="sng">
             <a:solidFill>
               <a:schemeClr val="lt1"/>
             </a:solidFill>
             <a:prstDash val="solid"/>
             <a:miter lim="8000"/>
-            <a:headEnd len="sm" w="sm" type="none"/>
-            <a:tailEnd len="sm" w="sm" type="none"/>
+            <a:headEnd type="none" w="sm" len="sm"/>
+            <a:tailEnd type="none" w="sm" len="sm"/>
           </a:ln>
         </p:spPr>
         <p:txBody>
-          <a:bodyPr anchorCtr="0" anchor="ctr" bIns="91425" lIns="91425" spcFirstLastPara="1" rIns="91425" wrap="square" tIns="91425">
+          <a:bodyPr spcFirstLastPara="1" wrap="square" lIns="91425" tIns="91425" rIns="91425" bIns="91425" anchor="ctr" anchorCtr="0">
             <a:noAutofit/>
           </a:bodyPr>
           <a:lstStyle/>
           <a:p>
-            <a:pPr indent="0" lvl="0" marL="0" rtl="0" algn="l">
+            <a:pPr marL="0" lvl="0" indent="0" algn="l" rtl="0">
               <a:spcBef>
                 <a:spcPts val="0"/>
               </a:spcBef>
@@ -3201,9 +3333,6 @@
               </a:spcAft>
               <a:buNone/>
             </a:pPr>
-            <a:r>
-              <a:t/>
-            </a:r>
             <a:endParaRPr/>
           </a:p>
         </p:txBody>
@@ -3211,7 +3340,9 @@
       <p:sp>
         <p:nvSpPr>
           <p:cNvPr id="12" name="Google Shape;12;p2"/>
-          <p:cNvSpPr txBox="1"/>
+          <p:cNvSpPr txBox="1">
+            <a:spLocks noGrp="1"/>
+          </p:cNvSpPr>
           <p:nvPr>
             <p:ph type="ctrTitle"/>
           </p:nvPr>
@@ -3226,7 +3357,7 @@
           </a:prstGeom>
         </p:spPr>
         <p:txBody>
-          <a:bodyPr anchorCtr="0" anchor="ctr" bIns="91425" lIns="91425" spcFirstLastPara="1" rIns="91425" wrap="square" tIns="91425">
+          <a:bodyPr spcFirstLastPara="1" wrap="square" lIns="91425" tIns="91425" rIns="91425" bIns="91425" anchor="ctr" anchorCtr="0">
             <a:normAutofit/>
           </a:bodyPr>
           <a:lstStyle>
@@ -3438,15 +3569,19 @@
               </a:defRPr>
             </a:lvl9pPr>
           </a:lstStyle>
-          <a:p/>
+          <a:p>
+            <a:endParaRPr/>
+          </a:p>
         </p:txBody>
       </p:sp>
       <p:sp>
         <p:nvSpPr>
           <p:cNvPr id="13" name="Google Shape;13;p2"/>
-          <p:cNvSpPr txBox="1"/>
+          <p:cNvSpPr txBox="1">
+            <a:spLocks noGrp="1"/>
+          </p:cNvSpPr>
           <p:nvPr>
-            <p:ph idx="1" type="subTitle"/>
+            <p:ph type="subTitle" idx="1"/>
           </p:nvPr>
         </p:nvSpPr>
         <p:spPr>
@@ -3459,7 +3594,7 @@
           </a:prstGeom>
         </p:spPr>
         <p:txBody>
-          <a:bodyPr anchorCtr="0" anchor="b" bIns="91425" lIns="91425" spcFirstLastPara="1" rIns="91425" wrap="square" tIns="91425">
+          <a:bodyPr spcFirstLastPara="1" wrap="square" lIns="91425" tIns="91425" rIns="91425" bIns="91425" anchor="b" anchorCtr="0">
             <a:normAutofit/>
           </a:bodyPr>
           <a:lstStyle>
@@ -3505,7 +3640,7 @@
               <a:buSzPts val="1800"/>
               <a:buFont typeface="Playfair Display"/>
               <a:buNone/>
-              <a:defRPr b="1" sz="1800">
+              <a:defRPr sz="1800" b="1">
                 <a:solidFill>
                   <a:schemeClr val="lt1"/>
                 </a:solidFill>
@@ -3531,7 +3666,7 @@
               <a:buSzPts val="1800"/>
               <a:buFont typeface="Playfair Display"/>
               <a:buNone/>
-              <a:defRPr b="1" sz="1800">
+              <a:defRPr sz="1800" b="1">
                 <a:solidFill>
                   <a:schemeClr val="lt1"/>
                 </a:solidFill>
@@ -3557,7 +3692,7 @@
               <a:buSzPts val="1800"/>
               <a:buFont typeface="Playfair Display"/>
               <a:buNone/>
-              <a:defRPr b="1" sz="1800">
+              <a:defRPr sz="1800" b="1">
                 <a:solidFill>
                   <a:schemeClr val="lt1"/>
                 </a:solidFill>
@@ -3583,7 +3718,7 @@
               <a:buSzPts val="1800"/>
               <a:buFont typeface="Playfair Display"/>
               <a:buNone/>
-              <a:defRPr b="1" sz="1800">
+              <a:defRPr sz="1800" b="1">
                 <a:solidFill>
                   <a:schemeClr val="lt1"/>
                 </a:solidFill>
@@ -3609,7 +3744,7 @@
               <a:buSzPts val="1800"/>
               <a:buFont typeface="Playfair Display"/>
               <a:buNone/>
-              <a:defRPr b="1" sz="1800">
+              <a:defRPr sz="1800" b="1">
                 <a:solidFill>
                   <a:schemeClr val="lt1"/>
                 </a:solidFill>
@@ -3635,7 +3770,7 @@
               <a:buSzPts val="1800"/>
               <a:buFont typeface="Playfair Display"/>
               <a:buNone/>
-              <a:defRPr b="1" sz="1800">
+              <a:defRPr sz="1800" b="1">
                 <a:solidFill>
                   <a:schemeClr val="lt1"/>
                 </a:solidFill>
@@ -3661,7 +3796,7 @@
               <a:buSzPts val="1800"/>
               <a:buFont typeface="Playfair Display"/>
               <a:buNone/>
-              <a:defRPr b="1" sz="1800">
+              <a:defRPr sz="1800" b="1">
                 <a:solidFill>
                   <a:schemeClr val="lt1"/>
                 </a:solidFill>
@@ -3687,7 +3822,7 @@
               <a:buSzPts val="1800"/>
               <a:buFont typeface="Playfair Display"/>
               <a:buNone/>
-              <a:defRPr b="1" sz="1800">
+              <a:defRPr sz="1800" b="1">
                 <a:solidFill>
                   <a:schemeClr val="lt1"/>
                 </a:solidFill>
@@ -3698,15 +3833,19 @@
               </a:defRPr>
             </a:lvl9pPr>
           </a:lstStyle>
-          <a:p/>
+          <a:p>
+            <a:endParaRPr/>
+          </a:p>
         </p:txBody>
       </p:sp>
       <p:sp>
         <p:nvSpPr>
           <p:cNvPr id="14" name="Google Shape;14;p2"/>
-          <p:cNvSpPr txBox="1"/>
+          <p:cNvSpPr txBox="1">
+            <a:spLocks noGrp="1"/>
+          </p:cNvSpPr>
           <p:nvPr>
-            <p:ph idx="12" type="sldNum"/>
+            <p:ph type="sldNum" idx="12"/>
           </p:nvPr>
         </p:nvSpPr>
         <p:spPr>
@@ -3719,7 +3858,7 @@
           </a:prstGeom>
         </p:spPr>
         <p:txBody>
-          <a:bodyPr anchorCtr="0" anchor="ctr" bIns="91425" lIns="91425" spcFirstLastPara="1" rIns="91425" wrap="square" tIns="91425">
+          <a:bodyPr spcFirstLastPara="1" wrap="square" lIns="91425" tIns="91425" rIns="91425" bIns="91425" anchor="ctr" anchorCtr="0">
             <a:normAutofit/>
           </a:bodyPr>
           <a:lstStyle>
@@ -3761,7 +3900,7 @@
             </a:lvl9pPr>
           </a:lstStyle>
           <a:p>
-            <a:pPr indent="0" lvl="0" marL="0" rtl="0" algn="r">
+            <a:pPr marL="0" lvl="0" indent="0" algn="r" rtl="0">
               <a:spcBef>
                 <a:spcPts val="0"/>
               </a:spcBef>
@@ -3787,11 +3926,11 @@
 </file>
 
 <file path=ppt/slideLayouts/slideLayout10.xml><?xml version="1.0" encoding="utf-8"?>
-<p:sldLayout xmlns:a="http://schemas.openxmlformats.org/drawingml/2006/main" xmlns:r="http://schemas.openxmlformats.org/officeDocument/2006/relationships" xmlns:mc="http://schemas.openxmlformats.org/markup-compatibility/2006" xmlns:mv="urn:schemas-microsoft-com:mac:vml" xmlns:p="http://schemas.openxmlformats.org/presentationml/2006/main" xmlns:c="http://schemas.openxmlformats.org/drawingml/2006/chart" xmlns:dgm="http://schemas.openxmlformats.org/drawingml/2006/diagram" xmlns:o="urn:schemas-microsoft-com:office:office" xmlns:v="urn:schemas-microsoft-com:vml" xmlns:pvml="urn:schemas-microsoft-com:office:powerpoint" xmlns:com="http://schemas.openxmlformats.org/drawingml/2006/compatibility" xmlns:p14="http://schemas.microsoft.com/office/powerpoint/2010/main" xmlns:p15="http://schemas.microsoft.com/office/powerpoint/2012/main" xmlns:ahyp="http://schemas.microsoft.com/office/drawing/2018/hyperlinkcolor" matchingName="Big number">
+<p:sldLayout xmlns:a="http://schemas.openxmlformats.org/drawingml/2006/main" xmlns:r="http://schemas.openxmlformats.org/officeDocument/2006/relationships" xmlns:p="http://schemas.openxmlformats.org/presentationml/2006/main" matchingName="Big number">
   <p:cSld name="BIG_NUMBER">
     <p:spTree>
       <p:nvGrpSpPr>
-        <p:cNvPr id="48" name="Shape 48"/>
+        <p:cNvPr id="1" name="Shape 48"/>
         <p:cNvGrpSpPr/>
         <p:nvPr/>
       </p:nvGrpSpPr>
@@ -3825,12 +3964,12 @@
           </a:ln>
         </p:spPr>
         <p:txBody>
-          <a:bodyPr anchorCtr="0" anchor="ctr" bIns="91425" lIns="91425" spcFirstLastPara="1" rIns="91425" wrap="square" tIns="91425">
+          <a:bodyPr spcFirstLastPara="1" wrap="square" lIns="91425" tIns="91425" rIns="91425" bIns="91425" anchor="ctr" anchorCtr="0">
             <a:noAutofit/>
           </a:bodyPr>
           <a:lstStyle/>
           <a:p>
-            <a:pPr indent="0" lvl="0" marL="0" rtl="0" algn="l">
+            <a:pPr marL="0" lvl="0" indent="0" algn="l" rtl="0">
               <a:spcBef>
                 <a:spcPts val="0"/>
               </a:spcBef>
@@ -3839,9 +3978,6 @@
               </a:spcAft>
               <a:buNone/>
             </a:pPr>
-            <a:r>
-              <a:t/>
-            </a:r>
             <a:endParaRPr/>
           </a:p>
         </p:txBody>
@@ -3849,9 +3985,11 @@
       <p:sp>
         <p:nvSpPr>
           <p:cNvPr id="50" name="Google Shape;50;p11"/>
-          <p:cNvSpPr txBox="1"/>
+          <p:cNvSpPr txBox="1">
+            <a:spLocks noGrp="1"/>
+          </p:cNvSpPr>
           <p:nvPr>
-            <p:ph hasCustomPrompt="1" type="title"/>
+            <p:ph type="title" hasCustomPrompt="1"/>
           </p:nvPr>
         </p:nvSpPr>
         <p:spPr>
@@ -3864,7 +4002,7 @@
           </a:prstGeom>
         </p:spPr>
         <p:txBody>
-          <a:bodyPr anchorCtr="0" anchor="b" bIns="91425" lIns="91425" spcFirstLastPara="1" rIns="91425" wrap="square" tIns="91425">
+          <a:bodyPr spcFirstLastPara="1" wrap="square" lIns="91425" tIns="91425" rIns="91425" bIns="91425" anchor="b" anchorCtr="0">
             <a:normAutofit/>
           </a:bodyPr>
           <a:lstStyle>
@@ -4032,9 +4170,11 @@
       <p:sp>
         <p:nvSpPr>
           <p:cNvPr id="51" name="Google Shape;51;p11"/>
-          <p:cNvSpPr txBox="1"/>
+          <p:cNvSpPr txBox="1">
+            <a:spLocks noGrp="1"/>
+          </p:cNvSpPr>
           <p:nvPr>
-            <p:ph idx="1" type="body"/>
+            <p:ph type="body" idx="1"/>
           </p:nvPr>
         </p:nvSpPr>
         <p:spPr>
@@ -4047,11 +4187,11 @@
           </a:prstGeom>
         </p:spPr>
         <p:txBody>
-          <a:bodyPr anchorCtr="0" anchor="t" bIns="91425" lIns="91425" spcFirstLastPara="1" rIns="91425" wrap="square" tIns="91425">
+          <a:bodyPr spcFirstLastPara="1" wrap="square" lIns="91425" tIns="91425" rIns="91425" bIns="91425" anchor="t" anchorCtr="0">
             <a:normAutofit/>
           </a:bodyPr>
           <a:lstStyle>
-            <a:lvl1pPr indent="-342900" lvl="0" marL="457200" algn="ctr">
+            <a:lvl1pPr marL="457200" lvl="0" indent="-342900" algn="ctr">
               <a:spcBef>
                 <a:spcPts val="0"/>
               </a:spcBef>
@@ -4062,7 +4202,7 @@
               <a:buChar char="●"/>
               <a:defRPr/>
             </a:lvl1pPr>
-            <a:lvl2pPr indent="-317500" lvl="1" marL="914400" algn="ctr">
+            <a:lvl2pPr marL="914400" lvl="1" indent="-317500" algn="ctr">
               <a:spcBef>
                 <a:spcPts val="0"/>
               </a:spcBef>
@@ -4073,7 +4213,7 @@
               <a:buChar char="○"/>
               <a:defRPr/>
             </a:lvl2pPr>
-            <a:lvl3pPr indent="-317500" lvl="2" marL="1371600" algn="ctr">
+            <a:lvl3pPr marL="1371600" lvl="2" indent="-317500" algn="ctr">
               <a:spcBef>
                 <a:spcPts val="0"/>
               </a:spcBef>
@@ -4084,7 +4224,7 @@
               <a:buChar char="■"/>
               <a:defRPr/>
             </a:lvl3pPr>
-            <a:lvl4pPr indent="-317500" lvl="3" marL="1828800" algn="ctr">
+            <a:lvl4pPr marL="1828800" lvl="3" indent="-317500" algn="ctr">
               <a:spcBef>
                 <a:spcPts val="0"/>
               </a:spcBef>
@@ -4095,7 +4235,7 @@
               <a:buChar char="●"/>
               <a:defRPr/>
             </a:lvl4pPr>
-            <a:lvl5pPr indent="-317500" lvl="4" marL="2286000" algn="ctr">
+            <a:lvl5pPr marL="2286000" lvl="4" indent="-317500" algn="ctr">
               <a:spcBef>
                 <a:spcPts val="0"/>
               </a:spcBef>
@@ -4106,7 +4246,7 @@
               <a:buChar char="○"/>
               <a:defRPr/>
             </a:lvl5pPr>
-            <a:lvl6pPr indent="-317500" lvl="5" marL="2743200" algn="ctr">
+            <a:lvl6pPr marL="2743200" lvl="5" indent="-317500" algn="ctr">
               <a:spcBef>
                 <a:spcPts val="0"/>
               </a:spcBef>
@@ -4117,7 +4257,7 @@
               <a:buChar char="■"/>
               <a:defRPr/>
             </a:lvl6pPr>
-            <a:lvl7pPr indent="-317500" lvl="6" marL="3200400" algn="ctr">
+            <a:lvl7pPr marL="3200400" lvl="6" indent="-317500" algn="ctr">
               <a:spcBef>
                 <a:spcPts val="0"/>
               </a:spcBef>
@@ -4128,7 +4268,7 @@
               <a:buChar char="●"/>
               <a:defRPr/>
             </a:lvl7pPr>
-            <a:lvl8pPr indent="-317500" lvl="7" marL="3657600" algn="ctr">
+            <a:lvl8pPr marL="3657600" lvl="7" indent="-317500" algn="ctr">
               <a:spcBef>
                 <a:spcPts val="0"/>
               </a:spcBef>
@@ -4139,7 +4279,7 @@
               <a:buChar char="○"/>
               <a:defRPr/>
             </a:lvl8pPr>
-            <a:lvl9pPr indent="-317500" lvl="8" marL="4114800" algn="ctr">
+            <a:lvl9pPr marL="4114800" lvl="8" indent="-317500" algn="ctr">
               <a:spcBef>
                 <a:spcPts val="0"/>
               </a:spcBef>
@@ -4151,15 +4291,19 @@
               <a:defRPr/>
             </a:lvl9pPr>
           </a:lstStyle>
-          <a:p/>
+          <a:p>
+            <a:endParaRPr/>
+          </a:p>
         </p:txBody>
       </p:sp>
       <p:sp>
         <p:nvSpPr>
           <p:cNvPr id="52" name="Google Shape;52;p11"/>
-          <p:cNvSpPr txBox="1"/>
+          <p:cNvSpPr txBox="1">
+            <a:spLocks noGrp="1"/>
+          </p:cNvSpPr>
           <p:nvPr>
-            <p:ph idx="12" type="sldNum"/>
+            <p:ph type="sldNum" idx="12"/>
           </p:nvPr>
         </p:nvSpPr>
         <p:spPr>
@@ -4172,7 +4316,7 @@
           </a:prstGeom>
         </p:spPr>
         <p:txBody>
-          <a:bodyPr anchorCtr="0" anchor="ctr" bIns="91425" lIns="91425" spcFirstLastPara="1" rIns="91425" wrap="square" tIns="91425">
+          <a:bodyPr spcFirstLastPara="1" wrap="square" lIns="91425" tIns="91425" rIns="91425" bIns="91425" anchor="ctr" anchorCtr="0">
             <a:normAutofit/>
           </a:bodyPr>
           <a:lstStyle>
@@ -4214,7 +4358,7 @@
             </a:lvl9pPr>
           </a:lstStyle>
           <a:p>
-            <a:pPr indent="0" lvl="0" marL="0" rtl="0" algn="r">
+            <a:pPr marL="0" lvl="0" indent="0" algn="r" rtl="0">
               <a:spcBef>
                 <a:spcPts val="0"/>
               </a:spcBef>
@@ -4240,11 +4384,11 @@
 </file>
 
 <file path=ppt/slideLayouts/slideLayout11.xml><?xml version="1.0" encoding="utf-8"?>
-<p:sldLayout xmlns:a="http://schemas.openxmlformats.org/drawingml/2006/main" xmlns:r="http://schemas.openxmlformats.org/officeDocument/2006/relationships" xmlns:mc="http://schemas.openxmlformats.org/markup-compatibility/2006" xmlns:mv="urn:schemas-microsoft-com:mac:vml" xmlns:p="http://schemas.openxmlformats.org/presentationml/2006/main" xmlns:c="http://schemas.openxmlformats.org/drawingml/2006/chart" xmlns:dgm="http://schemas.openxmlformats.org/drawingml/2006/diagram" xmlns:o="urn:schemas-microsoft-com:office:office" xmlns:v="urn:schemas-microsoft-com:vml" xmlns:pvml="urn:schemas-microsoft-com:office:powerpoint" xmlns:com="http://schemas.openxmlformats.org/drawingml/2006/compatibility" xmlns:p14="http://schemas.microsoft.com/office/powerpoint/2010/main" xmlns:p15="http://schemas.microsoft.com/office/powerpoint/2012/main" xmlns:ahyp="http://schemas.microsoft.com/office/drawing/2018/hyperlinkcolor" matchingName="Blank" type="blank">
+<p:sldLayout xmlns:a="http://schemas.openxmlformats.org/drawingml/2006/main" xmlns:r="http://schemas.openxmlformats.org/officeDocument/2006/relationships" xmlns:p="http://schemas.openxmlformats.org/presentationml/2006/main" matchingName="Blank" type="blank">
   <p:cSld name="BLANK">
     <p:spTree>
       <p:nvGrpSpPr>
-        <p:cNvPr id="53" name="Shape 53"/>
+        <p:cNvPr id="1" name="Shape 53"/>
         <p:cNvGrpSpPr/>
         <p:nvPr/>
       </p:nvGrpSpPr>
@@ -4259,9 +4403,11 @@
       <p:sp>
         <p:nvSpPr>
           <p:cNvPr id="54" name="Google Shape;54;p12"/>
-          <p:cNvSpPr txBox="1"/>
+          <p:cNvSpPr txBox="1">
+            <a:spLocks noGrp="1"/>
+          </p:cNvSpPr>
           <p:nvPr>
-            <p:ph idx="12" type="sldNum"/>
+            <p:ph type="sldNum" idx="12"/>
           </p:nvPr>
         </p:nvSpPr>
         <p:spPr>
@@ -4274,7 +4420,7 @@
           </a:prstGeom>
         </p:spPr>
         <p:txBody>
-          <a:bodyPr anchorCtr="0" anchor="ctr" bIns="91425" lIns="91425" spcFirstLastPara="1" rIns="91425" wrap="square" tIns="91425">
+          <a:bodyPr spcFirstLastPara="1" wrap="square" lIns="91425" tIns="91425" rIns="91425" bIns="91425" anchor="ctr" anchorCtr="0">
             <a:normAutofit/>
           </a:bodyPr>
           <a:lstStyle>
@@ -4316,7 +4462,7 @@
             </a:lvl9pPr>
           </a:lstStyle>
           <a:p>
-            <a:pPr indent="0" lvl="0" marL="0" rtl="0" algn="r">
+            <a:pPr marL="0" lvl="0" indent="0" algn="r" rtl="0">
               <a:spcBef>
                 <a:spcPts val="0"/>
               </a:spcBef>
@@ -4342,18 +4488,19 @@
 </file>
 
 <file path=ppt/slideLayouts/slideLayout2.xml><?xml version="1.0" encoding="utf-8"?>
-<p:sldLayout xmlns:a="http://schemas.openxmlformats.org/drawingml/2006/main" xmlns:r="http://schemas.openxmlformats.org/officeDocument/2006/relationships" xmlns:mc="http://schemas.openxmlformats.org/markup-compatibility/2006" xmlns:mv="urn:schemas-microsoft-com:mac:vml" xmlns:p="http://schemas.openxmlformats.org/presentationml/2006/main" xmlns:c="http://schemas.openxmlformats.org/drawingml/2006/chart" xmlns:dgm="http://schemas.openxmlformats.org/drawingml/2006/diagram" xmlns:o="urn:schemas-microsoft-com:office:office" xmlns:v="urn:schemas-microsoft-com:vml" xmlns:pvml="urn:schemas-microsoft-com:office:powerpoint" xmlns:com="http://schemas.openxmlformats.org/drawingml/2006/compatibility" xmlns:p14="http://schemas.microsoft.com/office/powerpoint/2010/main" xmlns:p15="http://schemas.microsoft.com/office/powerpoint/2012/main" xmlns:ahyp="http://schemas.microsoft.com/office/drawing/2018/hyperlinkcolor" matchingName="Section header" type="secHead">
+<p:sldLayout xmlns:a="http://schemas.openxmlformats.org/drawingml/2006/main" xmlns:r="http://schemas.openxmlformats.org/officeDocument/2006/relationships" xmlns:p="http://schemas.openxmlformats.org/presentationml/2006/main" matchingName="Section header" type="secHead">
   <p:cSld name="SECTION_HEADER">
     <p:bg>
       <p:bgPr>
         <a:solidFill>
           <a:schemeClr val="dk1"/>
         </a:solidFill>
+        <a:effectLst/>
       </p:bgPr>
     </p:bg>
     <p:spTree>
       <p:nvGrpSpPr>
-        <p:cNvPr id="15" name="Shape 15"/>
+        <p:cNvPr id="1" name="Shape 15"/>
         <p:cNvGrpSpPr/>
         <p:nvPr/>
       </p:nvGrpSpPr>
@@ -4368,7 +4515,9 @@
       <p:sp>
         <p:nvSpPr>
           <p:cNvPr id="16" name="Google Shape;16;p3"/>
-          <p:cNvSpPr txBox="1"/>
+          <p:cNvSpPr txBox="1">
+            <a:spLocks noGrp="1"/>
+          </p:cNvSpPr>
           <p:nvPr>
             <p:ph type="title"/>
           </p:nvPr>
@@ -4383,7 +4532,7 @@
           </a:prstGeom>
         </p:spPr>
         <p:txBody>
-          <a:bodyPr anchorCtr="0" anchor="ctr" bIns="91425" lIns="91425" spcFirstLastPara="1" rIns="91425" wrap="square" tIns="91425">
+          <a:bodyPr spcFirstLastPara="1" wrap="square" lIns="91425" tIns="91425" rIns="91425" bIns="91425" anchor="ctr" anchorCtr="0">
             <a:normAutofit/>
           </a:bodyPr>
           <a:lstStyle>
@@ -4400,7 +4549,7 @@
               <a:buSzPts val="4800"/>
               <a:buFont typeface="Lato"/>
               <a:buNone/>
-              <a:defRPr b="0" sz="4800">
+              <a:defRPr sz="4800" b="0">
                 <a:solidFill>
                   <a:schemeClr val="lt1"/>
                 </a:solidFill>
@@ -4423,7 +4572,7 @@
               <a:buSzPts val="4800"/>
               <a:buFont typeface="Lato"/>
               <a:buNone/>
-              <a:defRPr b="0" sz="4800">
+              <a:defRPr sz="4800" b="0">
                 <a:solidFill>
                   <a:schemeClr val="lt1"/>
                 </a:solidFill>
@@ -4446,7 +4595,7 @@
               <a:buSzPts val="4800"/>
               <a:buFont typeface="Lato"/>
               <a:buNone/>
-              <a:defRPr b="0" sz="4800">
+              <a:defRPr sz="4800" b="0">
                 <a:solidFill>
                   <a:schemeClr val="lt1"/>
                 </a:solidFill>
@@ -4469,7 +4618,7 @@
               <a:buSzPts val="4800"/>
               <a:buFont typeface="Lato"/>
               <a:buNone/>
-              <a:defRPr b="0" sz="4800">
+              <a:defRPr sz="4800" b="0">
                 <a:solidFill>
                   <a:schemeClr val="lt1"/>
                 </a:solidFill>
@@ -4492,7 +4641,7 @@
               <a:buSzPts val="4800"/>
               <a:buFont typeface="Lato"/>
               <a:buNone/>
-              <a:defRPr b="0" sz="4800">
+              <a:defRPr sz="4800" b="0">
                 <a:solidFill>
                   <a:schemeClr val="lt1"/>
                 </a:solidFill>
@@ -4515,7 +4664,7 @@
               <a:buSzPts val="4800"/>
               <a:buFont typeface="Lato"/>
               <a:buNone/>
-              <a:defRPr b="0" sz="4800">
+              <a:defRPr sz="4800" b="0">
                 <a:solidFill>
                   <a:schemeClr val="lt1"/>
                 </a:solidFill>
@@ -4538,7 +4687,7 @@
               <a:buSzPts val="4800"/>
               <a:buFont typeface="Lato"/>
               <a:buNone/>
-              <a:defRPr b="0" sz="4800">
+              <a:defRPr sz="4800" b="0">
                 <a:solidFill>
                   <a:schemeClr val="lt1"/>
                 </a:solidFill>
@@ -4561,7 +4710,7 @@
               <a:buSzPts val="4800"/>
               <a:buFont typeface="Lato"/>
               <a:buNone/>
-              <a:defRPr b="0" sz="4800">
+              <a:defRPr sz="4800" b="0">
                 <a:solidFill>
                   <a:schemeClr val="lt1"/>
                 </a:solidFill>
@@ -4584,7 +4733,7 @@
               <a:buSzPts val="4800"/>
               <a:buFont typeface="Lato"/>
               <a:buNone/>
-              <a:defRPr b="0" sz="4800">
+              <a:defRPr sz="4800" b="0">
                 <a:solidFill>
                   <a:schemeClr val="lt1"/>
                 </a:solidFill>
@@ -4595,15 +4744,19 @@
               </a:defRPr>
             </a:lvl9pPr>
           </a:lstStyle>
-          <a:p/>
+          <a:p>
+            <a:endParaRPr/>
+          </a:p>
         </p:txBody>
       </p:sp>
       <p:sp>
         <p:nvSpPr>
           <p:cNvPr id="17" name="Google Shape;17;p3"/>
-          <p:cNvSpPr txBox="1"/>
+          <p:cNvSpPr txBox="1">
+            <a:spLocks noGrp="1"/>
+          </p:cNvSpPr>
           <p:nvPr>
-            <p:ph idx="12" type="sldNum"/>
+            <p:ph type="sldNum" idx="12"/>
           </p:nvPr>
         </p:nvSpPr>
         <p:spPr>
@@ -4616,7 +4769,7 @@
           </a:prstGeom>
         </p:spPr>
         <p:txBody>
-          <a:bodyPr anchorCtr="0" anchor="ctr" bIns="91425" lIns="91425" spcFirstLastPara="1" rIns="91425" wrap="square" tIns="91425">
+          <a:bodyPr spcFirstLastPara="1" wrap="square" lIns="91425" tIns="91425" rIns="91425" bIns="91425" anchor="ctr" anchorCtr="0">
             <a:normAutofit/>
           </a:bodyPr>
           <a:lstStyle>
@@ -4694,7 +4847,7 @@
             </a:lvl9pPr>
           </a:lstStyle>
           <a:p>
-            <a:pPr indent="0" lvl="0" marL="0" rtl="0" algn="r">
+            <a:pPr marL="0" lvl="0" indent="0" algn="r" rtl="0">
               <a:spcBef>
                 <a:spcPts val="0"/>
               </a:spcBef>
@@ -4720,11 +4873,11 @@
 </file>
 
 <file path=ppt/slideLayouts/slideLayout3.xml><?xml version="1.0" encoding="utf-8"?>
-<p:sldLayout xmlns:a="http://schemas.openxmlformats.org/drawingml/2006/main" xmlns:r="http://schemas.openxmlformats.org/officeDocument/2006/relationships" xmlns:mc="http://schemas.openxmlformats.org/markup-compatibility/2006" xmlns:mv="urn:schemas-microsoft-com:mac:vml" xmlns:p="http://schemas.openxmlformats.org/presentationml/2006/main" xmlns:c="http://schemas.openxmlformats.org/drawingml/2006/chart" xmlns:dgm="http://schemas.openxmlformats.org/drawingml/2006/diagram" xmlns:o="urn:schemas-microsoft-com:office:office" xmlns:v="urn:schemas-microsoft-com:vml" xmlns:pvml="urn:schemas-microsoft-com:office:powerpoint" xmlns:com="http://schemas.openxmlformats.org/drawingml/2006/compatibility" xmlns:p14="http://schemas.microsoft.com/office/powerpoint/2010/main" xmlns:p15="http://schemas.microsoft.com/office/powerpoint/2012/main" xmlns:ahyp="http://schemas.microsoft.com/office/drawing/2018/hyperlinkcolor" matchingName="Title and body" type="tx">
+<p:sldLayout xmlns:a="http://schemas.openxmlformats.org/drawingml/2006/main" xmlns:r="http://schemas.openxmlformats.org/officeDocument/2006/relationships" xmlns:p="http://schemas.openxmlformats.org/presentationml/2006/main" matchingName="Title and body" type="tx">
   <p:cSld name="TITLE_AND_BODY">
     <p:spTree>
       <p:nvGrpSpPr>
-        <p:cNvPr id="18" name="Shape 18"/>
+        <p:cNvPr id="1" name="Shape 18"/>
         <p:cNvGrpSpPr/>
         <p:nvPr/>
       </p:nvGrpSpPr>
@@ -4758,12 +4911,12 @@
           </a:ln>
         </p:spPr>
         <p:txBody>
-          <a:bodyPr anchorCtr="0" anchor="ctr" bIns="91425" lIns="91425" spcFirstLastPara="1" rIns="91425" wrap="square" tIns="91425">
+          <a:bodyPr spcFirstLastPara="1" wrap="square" lIns="91425" tIns="91425" rIns="91425" bIns="91425" anchor="ctr" anchorCtr="0">
             <a:noAutofit/>
           </a:bodyPr>
           <a:lstStyle/>
           <a:p>
-            <a:pPr indent="0" lvl="0" marL="0" rtl="0" algn="l">
+            <a:pPr marL="0" lvl="0" indent="0" algn="l" rtl="0">
               <a:spcBef>
                 <a:spcPts val="0"/>
               </a:spcBef>
@@ -4772,9 +4925,6 @@
               </a:spcAft>
               <a:buNone/>
             </a:pPr>
-            <a:r>
-              <a:t/>
-            </a:r>
             <a:endParaRPr/>
           </a:p>
         </p:txBody>
@@ -4782,7 +4932,9 @@
       <p:sp>
         <p:nvSpPr>
           <p:cNvPr id="20" name="Google Shape;20;p4"/>
-          <p:cNvSpPr txBox="1"/>
+          <p:cNvSpPr txBox="1">
+            <a:spLocks noGrp="1"/>
+          </p:cNvSpPr>
           <p:nvPr>
             <p:ph type="title"/>
           </p:nvPr>
@@ -4797,7 +4949,7 @@
           </a:prstGeom>
         </p:spPr>
         <p:txBody>
-          <a:bodyPr anchorCtr="0" anchor="t" bIns="91425" lIns="91425" spcFirstLastPara="1" rIns="91425" wrap="square" tIns="91425">
+          <a:bodyPr spcFirstLastPara="1" wrap="square" lIns="91425" tIns="91425" rIns="91425" bIns="91425" anchor="t" anchorCtr="0">
             <a:normAutofit/>
           </a:bodyPr>
           <a:lstStyle>
@@ -4901,15 +5053,19 @@
               <a:defRPr/>
             </a:lvl9pPr>
           </a:lstStyle>
-          <a:p/>
+          <a:p>
+            <a:endParaRPr/>
+          </a:p>
         </p:txBody>
       </p:sp>
       <p:sp>
         <p:nvSpPr>
           <p:cNvPr id="21" name="Google Shape;21;p4"/>
-          <p:cNvSpPr txBox="1"/>
+          <p:cNvSpPr txBox="1">
+            <a:spLocks noGrp="1"/>
+          </p:cNvSpPr>
           <p:nvPr>
-            <p:ph idx="1" type="body"/>
+            <p:ph type="body" idx="1"/>
           </p:nvPr>
         </p:nvSpPr>
         <p:spPr>
@@ -4922,11 +5078,11 @@
           </a:prstGeom>
         </p:spPr>
         <p:txBody>
-          <a:bodyPr anchorCtr="0" anchor="t" bIns="91425" lIns="91425" spcFirstLastPara="1" rIns="91425" wrap="square" tIns="91425">
+          <a:bodyPr spcFirstLastPara="1" wrap="square" lIns="91425" tIns="91425" rIns="91425" bIns="91425" anchor="t" anchorCtr="0">
             <a:normAutofit/>
           </a:bodyPr>
           <a:lstStyle>
-            <a:lvl1pPr indent="-342900" lvl="0" marL="457200">
+            <a:lvl1pPr marL="457200" lvl="0" indent="-342900">
               <a:spcBef>
                 <a:spcPts val="0"/>
               </a:spcBef>
@@ -4937,7 +5093,7 @@
               <a:buChar char="●"/>
               <a:defRPr/>
             </a:lvl1pPr>
-            <a:lvl2pPr indent="-317500" lvl="1" marL="914400">
+            <a:lvl2pPr marL="914400" lvl="1" indent="-317500">
               <a:spcBef>
                 <a:spcPts val="0"/>
               </a:spcBef>
@@ -4948,7 +5104,7 @@
               <a:buChar char="○"/>
               <a:defRPr/>
             </a:lvl2pPr>
-            <a:lvl3pPr indent="-317500" lvl="2" marL="1371600">
+            <a:lvl3pPr marL="1371600" lvl="2" indent="-317500">
               <a:spcBef>
                 <a:spcPts val="0"/>
               </a:spcBef>
@@ -4959,7 +5115,7 @@
               <a:buChar char="■"/>
               <a:defRPr/>
             </a:lvl3pPr>
-            <a:lvl4pPr indent="-317500" lvl="3" marL="1828800">
+            <a:lvl4pPr marL="1828800" lvl="3" indent="-317500">
               <a:spcBef>
                 <a:spcPts val="0"/>
               </a:spcBef>
@@ -4970,7 +5126,7 @@
               <a:buChar char="●"/>
               <a:defRPr/>
             </a:lvl4pPr>
-            <a:lvl5pPr indent="-317500" lvl="4" marL="2286000">
+            <a:lvl5pPr marL="2286000" lvl="4" indent="-317500">
               <a:spcBef>
                 <a:spcPts val="0"/>
               </a:spcBef>
@@ -4981,7 +5137,7 @@
               <a:buChar char="○"/>
               <a:defRPr/>
             </a:lvl5pPr>
-            <a:lvl6pPr indent="-317500" lvl="5" marL="2743200">
+            <a:lvl6pPr marL="2743200" lvl="5" indent="-317500">
               <a:spcBef>
                 <a:spcPts val="0"/>
               </a:spcBef>
@@ -4992,7 +5148,7 @@
               <a:buChar char="■"/>
               <a:defRPr/>
             </a:lvl6pPr>
-            <a:lvl7pPr indent="-317500" lvl="6" marL="3200400">
+            <a:lvl7pPr marL="3200400" lvl="6" indent="-317500">
               <a:spcBef>
                 <a:spcPts val="0"/>
               </a:spcBef>
@@ -5003,7 +5159,7 @@
               <a:buChar char="●"/>
               <a:defRPr/>
             </a:lvl7pPr>
-            <a:lvl8pPr indent="-317500" lvl="7" marL="3657600">
+            <a:lvl8pPr marL="3657600" lvl="7" indent="-317500">
               <a:spcBef>
                 <a:spcPts val="0"/>
               </a:spcBef>
@@ -5014,7 +5170,7 @@
               <a:buChar char="○"/>
               <a:defRPr/>
             </a:lvl8pPr>
-            <a:lvl9pPr indent="-317500" lvl="8" marL="4114800">
+            <a:lvl9pPr marL="4114800" lvl="8" indent="-317500">
               <a:spcBef>
                 <a:spcPts val="0"/>
               </a:spcBef>
@@ -5026,15 +5182,19 @@
               <a:defRPr/>
             </a:lvl9pPr>
           </a:lstStyle>
-          <a:p/>
+          <a:p>
+            <a:endParaRPr/>
+          </a:p>
         </p:txBody>
       </p:sp>
       <p:sp>
         <p:nvSpPr>
           <p:cNvPr id="22" name="Google Shape;22;p4"/>
-          <p:cNvSpPr txBox="1"/>
+          <p:cNvSpPr txBox="1">
+            <a:spLocks noGrp="1"/>
+          </p:cNvSpPr>
           <p:nvPr>
-            <p:ph idx="12" type="sldNum"/>
+            <p:ph type="sldNum" idx="12"/>
           </p:nvPr>
         </p:nvSpPr>
         <p:spPr>
@@ -5047,7 +5207,7 @@
           </a:prstGeom>
         </p:spPr>
         <p:txBody>
-          <a:bodyPr anchorCtr="0" anchor="ctr" bIns="91425" lIns="91425" spcFirstLastPara="1" rIns="91425" wrap="square" tIns="91425">
+          <a:bodyPr spcFirstLastPara="1" wrap="square" lIns="91425" tIns="91425" rIns="91425" bIns="91425" anchor="ctr" anchorCtr="0">
             <a:normAutofit/>
           </a:bodyPr>
           <a:lstStyle>
@@ -5089,7 +5249,7 @@
             </a:lvl9pPr>
           </a:lstStyle>
           <a:p>
-            <a:pPr indent="0" lvl="0" marL="0" rtl="0" algn="r">
+            <a:pPr marL="0" lvl="0" indent="0" algn="r" rtl="0">
               <a:spcBef>
                 <a:spcPts val="0"/>
               </a:spcBef>
@@ -5115,11 +5275,11 @@
 </file>
 
 <file path=ppt/slideLayouts/slideLayout4.xml><?xml version="1.0" encoding="utf-8"?>
-<p:sldLayout xmlns:a="http://schemas.openxmlformats.org/drawingml/2006/main" xmlns:r="http://schemas.openxmlformats.org/officeDocument/2006/relationships" xmlns:mc="http://schemas.openxmlformats.org/markup-compatibility/2006" xmlns:mv="urn:schemas-microsoft-com:mac:vml" xmlns:p="http://schemas.openxmlformats.org/presentationml/2006/main" xmlns:c="http://schemas.openxmlformats.org/drawingml/2006/chart" xmlns:dgm="http://schemas.openxmlformats.org/drawingml/2006/diagram" xmlns:o="urn:schemas-microsoft-com:office:office" xmlns:v="urn:schemas-microsoft-com:vml" xmlns:pvml="urn:schemas-microsoft-com:office:powerpoint" xmlns:com="http://schemas.openxmlformats.org/drawingml/2006/compatibility" xmlns:p14="http://schemas.microsoft.com/office/powerpoint/2010/main" xmlns:p15="http://schemas.microsoft.com/office/powerpoint/2012/main" xmlns:ahyp="http://schemas.microsoft.com/office/drawing/2018/hyperlinkcolor" matchingName="Title and two columns" type="twoColTx">
+<p:sldLayout xmlns:a="http://schemas.openxmlformats.org/drawingml/2006/main" xmlns:r="http://schemas.openxmlformats.org/officeDocument/2006/relationships" xmlns:p="http://schemas.openxmlformats.org/presentationml/2006/main" matchingName="Title and two columns" type="twoColTx">
   <p:cSld name="TITLE_AND_TWO_COLUMNS">
     <p:spTree>
       <p:nvGrpSpPr>
-        <p:cNvPr id="23" name="Shape 23"/>
+        <p:cNvPr id="1" name="Shape 23"/>
         <p:cNvGrpSpPr/>
         <p:nvPr/>
       </p:nvGrpSpPr>
@@ -5134,7 +5294,9 @@
       <p:sp>
         <p:nvSpPr>
           <p:cNvPr id="24" name="Google Shape;24;p5"/>
-          <p:cNvSpPr txBox="1"/>
+          <p:cNvSpPr txBox="1">
+            <a:spLocks noGrp="1"/>
+          </p:cNvSpPr>
           <p:nvPr>
             <p:ph type="title"/>
           </p:nvPr>
@@ -5149,7 +5311,7 @@
           </a:prstGeom>
         </p:spPr>
         <p:txBody>
-          <a:bodyPr anchorCtr="0" anchor="t" bIns="91425" lIns="91425" spcFirstLastPara="1" rIns="91425" wrap="square" tIns="91425">
+          <a:bodyPr spcFirstLastPara="1" wrap="square" lIns="91425" tIns="91425" rIns="91425" bIns="91425" anchor="t" anchorCtr="0">
             <a:normAutofit/>
           </a:bodyPr>
           <a:lstStyle>
@@ -5253,15 +5415,19 @@
               <a:defRPr/>
             </a:lvl9pPr>
           </a:lstStyle>
-          <a:p/>
+          <a:p>
+            <a:endParaRPr/>
+          </a:p>
         </p:txBody>
       </p:sp>
       <p:sp>
         <p:nvSpPr>
           <p:cNvPr id="25" name="Google Shape;25;p5"/>
-          <p:cNvSpPr txBox="1"/>
+          <p:cNvSpPr txBox="1">
+            <a:spLocks noGrp="1"/>
+          </p:cNvSpPr>
           <p:nvPr>
-            <p:ph idx="1" type="body"/>
+            <p:ph type="body" idx="1"/>
           </p:nvPr>
         </p:nvSpPr>
         <p:spPr>
@@ -5274,11 +5440,11 @@
           </a:prstGeom>
         </p:spPr>
         <p:txBody>
-          <a:bodyPr anchorCtr="0" anchor="t" bIns="91425" lIns="91425" spcFirstLastPara="1" rIns="91425" wrap="square" tIns="91425">
+          <a:bodyPr spcFirstLastPara="1" wrap="square" lIns="91425" tIns="91425" rIns="91425" bIns="91425" anchor="t" anchorCtr="0">
             <a:normAutofit/>
           </a:bodyPr>
           <a:lstStyle>
-            <a:lvl1pPr indent="-317500" lvl="0" marL="457200">
+            <a:lvl1pPr marL="457200" lvl="0" indent="-317500">
               <a:spcBef>
                 <a:spcPts val="0"/>
               </a:spcBef>
@@ -5289,7 +5455,7 @@
               <a:buChar char="●"/>
               <a:defRPr sz="1400"/>
             </a:lvl1pPr>
-            <a:lvl2pPr indent="-304800" lvl="1" marL="914400">
+            <a:lvl2pPr marL="914400" lvl="1" indent="-304800">
               <a:spcBef>
                 <a:spcPts val="0"/>
               </a:spcBef>
@@ -5300,7 +5466,7 @@
               <a:buChar char="○"/>
               <a:defRPr sz="1200"/>
             </a:lvl2pPr>
-            <a:lvl3pPr indent="-304800" lvl="2" marL="1371600">
+            <a:lvl3pPr marL="1371600" lvl="2" indent="-304800">
               <a:spcBef>
                 <a:spcPts val="0"/>
               </a:spcBef>
@@ -5311,7 +5477,7 @@
               <a:buChar char="■"/>
               <a:defRPr sz="1200"/>
             </a:lvl3pPr>
-            <a:lvl4pPr indent="-304800" lvl="3" marL="1828800">
+            <a:lvl4pPr marL="1828800" lvl="3" indent="-304800">
               <a:spcBef>
                 <a:spcPts val="0"/>
               </a:spcBef>
@@ -5322,7 +5488,7 @@
               <a:buChar char="●"/>
               <a:defRPr sz="1200"/>
             </a:lvl4pPr>
-            <a:lvl5pPr indent="-304800" lvl="4" marL="2286000">
+            <a:lvl5pPr marL="2286000" lvl="4" indent="-304800">
               <a:spcBef>
                 <a:spcPts val="0"/>
               </a:spcBef>
@@ -5333,7 +5499,7 @@
               <a:buChar char="○"/>
               <a:defRPr sz="1200"/>
             </a:lvl5pPr>
-            <a:lvl6pPr indent="-304800" lvl="5" marL="2743200">
+            <a:lvl6pPr marL="2743200" lvl="5" indent="-304800">
               <a:spcBef>
                 <a:spcPts val="0"/>
               </a:spcBef>
@@ -5344,7 +5510,7 @@
               <a:buChar char="■"/>
               <a:defRPr sz="1200"/>
             </a:lvl6pPr>
-            <a:lvl7pPr indent="-304800" lvl="6" marL="3200400">
+            <a:lvl7pPr marL="3200400" lvl="6" indent="-304800">
               <a:spcBef>
                 <a:spcPts val="0"/>
               </a:spcBef>
@@ -5355,7 +5521,7 @@
               <a:buChar char="●"/>
               <a:defRPr sz="1200"/>
             </a:lvl7pPr>
-            <a:lvl8pPr indent="-304800" lvl="7" marL="3657600">
+            <a:lvl8pPr marL="3657600" lvl="7" indent="-304800">
               <a:spcBef>
                 <a:spcPts val="0"/>
               </a:spcBef>
@@ -5366,7 +5532,7 @@
               <a:buChar char="○"/>
               <a:defRPr sz="1200"/>
             </a:lvl8pPr>
-            <a:lvl9pPr indent="-304800" lvl="8" marL="4114800">
+            <a:lvl9pPr marL="4114800" lvl="8" indent="-304800">
               <a:spcBef>
                 <a:spcPts val="0"/>
               </a:spcBef>
@@ -5378,15 +5544,19 @@
               <a:defRPr sz="1200"/>
             </a:lvl9pPr>
           </a:lstStyle>
-          <a:p/>
+          <a:p>
+            <a:endParaRPr/>
+          </a:p>
         </p:txBody>
       </p:sp>
       <p:sp>
         <p:nvSpPr>
           <p:cNvPr id="26" name="Google Shape;26;p5"/>
-          <p:cNvSpPr txBox="1"/>
+          <p:cNvSpPr txBox="1">
+            <a:spLocks noGrp="1"/>
+          </p:cNvSpPr>
           <p:nvPr>
-            <p:ph idx="2" type="body"/>
+            <p:ph type="body" idx="2"/>
           </p:nvPr>
         </p:nvSpPr>
         <p:spPr>
@@ -5399,11 +5569,11 @@
           </a:prstGeom>
         </p:spPr>
         <p:txBody>
-          <a:bodyPr anchorCtr="0" anchor="t" bIns="91425" lIns="91425" spcFirstLastPara="1" rIns="91425" wrap="square" tIns="91425">
+          <a:bodyPr spcFirstLastPara="1" wrap="square" lIns="91425" tIns="91425" rIns="91425" bIns="91425" anchor="t" anchorCtr="0">
             <a:normAutofit/>
           </a:bodyPr>
           <a:lstStyle>
-            <a:lvl1pPr indent="-317500" lvl="0" marL="457200">
+            <a:lvl1pPr marL="457200" lvl="0" indent="-317500">
               <a:spcBef>
                 <a:spcPts val="0"/>
               </a:spcBef>
@@ -5414,7 +5584,7 @@
               <a:buChar char="●"/>
               <a:defRPr sz="1400"/>
             </a:lvl1pPr>
-            <a:lvl2pPr indent="-304800" lvl="1" marL="914400">
+            <a:lvl2pPr marL="914400" lvl="1" indent="-304800">
               <a:spcBef>
                 <a:spcPts val="0"/>
               </a:spcBef>
@@ -5425,7 +5595,7 @@
               <a:buChar char="○"/>
               <a:defRPr sz="1200"/>
             </a:lvl2pPr>
-            <a:lvl3pPr indent="-304800" lvl="2" marL="1371600">
+            <a:lvl3pPr marL="1371600" lvl="2" indent="-304800">
               <a:spcBef>
                 <a:spcPts val="0"/>
               </a:spcBef>
@@ -5436,7 +5606,7 @@
               <a:buChar char="■"/>
               <a:defRPr sz="1200"/>
             </a:lvl3pPr>
-            <a:lvl4pPr indent="-304800" lvl="3" marL="1828800">
+            <a:lvl4pPr marL="1828800" lvl="3" indent="-304800">
               <a:spcBef>
                 <a:spcPts val="0"/>
               </a:spcBef>
@@ -5447,7 +5617,7 @@
               <a:buChar char="●"/>
               <a:defRPr sz="1200"/>
             </a:lvl4pPr>
-            <a:lvl5pPr indent="-304800" lvl="4" marL="2286000">
+            <a:lvl5pPr marL="2286000" lvl="4" indent="-304800">
               <a:spcBef>
                 <a:spcPts val="0"/>
               </a:spcBef>
@@ -5458,7 +5628,7 @@
               <a:buChar char="○"/>
               <a:defRPr sz="1200"/>
             </a:lvl5pPr>
-            <a:lvl6pPr indent="-304800" lvl="5" marL="2743200">
+            <a:lvl6pPr marL="2743200" lvl="5" indent="-304800">
               <a:spcBef>
                 <a:spcPts val="0"/>
               </a:spcBef>
@@ -5469,7 +5639,7 @@
               <a:buChar char="■"/>
               <a:defRPr sz="1200"/>
             </a:lvl6pPr>
-            <a:lvl7pPr indent="-304800" lvl="6" marL="3200400">
+            <a:lvl7pPr marL="3200400" lvl="6" indent="-304800">
               <a:spcBef>
                 <a:spcPts val="0"/>
               </a:spcBef>
@@ -5480,7 +5650,7 @@
               <a:buChar char="●"/>
               <a:defRPr sz="1200"/>
             </a:lvl7pPr>
-            <a:lvl8pPr indent="-304800" lvl="7" marL="3657600">
+            <a:lvl8pPr marL="3657600" lvl="7" indent="-304800">
               <a:spcBef>
                 <a:spcPts val="0"/>
               </a:spcBef>
@@ -5491,7 +5661,7 @@
               <a:buChar char="○"/>
               <a:defRPr sz="1200"/>
             </a:lvl8pPr>
-            <a:lvl9pPr indent="-304800" lvl="8" marL="4114800">
+            <a:lvl9pPr marL="4114800" lvl="8" indent="-304800">
               <a:spcBef>
                 <a:spcPts val="0"/>
               </a:spcBef>
@@ -5503,15 +5673,19 @@
               <a:defRPr sz="1200"/>
             </a:lvl9pPr>
           </a:lstStyle>
-          <a:p/>
+          <a:p>
+            <a:endParaRPr/>
+          </a:p>
         </p:txBody>
       </p:sp>
       <p:sp>
         <p:nvSpPr>
           <p:cNvPr id="27" name="Google Shape;27;p5"/>
-          <p:cNvSpPr txBox="1"/>
+          <p:cNvSpPr txBox="1">
+            <a:spLocks noGrp="1"/>
+          </p:cNvSpPr>
           <p:nvPr>
-            <p:ph idx="12" type="sldNum"/>
+            <p:ph type="sldNum" idx="12"/>
           </p:nvPr>
         </p:nvSpPr>
         <p:spPr>
@@ -5524,7 +5698,7 @@
           </a:prstGeom>
         </p:spPr>
         <p:txBody>
-          <a:bodyPr anchorCtr="0" anchor="ctr" bIns="91425" lIns="91425" spcFirstLastPara="1" rIns="91425" wrap="square" tIns="91425">
+          <a:bodyPr spcFirstLastPara="1" wrap="square" lIns="91425" tIns="91425" rIns="91425" bIns="91425" anchor="ctr" anchorCtr="0">
             <a:normAutofit/>
           </a:bodyPr>
           <a:lstStyle>
@@ -5566,7 +5740,7 @@
             </a:lvl9pPr>
           </a:lstStyle>
           <a:p>
-            <a:pPr indent="0" lvl="0" marL="0" rtl="0" algn="r">
+            <a:pPr marL="0" lvl="0" indent="0" algn="r" rtl="0">
               <a:spcBef>
                 <a:spcPts val="0"/>
               </a:spcBef>
@@ -5592,11 +5766,11 @@
 </file>
 
 <file path=ppt/slideLayouts/slideLayout5.xml><?xml version="1.0" encoding="utf-8"?>
-<p:sldLayout xmlns:a="http://schemas.openxmlformats.org/drawingml/2006/main" xmlns:r="http://schemas.openxmlformats.org/officeDocument/2006/relationships" xmlns:mc="http://schemas.openxmlformats.org/markup-compatibility/2006" xmlns:mv="urn:schemas-microsoft-com:mac:vml" xmlns:p="http://schemas.openxmlformats.org/presentationml/2006/main" xmlns:c="http://schemas.openxmlformats.org/drawingml/2006/chart" xmlns:dgm="http://schemas.openxmlformats.org/drawingml/2006/diagram" xmlns:o="urn:schemas-microsoft-com:office:office" xmlns:v="urn:schemas-microsoft-com:vml" xmlns:pvml="urn:schemas-microsoft-com:office:powerpoint" xmlns:com="http://schemas.openxmlformats.org/drawingml/2006/compatibility" xmlns:p14="http://schemas.microsoft.com/office/powerpoint/2010/main" xmlns:p15="http://schemas.microsoft.com/office/powerpoint/2012/main" xmlns:ahyp="http://schemas.microsoft.com/office/drawing/2018/hyperlinkcolor" matchingName="Title only" type="titleOnly">
+<p:sldLayout xmlns:a="http://schemas.openxmlformats.org/drawingml/2006/main" xmlns:r="http://schemas.openxmlformats.org/officeDocument/2006/relationships" xmlns:p="http://schemas.openxmlformats.org/presentationml/2006/main" matchingName="Title only" type="titleOnly">
   <p:cSld name="TITLE_ONLY">
     <p:spTree>
       <p:nvGrpSpPr>
-        <p:cNvPr id="28" name="Shape 28"/>
+        <p:cNvPr id="1" name="Shape 28"/>
         <p:cNvGrpSpPr/>
         <p:nvPr/>
       </p:nvGrpSpPr>
@@ -5611,7 +5785,9 @@
       <p:sp>
         <p:nvSpPr>
           <p:cNvPr id="29" name="Google Shape;29;p6"/>
-          <p:cNvSpPr txBox="1"/>
+          <p:cNvSpPr txBox="1">
+            <a:spLocks noGrp="1"/>
+          </p:cNvSpPr>
           <p:nvPr>
             <p:ph type="title"/>
           </p:nvPr>
@@ -5626,7 +5802,7 @@
           </a:prstGeom>
         </p:spPr>
         <p:txBody>
-          <a:bodyPr anchorCtr="0" anchor="t" bIns="91425" lIns="91425" spcFirstLastPara="1" rIns="91425" wrap="square" tIns="91425">
+          <a:bodyPr spcFirstLastPara="1" wrap="square" lIns="91425" tIns="91425" rIns="91425" bIns="91425" anchor="t" anchorCtr="0">
             <a:normAutofit/>
           </a:bodyPr>
           <a:lstStyle>
@@ -5730,15 +5906,19 @@
               <a:defRPr/>
             </a:lvl9pPr>
           </a:lstStyle>
-          <a:p/>
+          <a:p>
+            <a:endParaRPr/>
+          </a:p>
         </p:txBody>
       </p:sp>
       <p:sp>
         <p:nvSpPr>
           <p:cNvPr id="30" name="Google Shape;30;p6"/>
-          <p:cNvSpPr txBox="1"/>
+          <p:cNvSpPr txBox="1">
+            <a:spLocks noGrp="1"/>
+          </p:cNvSpPr>
           <p:nvPr>
-            <p:ph idx="12" type="sldNum"/>
+            <p:ph type="sldNum" idx="12"/>
           </p:nvPr>
         </p:nvSpPr>
         <p:spPr>
@@ -5751,7 +5931,7 @@
           </a:prstGeom>
         </p:spPr>
         <p:txBody>
-          <a:bodyPr anchorCtr="0" anchor="ctr" bIns="91425" lIns="91425" spcFirstLastPara="1" rIns="91425" wrap="square" tIns="91425">
+          <a:bodyPr spcFirstLastPara="1" wrap="square" lIns="91425" tIns="91425" rIns="91425" bIns="91425" anchor="ctr" anchorCtr="0">
             <a:normAutofit/>
           </a:bodyPr>
           <a:lstStyle>
@@ -5793,7 +5973,7 @@
             </a:lvl9pPr>
           </a:lstStyle>
           <a:p>
-            <a:pPr indent="0" lvl="0" marL="0" rtl="0" algn="r">
+            <a:pPr marL="0" lvl="0" indent="0" algn="r" rtl="0">
               <a:spcBef>
                 <a:spcPts val="0"/>
               </a:spcBef>
@@ -5819,11 +5999,11 @@
 </file>
 
 <file path=ppt/slideLayouts/slideLayout6.xml><?xml version="1.0" encoding="utf-8"?>
-<p:sldLayout xmlns:a="http://schemas.openxmlformats.org/drawingml/2006/main" xmlns:r="http://schemas.openxmlformats.org/officeDocument/2006/relationships" xmlns:mc="http://schemas.openxmlformats.org/markup-compatibility/2006" xmlns:mv="urn:schemas-microsoft-com:mac:vml" xmlns:p="http://schemas.openxmlformats.org/presentationml/2006/main" xmlns:c="http://schemas.openxmlformats.org/drawingml/2006/chart" xmlns:dgm="http://schemas.openxmlformats.org/drawingml/2006/diagram" xmlns:o="urn:schemas-microsoft-com:office:office" xmlns:v="urn:schemas-microsoft-com:vml" xmlns:pvml="urn:schemas-microsoft-com:office:powerpoint" xmlns:com="http://schemas.openxmlformats.org/drawingml/2006/compatibility" xmlns:p14="http://schemas.microsoft.com/office/powerpoint/2010/main" xmlns:p15="http://schemas.microsoft.com/office/powerpoint/2012/main" xmlns:ahyp="http://schemas.microsoft.com/office/drawing/2018/hyperlinkcolor" matchingName="One column text">
+<p:sldLayout xmlns:a="http://schemas.openxmlformats.org/drawingml/2006/main" xmlns:r="http://schemas.openxmlformats.org/officeDocument/2006/relationships" xmlns:p="http://schemas.openxmlformats.org/presentationml/2006/main" matchingName="One column text">
   <p:cSld name="ONE_COLUMN_TEXT">
     <p:spTree>
       <p:nvGrpSpPr>
-        <p:cNvPr id="31" name="Shape 31"/>
+        <p:cNvPr id="1" name="Shape 31"/>
         <p:cNvGrpSpPr/>
         <p:nvPr/>
       </p:nvGrpSpPr>
@@ -5838,7 +6018,9 @@
       <p:sp>
         <p:nvSpPr>
           <p:cNvPr id="32" name="Google Shape;32;p7"/>
-          <p:cNvSpPr txBox="1"/>
+          <p:cNvSpPr txBox="1">
+            <a:spLocks noGrp="1"/>
+          </p:cNvSpPr>
           <p:nvPr>
             <p:ph type="title"/>
           </p:nvPr>
@@ -5853,7 +6035,7 @@
           </a:prstGeom>
         </p:spPr>
         <p:txBody>
-          <a:bodyPr anchorCtr="0" anchor="b" bIns="91425" lIns="91425" spcFirstLastPara="1" rIns="91425" wrap="square" tIns="91425">
+          <a:bodyPr spcFirstLastPara="1" wrap="square" lIns="91425" tIns="91425" rIns="91425" bIns="91425" anchor="b" anchorCtr="0">
             <a:normAutofit/>
           </a:bodyPr>
           <a:lstStyle>
@@ -5957,15 +6139,19 @@
               <a:defRPr sz="2400"/>
             </a:lvl9pPr>
           </a:lstStyle>
-          <a:p/>
+          <a:p>
+            <a:endParaRPr/>
+          </a:p>
         </p:txBody>
       </p:sp>
       <p:sp>
         <p:nvSpPr>
           <p:cNvPr id="33" name="Google Shape;33;p7"/>
-          <p:cNvSpPr txBox="1"/>
+          <p:cNvSpPr txBox="1">
+            <a:spLocks noGrp="1"/>
+          </p:cNvSpPr>
           <p:nvPr>
-            <p:ph idx="1" type="body"/>
+            <p:ph type="body" idx="1"/>
           </p:nvPr>
         </p:nvSpPr>
         <p:spPr>
@@ -5978,11 +6164,11 @@
           </a:prstGeom>
         </p:spPr>
         <p:txBody>
-          <a:bodyPr anchorCtr="0" anchor="t" bIns="91425" lIns="91425" spcFirstLastPara="1" rIns="91425" wrap="square" tIns="91425">
+          <a:bodyPr spcFirstLastPara="1" wrap="square" lIns="91425" tIns="91425" rIns="91425" bIns="91425" anchor="t" anchorCtr="0">
             <a:normAutofit/>
           </a:bodyPr>
           <a:lstStyle>
-            <a:lvl1pPr indent="-304800" lvl="0" marL="457200">
+            <a:lvl1pPr marL="457200" lvl="0" indent="-304800">
               <a:spcBef>
                 <a:spcPts val="0"/>
               </a:spcBef>
@@ -5993,7 +6179,7 @@
               <a:buChar char="●"/>
               <a:defRPr sz="1200"/>
             </a:lvl1pPr>
-            <a:lvl2pPr indent="-304800" lvl="1" marL="914400">
+            <a:lvl2pPr marL="914400" lvl="1" indent="-304800">
               <a:spcBef>
                 <a:spcPts val="0"/>
               </a:spcBef>
@@ -6004,7 +6190,7 @@
               <a:buChar char="○"/>
               <a:defRPr sz="1200"/>
             </a:lvl2pPr>
-            <a:lvl3pPr indent="-304800" lvl="2" marL="1371600">
+            <a:lvl3pPr marL="1371600" lvl="2" indent="-304800">
               <a:spcBef>
                 <a:spcPts val="0"/>
               </a:spcBef>
@@ -6015,7 +6201,7 @@
               <a:buChar char="■"/>
               <a:defRPr sz="1200"/>
             </a:lvl3pPr>
-            <a:lvl4pPr indent="-304800" lvl="3" marL="1828800">
+            <a:lvl4pPr marL="1828800" lvl="3" indent="-304800">
               <a:spcBef>
                 <a:spcPts val="0"/>
               </a:spcBef>
@@ -6026,7 +6212,7 @@
               <a:buChar char="●"/>
               <a:defRPr sz="1200"/>
             </a:lvl4pPr>
-            <a:lvl5pPr indent="-304800" lvl="4" marL="2286000">
+            <a:lvl5pPr marL="2286000" lvl="4" indent="-304800">
               <a:spcBef>
                 <a:spcPts val="0"/>
               </a:spcBef>
@@ -6037,7 +6223,7 @@
               <a:buChar char="○"/>
               <a:defRPr sz="1200"/>
             </a:lvl5pPr>
-            <a:lvl6pPr indent="-304800" lvl="5" marL="2743200">
+            <a:lvl6pPr marL="2743200" lvl="5" indent="-304800">
               <a:spcBef>
                 <a:spcPts val="0"/>
               </a:spcBef>
@@ -6048,7 +6234,7 @@
               <a:buChar char="■"/>
               <a:defRPr sz="1200"/>
             </a:lvl6pPr>
-            <a:lvl7pPr indent="-304800" lvl="6" marL="3200400">
+            <a:lvl7pPr marL="3200400" lvl="6" indent="-304800">
               <a:spcBef>
                 <a:spcPts val="0"/>
               </a:spcBef>
@@ -6059,7 +6245,7 @@
               <a:buChar char="●"/>
               <a:defRPr sz="1200"/>
             </a:lvl7pPr>
-            <a:lvl8pPr indent="-304800" lvl="7" marL="3657600">
+            <a:lvl8pPr marL="3657600" lvl="7" indent="-304800">
               <a:spcBef>
                 <a:spcPts val="0"/>
               </a:spcBef>
@@ -6070,7 +6256,7 @@
               <a:buChar char="○"/>
               <a:defRPr sz="1200"/>
             </a:lvl8pPr>
-            <a:lvl9pPr indent="-304800" lvl="8" marL="4114800">
+            <a:lvl9pPr marL="4114800" lvl="8" indent="-304800">
               <a:spcBef>
                 <a:spcPts val="0"/>
               </a:spcBef>
@@ -6082,15 +6268,19 @@
               <a:defRPr sz="1200"/>
             </a:lvl9pPr>
           </a:lstStyle>
-          <a:p/>
+          <a:p>
+            <a:endParaRPr/>
+          </a:p>
         </p:txBody>
       </p:sp>
       <p:sp>
         <p:nvSpPr>
           <p:cNvPr id="34" name="Google Shape;34;p7"/>
-          <p:cNvSpPr txBox="1"/>
+          <p:cNvSpPr txBox="1">
+            <a:spLocks noGrp="1"/>
+          </p:cNvSpPr>
           <p:nvPr>
-            <p:ph idx="12" type="sldNum"/>
+            <p:ph type="sldNum" idx="12"/>
           </p:nvPr>
         </p:nvSpPr>
         <p:spPr>
@@ -6103,7 +6293,7 @@
           </a:prstGeom>
         </p:spPr>
         <p:txBody>
-          <a:bodyPr anchorCtr="0" anchor="ctr" bIns="91425" lIns="91425" spcFirstLastPara="1" rIns="91425" wrap="square" tIns="91425">
+          <a:bodyPr spcFirstLastPara="1" wrap="square" lIns="91425" tIns="91425" rIns="91425" bIns="91425" anchor="ctr" anchorCtr="0">
             <a:normAutofit/>
           </a:bodyPr>
           <a:lstStyle>
@@ -6145,7 +6335,7 @@
             </a:lvl9pPr>
           </a:lstStyle>
           <a:p>
-            <a:pPr indent="0" lvl="0" marL="0" rtl="0" algn="r">
+            <a:pPr marL="0" lvl="0" indent="0" algn="r" rtl="0">
               <a:spcBef>
                 <a:spcPts val="0"/>
               </a:spcBef>
@@ -6171,18 +6361,19 @@
 </file>
 
 <file path=ppt/slideLayouts/slideLayout7.xml><?xml version="1.0" encoding="utf-8"?>
-<p:sldLayout xmlns:a="http://schemas.openxmlformats.org/drawingml/2006/main" xmlns:r="http://schemas.openxmlformats.org/officeDocument/2006/relationships" xmlns:mc="http://schemas.openxmlformats.org/markup-compatibility/2006" xmlns:mv="urn:schemas-microsoft-com:mac:vml" xmlns:p="http://schemas.openxmlformats.org/presentationml/2006/main" xmlns:c="http://schemas.openxmlformats.org/drawingml/2006/chart" xmlns:dgm="http://schemas.openxmlformats.org/drawingml/2006/diagram" xmlns:o="urn:schemas-microsoft-com:office:office" xmlns:v="urn:schemas-microsoft-com:vml" xmlns:pvml="urn:schemas-microsoft-com:office:powerpoint" xmlns:com="http://schemas.openxmlformats.org/drawingml/2006/compatibility" xmlns:p14="http://schemas.microsoft.com/office/powerpoint/2010/main" xmlns:p15="http://schemas.microsoft.com/office/powerpoint/2012/main" xmlns:ahyp="http://schemas.microsoft.com/office/drawing/2018/hyperlinkcolor" matchingName="Main point">
+<p:sldLayout xmlns:a="http://schemas.openxmlformats.org/drawingml/2006/main" xmlns:r="http://schemas.openxmlformats.org/officeDocument/2006/relationships" xmlns:p="http://schemas.openxmlformats.org/presentationml/2006/main" matchingName="Main point">
   <p:cSld name="MAIN_POINT">
     <p:bg>
       <p:bgPr>
         <a:solidFill>
           <a:schemeClr val="dk2"/>
         </a:solidFill>
+        <a:effectLst/>
       </p:bgPr>
     </p:bg>
     <p:spTree>
       <p:nvGrpSpPr>
-        <p:cNvPr id="35" name="Shape 35"/>
+        <p:cNvPr id="1" name="Shape 35"/>
         <p:cNvGrpSpPr/>
         <p:nvPr/>
       </p:nvGrpSpPr>
@@ -6197,7 +6388,9 @@
       <p:sp>
         <p:nvSpPr>
           <p:cNvPr id="36" name="Google Shape;36;p8"/>
-          <p:cNvSpPr txBox="1"/>
+          <p:cNvSpPr txBox="1">
+            <a:spLocks noGrp="1"/>
+          </p:cNvSpPr>
           <p:nvPr>
             <p:ph type="title"/>
           </p:nvPr>
@@ -6212,7 +6405,7 @@
           </a:prstGeom>
         </p:spPr>
         <p:txBody>
-          <a:bodyPr anchorCtr="0" anchor="ctr" bIns="91425" lIns="91425" spcFirstLastPara="1" rIns="91425" wrap="square" tIns="91425">
+          <a:bodyPr spcFirstLastPara="1" wrap="square" lIns="91425" tIns="91425" rIns="91425" bIns="91425" anchor="ctr" anchorCtr="0">
             <a:normAutofit/>
           </a:bodyPr>
           <a:lstStyle>
@@ -6229,7 +6422,7 @@
               <a:buSzPts val="4800"/>
               <a:buFont typeface="Lato"/>
               <a:buNone/>
-              <a:defRPr b="0" sz="4800">
+              <a:defRPr sz="4800" b="0">
                 <a:solidFill>
                   <a:schemeClr val="lt1"/>
                 </a:solidFill>
@@ -6252,7 +6445,7 @@
               <a:buSzPts val="4800"/>
               <a:buFont typeface="Lato"/>
               <a:buNone/>
-              <a:defRPr b="0" sz="4800">
+              <a:defRPr sz="4800" b="0">
                 <a:solidFill>
                   <a:schemeClr val="lt1"/>
                 </a:solidFill>
@@ -6275,7 +6468,7 @@
               <a:buSzPts val="4800"/>
               <a:buFont typeface="Lato"/>
               <a:buNone/>
-              <a:defRPr b="0" sz="4800">
+              <a:defRPr sz="4800" b="0">
                 <a:solidFill>
                   <a:schemeClr val="lt1"/>
                 </a:solidFill>
@@ -6298,7 +6491,7 @@
               <a:buSzPts val="4800"/>
               <a:buFont typeface="Lato"/>
               <a:buNone/>
-              <a:defRPr b="0" sz="4800">
+              <a:defRPr sz="4800" b="0">
                 <a:solidFill>
                   <a:schemeClr val="lt1"/>
                 </a:solidFill>
@@ -6321,7 +6514,7 @@
               <a:buSzPts val="4800"/>
               <a:buFont typeface="Lato"/>
               <a:buNone/>
-              <a:defRPr b="0" sz="4800">
+              <a:defRPr sz="4800" b="0">
                 <a:solidFill>
                   <a:schemeClr val="lt1"/>
                 </a:solidFill>
@@ -6344,7 +6537,7 @@
               <a:buSzPts val="4800"/>
               <a:buFont typeface="Lato"/>
               <a:buNone/>
-              <a:defRPr b="0" sz="4800">
+              <a:defRPr sz="4800" b="0">
                 <a:solidFill>
                   <a:schemeClr val="lt1"/>
                 </a:solidFill>
@@ -6367,7 +6560,7 @@
               <a:buSzPts val="4800"/>
               <a:buFont typeface="Lato"/>
               <a:buNone/>
-              <a:defRPr b="0" sz="4800">
+              <a:defRPr sz="4800" b="0">
                 <a:solidFill>
                   <a:schemeClr val="lt1"/>
                 </a:solidFill>
@@ -6390,7 +6583,7 @@
               <a:buSzPts val="4800"/>
               <a:buFont typeface="Lato"/>
               <a:buNone/>
-              <a:defRPr b="0" sz="4800">
+              <a:defRPr sz="4800" b="0">
                 <a:solidFill>
                   <a:schemeClr val="lt1"/>
                 </a:solidFill>
@@ -6413,7 +6606,7 @@
               <a:buSzPts val="4800"/>
               <a:buFont typeface="Lato"/>
               <a:buNone/>
-              <a:defRPr b="0" sz="4800">
+              <a:defRPr sz="4800" b="0">
                 <a:solidFill>
                   <a:schemeClr val="lt1"/>
                 </a:solidFill>
@@ -6424,15 +6617,19 @@
               </a:defRPr>
             </a:lvl9pPr>
           </a:lstStyle>
-          <a:p/>
+          <a:p>
+            <a:endParaRPr/>
+          </a:p>
         </p:txBody>
       </p:sp>
       <p:sp>
         <p:nvSpPr>
           <p:cNvPr id="37" name="Google Shape;37;p8"/>
-          <p:cNvSpPr txBox="1"/>
+          <p:cNvSpPr txBox="1">
+            <a:spLocks noGrp="1"/>
+          </p:cNvSpPr>
           <p:nvPr>
-            <p:ph idx="12" type="sldNum"/>
+            <p:ph type="sldNum" idx="12"/>
           </p:nvPr>
         </p:nvSpPr>
         <p:spPr>
@@ -6445,7 +6642,7 @@
           </a:prstGeom>
         </p:spPr>
         <p:txBody>
-          <a:bodyPr anchorCtr="0" anchor="ctr" bIns="91425" lIns="91425" spcFirstLastPara="1" rIns="91425" wrap="square" tIns="91425">
+          <a:bodyPr spcFirstLastPara="1" wrap="square" lIns="91425" tIns="91425" rIns="91425" bIns="91425" anchor="ctr" anchorCtr="0">
             <a:normAutofit/>
           </a:bodyPr>
           <a:lstStyle>
@@ -6523,7 +6720,7 @@
             </a:lvl9pPr>
           </a:lstStyle>
           <a:p>
-            <a:pPr indent="0" lvl="0" marL="0" rtl="0" algn="r">
+            <a:pPr marL="0" lvl="0" indent="0" algn="r" rtl="0">
               <a:spcBef>
                 <a:spcPts val="0"/>
               </a:spcBef>
@@ -6549,11 +6746,11 @@
 </file>
 
 <file path=ppt/slideLayouts/slideLayout8.xml><?xml version="1.0" encoding="utf-8"?>
-<p:sldLayout xmlns:a="http://schemas.openxmlformats.org/drawingml/2006/main" xmlns:r="http://schemas.openxmlformats.org/officeDocument/2006/relationships" xmlns:mc="http://schemas.openxmlformats.org/markup-compatibility/2006" xmlns:mv="urn:schemas-microsoft-com:mac:vml" xmlns:p="http://schemas.openxmlformats.org/presentationml/2006/main" xmlns:c="http://schemas.openxmlformats.org/drawingml/2006/chart" xmlns:dgm="http://schemas.openxmlformats.org/drawingml/2006/diagram" xmlns:o="urn:schemas-microsoft-com:office:office" xmlns:v="urn:schemas-microsoft-com:vml" xmlns:pvml="urn:schemas-microsoft-com:office:powerpoint" xmlns:com="http://schemas.openxmlformats.org/drawingml/2006/compatibility" xmlns:p14="http://schemas.microsoft.com/office/powerpoint/2010/main" xmlns:p15="http://schemas.microsoft.com/office/powerpoint/2012/main" xmlns:ahyp="http://schemas.microsoft.com/office/drawing/2018/hyperlinkcolor" matchingName="Section title and description">
+<p:sldLayout xmlns:a="http://schemas.openxmlformats.org/drawingml/2006/main" xmlns:r="http://schemas.openxmlformats.org/officeDocument/2006/relationships" xmlns:p="http://schemas.openxmlformats.org/presentationml/2006/main" matchingName="Section title and description">
   <p:cSld name="SECTION_TITLE_AND_DESCRIPTION">
     <p:spTree>
       <p:nvGrpSpPr>
-        <p:cNvPr id="38" name="Shape 38"/>
+        <p:cNvPr id="1" name="Shape 38"/>
         <p:cNvGrpSpPr/>
         <p:nvPr/>
       </p:nvGrpSpPr>
@@ -6587,12 +6784,12 @@
           </a:ln>
         </p:spPr>
         <p:txBody>
-          <a:bodyPr anchorCtr="0" anchor="ctr" bIns="91425" lIns="91425" spcFirstLastPara="1" rIns="91425" wrap="square" tIns="91425">
+          <a:bodyPr spcFirstLastPara="1" wrap="square" lIns="91425" tIns="91425" rIns="91425" bIns="91425" anchor="ctr" anchorCtr="0">
             <a:noAutofit/>
           </a:bodyPr>
           <a:lstStyle/>
           <a:p>
-            <a:pPr indent="0" lvl="0" marL="0" rtl="0" algn="l">
+            <a:pPr marL="0" lvl="0" indent="0" algn="l" rtl="0">
               <a:spcBef>
                 <a:spcPts val="0"/>
               </a:spcBef>
@@ -6601,9 +6798,6 @@
               </a:spcAft>
               <a:buNone/>
             </a:pPr>
-            <a:r>
-              <a:t/>
-            </a:r>
             <a:endParaRPr/>
           </a:p>
         </p:txBody>
@@ -6623,21 +6817,23 @@
             <a:avLst/>
           </a:prstGeom>
           <a:noFill/>
-          <a:ln cap="flat" cmpd="sng" w="19050">
+          <a:ln w="19050" cap="flat" cmpd="sng">
             <a:solidFill>
               <a:schemeClr val="lt1"/>
             </a:solidFill>
             <a:prstDash val="solid"/>
             <a:round/>
-            <a:headEnd len="sm" w="sm" type="none"/>
-            <a:tailEnd len="sm" w="sm" type="none"/>
+            <a:headEnd type="none" w="sm" len="sm"/>
+            <a:tailEnd type="none" w="sm" len="sm"/>
           </a:ln>
         </p:spPr>
       </p:cxnSp>
       <p:sp>
         <p:nvSpPr>
           <p:cNvPr id="41" name="Google Shape;41;p9"/>
-          <p:cNvSpPr txBox="1"/>
+          <p:cNvSpPr txBox="1">
+            <a:spLocks noGrp="1"/>
+          </p:cNvSpPr>
           <p:nvPr>
             <p:ph type="title"/>
           </p:nvPr>
@@ -6652,7 +6848,7 @@
           </a:prstGeom>
         </p:spPr>
         <p:txBody>
-          <a:bodyPr anchorCtr="0" anchor="b" bIns="91425" lIns="91425" spcFirstLastPara="1" rIns="91425" wrap="square" tIns="91425">
+          <a:bodyPr spcFirstLastPara="1" wrap="square" lIns="91425" tIns="91425" rIns="91425" bIns="91425" anchor="b" anchorCtr="0">
             <a:normAutofit/>
           </a:bodyPr>
           <a:lstStyle>
@@ -6756,15 +6952,19 @@
               <a:defRPr sz="4200"/>
             </a:lvl9pPr>
           </a:lstStyle>
-          <a:p/>
+          <a:p>
+            <a:endParaRPr/>
+          </a:p>
         </p:txBody>
       </p:sp>
       <p:sp>
         <p:nvSpPr>
           <p:cNvPr id="42" name="Google Shape;42;p9"/>
-          <p:cNvSpPr txBox="1"/>
+          <p:cNvSpPr txBox="1">
+            <a:spLocks noGrp="1"/>
+          </p:cNvSpPr>
           <p:nvPr>
-            <p:ph idx="1" type="subTitle"/>
+            <p:ph type="subTitle" idx="1"/>
           </p:nvPr>
         </p:nvSpPr>
         <p:spPr>
@@ -6777,7 +6977,7 @@
           </a:prstGeom>
         </p:spPr>
         <p:txBody>
-          <a:bodyPr anchorCtr="0" anchor="t" bIns="91425" lIns="91425" spcFirstLastPara="1" rIns="91425" wrap="square" tIns="91425">
+          <a:bodyPr spcFirstLastPara="1" wrap="square" lIns="91425" tIns="91425" rIns="91425" bIns="91425" anchor="t" anchorCtr="0">
             <a:normAutofit/>
           </a:bodyPr>
           <a:lstStyle>
@@ -6908,15 +7108,19 @@
               <a:defRPr sz="2100"/>
             </a:lvl9pPr>
           </a:lstStyle>
-          <a:p/>
+          <a:p>
+            <a:endParaRPr/>
+          </a:p>
         </p:txBody>
       </p:sp>
       <p:sp>
         <p:nvSpPr>
           <p:cNvPr id="43" name="Google Shape;43;p9"/>
-          <p:cNvSpPr txBox="1"/>
+          <p:cNvSpPr txBox="1">
+            <a:spLocks noGrp="1"/>
+          </p:cNvSpPr>
           <p:nvPr>
-            <p:ph idx="2" type="body"/>
+            <p:ph type="body" idx="2"/>
           </p:nvPr>
         </p:nvSpPr>
         <p:spPr>
@@ -6929,11 +7133,11 @@
           </a:prstGeom>
         </p:spPr>
         <p:txBody>
-          <a:bodyPr anchorCtr="0" anchor="ctr" bIns="91425" lIns="91425" spcFirstLastPara="1" rIns="91425" wrap="square" tIns="91425">
+          <a:bodyPr spcFirstLastPara="1" wrap="square" lIns="91425" tIns="91425" rIns="91425" bIns="91425" anchor="ctr" anchorCtr="0">
             <a:normAutofit/>
           </a:bodyPr>
           <a:lstStyle>
-            <a:lvl1pPr indent="-342900" lvl="0" marL="457200">
+            <a:lvl1pPr marL="457200" lvl="0" indent="-342900">
               <a:spcBef>
                 <a:spcPts val="0"/>
               </a:spcBef>
@@ -6951,7 +7155,7 @@
                 </a:solidFill>
               </a:defRPr>
             </a:lvl1pPr>
-            <a:lvl2pPr indent="-317500" lvl="1" marL="914400">
+            <a:lvl2pPr marL="914400" lvl="1" indent="-317500">
               <a:spcBef>
                 <a:spcPts val="0"/>
               </a:spcBef>
@@ -6969,7 +7173,7 @@
                 </a:solidFill>
               </a:defRPr>
             </a:lvl2pPr>
-            <a:lvl3pPr indent="-317500" lvl="2" marL="1371600">
+            <a:lvl3pPr marL="1371600" lvl="2" indent="-317500">
               <a:spcBef>
                 <a:spcPts val="0"/>
               </a:spcBef>
@@ -6987,7 +7191,7 @@
                 </a:solidFill>
               </a:defRPr>
             </a:lvl3pPr>
-            <a:lvl4pPr indent="-317500" lvl="3" marL="1828800">
+            <a:lvl4pPr marL="1828800" lvl="3" indent="-317500">
               <a:spcBef>
                 <a:spcPts val="0"/>
               </a:spcBef>
@@ -7005,7 +7209,7 @@
                 </a:solidFill>
               </a:defRPr>
             </a:lvl4pPr>
-            <a:lvl5pPr indent="-317500" lvl="4" marL="2286000">
+            <a:lvl5pPr marL="2286000" lvl="4" indent="-317500">
               <a:spcBef>
                 <a:spcPts val="0"/>
               </a:spcBef>
@@ -7023,7 +7227,7 @@
                 </a:solidFill>
               </a:defRPr>
             </a:lvl5pPr>
-            <a:lvl6pPr indent="-317500" lvl="5" marL="2743200">
+            <a:lvl6pPr marL="2743200" lvl="5" indent="-317500">
               <a:spcBef>
                 <a:spcPts val="0"/>
               </a:spcBef>
@@ -7041,7 +7245,7 @@
                 </a:solidFill>
               </a:defRPr>
             </a:lvl6pPr>
-            <a:lvl7pPr indent="-317500" lvl="6" marL="3200400">
+            <a:lvl7pPr marL="3200400" lvl="6" indent="-317500">
               <a:spcBef>
                 <a:spcPts val="0"/>
               </a:spcBef>
@@ -7059,7 +7263,7 @@
                 </a:solidFill>
               </a:defRPr>
             </a:lvl7pPr>
-            <a:lvl8pPr indent="-317500" lvl="7" marL="3657600">
+            <a:lvl8pPr marL="3657600" lvl="7" indent="-317500">
               <a:spcBef>
                 <a:spcPts val="0"/>
               </a:spcBef>
@@ -7077,7 +7281,7 @@
                 </a:solidFill>
               </a:defRPr>
             </a:lvl8pPr>
-            <a:lvl9pPr indent="-317500" lvl="8" marL="4114800">
+            <a:lvl9pPr marL="4114800" lvl="8" indent="-317500">
               <a:spcBef>
                 <a:spcPts val="0"/>
               </a:spcBef>
@@ -7096,15 +7300,19 @@
               </a:defRPr>
             </a:lvl9pPr>
           </a:lstStyle>
-          <a:p/>
+          <a:p>
+            <a:endParaRPr/>
+          </a:p>
         </p:txBody>
       </p:sp>
       <p:sp>
         <p:nvSpPr>
           <p:cNvPr id="44" name="Google Shape;44;p9"/>
-          <p:cNvSpPr txBox="1"/>
+          <p:cNvSpPr txBox="1">
+            <a:spLocks noGrp="1"/>
+          </p:cNvSpPr>
           <p:nvPr>
-            <p:ph idx="12" type="sldNum"/>
+            <p:ph type="sldNum" idx="12"/>
           </p:nvPr>
         </p:nvSpPr>
         <p:spPr>
@@ -7117,7 +7325,7 @@
           </a:prstGeom>
         </p:spPr>
         <p:txBody>
-          <a:bodyPr anchorCtr="0" anchor="ctr" bIns="91425" lIns="91425" spcFirstLastPara="1" rIns="91425" wrap="square" tIns="91425">
+          <a:bodyPr spcFirstLastPara="1" wrap="square" lIns="91425" tIns="91425" rIns="91425" bIns="91425" anchor="ctr" anchorCtr="0">
             <a:normAutofit/>
           </a:bodyPr>
           <a:lstStyle>
@@ -7195,7 +7403,7 @@
             </a:lvl9pPr>
           </a:lstStyle>
           <a:p>
-            <a:pPr indent="0" lvl="0" marL="0" rtl="0" algn="r">
+            <a:pPr marL="0" lvl="0" indent="0" algn="r" rtl="0">
               <a:spcBef>
                 <a:spcPts val="0"/>
               </a:spcBef>
@@ -7221,11 +7429,11 @@
 </file>
 
 <file path=ppt/slideLayouts/slideLayout9.xml><?xml version="1.0" encoding="utf-8"?>
-<p:sldLayout xmlns:a="http://schemas.openxmlformats.org/drawingml/2006/main" xmlns:r="http://schemas.openxmlformats.org/officeDocument/2006/relationships" xmlns:mc="http://schemas.openxmlformats.org/markup-compatibility/2006" xmlns:mv="urn:schemas-microsoft-com:mac:vml" xmlns:p="http://schemas.openxmlformats.org/presentationml/2006/main" xmlns:c="http://schemas.openxmlformats.org/drawingml/2006/chart" xmlns:dgm="http://schemas.openxmlformats.org/drawingml/2006/diagram" xmlns:o="urn:schemas-microsoft-com:office:office" xmlns:v="urn:schemas-microsoft-com:vml" xmlns:pvml="urn:schemas-microsoft-com:office:powerpoint" xmlns:com="http://schemas.openxmlformats.org/drawingml/2006/compatibility" xmlns:p14="http://schemas.microsoft.com/office/powerpoint/2010/main" xmlns:p15="http://schemas.microsoft.com/office/powerpoint/2012/main" xmlns:ahyp="http://schemas.microsoft.com/office/drawing/2018/hyperlinkcolor" matchingName="Caption">
+<p:sldLayout xmlns:a="http://schemas.openxmlformats.org/drawingml/2006/main" xmlns:r="http://schemas.openxmlformats.org/officeDocument/2006/relationships" xmlns:p="http://schemas.openxmlformats.org/presentationml/2006/main" matchingName="Caption">
   <p:cSld name="CAPTION_ONLY">
     <p:spTree>
       <p:nvGrpSpPr>
-        <p:cNvPr id="45" name="Shape 45"/>
+        <p:cNvPr id="1" name="Shape 45"/>
         <p:cNvGrpSpPr/>
         <p:nvPr/>
       </p:nvGrpSpPr>
@@ -7240,9 +7448,11 @@
       <p:sp>
         <p:nvSpPr>
           <p:cNvPr id="46" name="Google Shape;46;p10"/>
-          <p:cNvSpPr txBox="1"/>
+          <p:cNvSpPr txBox="1">
+            <a:spLocks noGrp="1"/>
+          </p:cNvSpPr>
           <p:nvPr>
-            <p:ph idx="1" type="body"/>
+            <p:ph type="body" idx="1"/>
           </p:nvPr>
         </p:nvSpPr>
         <p:spPr>
@@ -7255,11 +7465,11 @@
           </a:prstGeom>
         </p:spPr>
         <p:txBody>
-          <a:bodyPr anchorCtr="0" anchor="ctr" bIns="91425" lIns="91425" spcFirstLastPara="1" rIns="91425" wrap="square" tIns="91425">
+          <a:bodyPr spcFirstLastPara="1" wrap="square" lIns="91425" tIns="91425" rIns="91425" bIns="91425" anchor="ctr" anchorCtr="0">
             <a:normAutofit/>
           </a:bodyPr>
           <a:lstStyle>
-            <a:lvl1pPr indent="-228600" lvl="0" marL="457200">
+            <a:lvl1pPr marL="457200" lvl="0" indent="-228600">
               <a:lnSpc>
                 <a:spcPct val="100000"/>
               </a:lnSpc>
@@ -7274,15 +7484,19 @@
               <a:defRPr/>
             </a:lvl1pPr>
           </a:lstStyle>
-          <a:p/>
+          <a:p>
+            <a:endParaRPr/>
+          </a:p>
         </p:txBody>
       </p:sp>
       <p:sp>
         <p:nvSpPr>
           <p:cNvPr id="47" name="Google Shape;47;p10"/>
-          <p:cNvSpPr txBox="1"/>
+          <p:cNvSpPr txBox="1">
+            <a:spLocks noGrp="1"/>
+          </p:cNvSpPr>
           <p:nvPr>
-            <p:ph idx="12" type="sldNum"/>
+            <p:ph type="sldNum" idx="12"/>
           </p:nvPr>
         </p:nvSpPr>
         <p:spPr>
@@ -7295,7 +7509,7 @@
           </a:prstGeom>
         </p:spPr>
         <p:txBody>
-          <a:bodyPr anchorCtr="0" anchor="ctr" bIns="91425" lIns="91425" spcFirstLastPara="1" rIns="91425" wrap="square" tIns="91425">
+          <a:bodyPr spcFirstLastPara="1" wrap="square" lIns="91425" tIns="91425" rIns="91425" bIns="91425" anchor="ctr" anchorCtr="0">
             <a:normAutofit/>
           </a:bodyPr>
           <a:lstStyle>
@@ -7337,7 +7551,7 @@
             </a:lvl9pPr>
           </a:lstStyle>
           <a:p>
-            <a:pPr indent="0" lvl="0" marL="0" rtl="0" algn="r">
+            <a:pPr marL="0" lvl="0" indent="0" algn="r" rtl="0">
               <a:spcBef>
                 <a:spcPts val="0"/>
               </a:spcBef>
@@ -7363,18 +7577,19 @@
 </file>
 
 <file path=ppt/slideMasters/slideMaster1.xml><?xml version="1.0" encoding="utf-8"?>
-<p:sldMaster xmlns:a="http://schemas.openxmlformats.org/drawingml/2006/main" xmlns:r="http://schemas.openxmlformats.org/officeDocument/2006/relationships" xmlns:mc="http://schemas.openxmlformats.org/markup-compatibility/2006" xmlns:mv="urn:schemas-microsoft-com:mac:vml" xmlns:p="http://schemas.openxmlformats.org/presentationml/2006/main" xmlns:c="http://schemas.openxmlformats.org/drawingml/2006/chart" xmlns:dgm="http://schemas.openxmlformats.org/drawingml/2006/diagram" xmlns:o="urn:schemas-microsoft-com:office:office" xmlns:v="urn:schemas-microsoft-com:vml" xmlns:pvml="urn:schemas-microsoft-com:office:powerpoint" xmlns:com="http://schemas.openxmlformats.org/drawingml/2006/compatibility" xmlns:p14="http://schemas.microsoft.com/office/powerpoint/2010/main" xmlns:p15="http://schemas.microsoft.com/office/powerpoint/2012/main" xmlns:ahyp="http://schemas.microsoft.com/office/drawing/2018/hyperlinkcolor">
+<p:sldMaster xmlns:a="http://schemas.openxmlformats.org/drawingml/2006/main" xmlns:r="http://schemas.openxmlformats.org/officeDocument/2006/relationships" xmlns:p="http://schemas.openxmlformats.org/presentationml/2006/main">
   <p:cSld name="coral">
     <p:bg>
       <p:bgPr>
         <a:solidFill>
           <a:schemeClr val="lt1"/>
         </a:solidFill>
+        <a:effectLst/>
       </p:bgPr>
     </p:bg>
     <p:spTree>
       <p:nvGrpSpPr>
-        <p:cNvPr id="5" name="Shape 5"/>
+        <p:cNvPr id="1" name="Shape 5"/>
         <p:cNvGrpSpPr/>
         <p:nvPr/>
       </p:nvGrpSpPr>
@@ -7389,7 +7604,9 @@
       <p:sp>
         <p:nvSpPr>
           <p:cNvPr id="6" name="Google Shape;6;p1"/>
-          <p:cNvSpPr txBox="1"/>
+          <p:cNvSpPr txBox="1">
+            <a:spLocks noGrp="1"/>
+          </p:cNvSpPr>
           <p:nvPr>
             <p:ph type="title"/>
           </p:nvPr>
@@ -7408,7 +7625,7 @@
           </a:ln>
         </p:spPr>
         <p:txBody>
-          <a:bodyPr anchorCtr="0" anchor="t" bIns="91425" lIns="91425" spcFirstLastPara="1" rIns="91425" wrap="square" tIns="91425">
+          <a:bodyPr spcFirstLastPara="1" wrap="square" lIns="91425" tIns="91425" rIns="91425" bIns="91425" anchor="t" anchorCtr="0">
             <a:normAutofit/>
           </a:bodyPr>
           <a:lstStyle>
@@ -7425,7 +7642,7 @@
               <a:buSzPts val="3200"/>
               <a:buFont typeface="Playfair Display"/>
               <a:buNone/>
-              <a:defRPr b="1" sz="3200">
+              <a:defRPr sz="3200" b="1">
                 <a:solidFill>
                   <a:schemeClr val="dk1"/>
                 </a:solidFill>
@@ -7448,7 +7665,7 @@
               <a:buSzPts val="3200"/>
               <a:buFont typeface="Playfair Display"/>
               <a:buNone/>
-              <a:defRPr b="1" sz="3200">
+              <a:defRPr sz="3200" b="1">
                 <a:solidFill>
                   <a:schemeClr val="dk1"/>
                 </a:solidFill>
@@ -7471,7 +7688,7 @@
               <a:buSzPts val="3200"/>
               <a:buFont typeface="Playfair Display"/>
               <a:buNone/>
-              <a:defRPr b="1" sz="3200">
+              <a:defRPr sz="3200" b="1">
                 <a:solidFill>
                   <a:schemeClr val="dk1"/>
                 </a:solidFill>
@@ -7494,7 +7711,7 @@
               <a:buSzPts val="3200"/>
               <a:buFont typeface="Playfair Display"/>
               <a:buNone/>
-              <a:defRPr b="1" sz="3200">
+              <a:defRPr sz="3200" b="1">
                 <a:solidFill>
                   <a:schemeClr val="dk1"/>
                 </a:solidFill>
@@ -7517,7 +7734,7 @@
               <a:buSzPts val="3200"/>
               <a:buFont typeface="Playfair Display"/>
               <a:buNone/>
-              <a:defRPr b="1" sz="3200">
+              <a:defRPr sz="3200" b="1">
                 <a:solidFill>
                   <a:schemeClr val="dk1"/>
                 </a:solidFill>
@@ -7540,7 +7757,7 @@
               <a:buSzPts val="3200"/>
               <a:buFont typeface="Playfair Display"/>
               <a:buNone/>
-              <a:defRPr b="1" sz="3200">
+              <a:defRPr sz="3200" b="1">
                 <a:solidFill>
                   <a:schemeClr val="dk1"/>
                 </a:solidFill>
@@ -7563,7 +7780,7 @@
               <a:buSzPts val="3200"/>
               <a:buFont typeface="Playfair Display"/>
               <a:buNone/>
-              <a:defRPr b="1" sz="3200">
+              <a:defRPr sz="3200" b="1">
                 <a:solidFill>
                   <a:schemeClr val="dk1"/>
                 </a:solidFill>
@@ -7586,7 +7803,7 @@
               <a:buSzPts val="3200"/>
               <a:buFont typeface="Playfair Display"/>
               <a:buNone/>
-              <a:defRPr b="1" sz="3200">
+              <a:defRPr sz="3200" b="1">
                 <a:solidFill>
                   <a:schemeClr val="dk1"/>
                 </a:solidFill>
@@ -7609,7 +7826,7 @@
               <a:buSzPts val="3200"/>
               <a:buFont typeface="Playfair Display"/>
               <a:buNone/>
-              <a:defRPr b="1" sz="3200">
+              <a:defRPr sz="3200" b="1">
                 <a:solidFill>
                   <a:schemeClr val="dk1"/>
                 </a:solidFill>
@@ -7620,15 +7837,19 @@
               </a:defRPr>
             </a:lvl9pPr>
           </a:lstStyle>
-          <a:p/>
+          <a:p>
+            <a:endParaRPr/>
+          </a:p>
         </p:txBody>
       </p:sp>
       <p:sp>
         <p:nvSpPr>
           <p:cNvPr id="7" name="Google Shape;7;p1"/>
-          <p:cNvSpPr txBox="1"/>
+          <p:cNvSpPr txBox="1">
+            <a:spLocks noGrp="1"/>
+          </p:cNvSpPr>
           <p:nvPr>
-            <p:ph idx="1" type="body"/>
+            <p:ph type="body" idx="1"/>
           </p:nvPr>
         </p:nvSpPr>
         <p:spPr>
@@ -7645,11 +7866,11 @@
           </a:ln>
         </p:spPr>
         <p:txBody>
-          <a:bodyPr anchorCtr="0" anchor="t" bIns="91425" lIns="91425" spcFirstLastPara="1" rIns="91425" wrap="square" tIns="91425">
+          <a:bodyPr spcFirstLastPara="1" wrap="square" lIns="91425" tIns="91425" rIns="91425" bIns="91425" anchor="t" anchorCtr="0">
             <a:normAutofit/>
           </a:bodyPr>
           <a:lstStyle>
-            <a:lvl1pPr indent="-342900" lvl="0" marL="457200">
+            <a:lvl1pPr marL="457200" lvl="0" indent="-342900">
               <a:lnSpc>
                 <a:spcPct val="115000"/>
               </a:lnSpc>
@@ -7675,7 +7896,7 @@
                 <a:sym typeface="Lato"/>
               </a:defRPr>
             </a:lvl1pPr>
-            <a:lvl2pPr indent="-317500" lvl="1" marL="914400">
+            <a:lvl2pPr marL="914400" lvl="1" indent="-317500">
               <a:lnSpc>
                 <a:spcPct val="115000"/>
               </a:lnSpc>
@@ -7701,7 +7922,7 @@
                 <a:sym typeface="Lato"/>
               </a:defRPr>
             </a:lvl2pPr>
-            <a:lvl3pPr indent="-317500" lvl="2" marL="1371600">
+            <a:lvl3pPr marL="1371600" lvl="2" indent="-317500">
               <a:lnSpc>
                 <a:spcPct val="115000"/>
               </a:lnSpc>
@@ -7727,7 +7948,7 @@
                 <a:sym typeface="Lato"/>
               </a:defRPr>
             </a:lvl3pPr>
-            <a:lvl4pPr indent="-317500" lvl="3" marL="1828800">
+            <a:lvl4pPr marL="1828800" lvl="3" indent="-317500">
               <a:lnSpc>
                 <a:spcPct val="115000"/>
               </a:lnSpc>
@@ -7753,7 +7974,7 @@
                 <a:sym typeface="Lato"/>
               </a:defRPr>
             </a:lvl4pPr>
-            <a:lvl5pPr indent="-317500" lvl="4" marL="2286000">
+            <a:lvl5pPr marL="2286000" lvl="4" indent="-317500">
               <a:lnSpc>
                 <a:spcPct val="115000"/>
               </a:lnSpc>
@@ -7779,7 +8000,7 @@
                 <a:sym typeface="Lato"/>
               </a:defRPr>
             </a:lvl5pPr>
-            <a:lvl6pPr indent="-317500" lvl="5" marL="2743200">
+            <a:lvl6pPr marL="2743200" lvl="5" indent="-317500">
               <a:lnSpc>
                 <a:spcPct val="115000"/>
               </a:lnSpc>
@@ -7805,7 +8026,7 @@
                 <a:sym typeface="Lato"/>
               </a:defRPr>
             </a:lvl6pPr>
-            <a:lvl7pPr indent="-317500" lvl="6" marL="3200400">
+            <a:lvl7pPr marL="3200400" lvl="6" indent="-317500">
               <a:lnSpc>
                 <a:spcPct val="115000"/>
               </a:lnSpc>
@@ -7831,7 +8052,7 @@
                 <a:sym typeface="Lato"/>
               </a:defRPr>
             </a:lvl7pPr>
-            <a:lvl8pPr indent="-317500" lvl="7" marL="3657600">
+            <a:lvl8pPr marL="3657600" lvl="7" indent="-317500">
               <a:lnSpc>
                 <a:spcPct val="115000"/>
               </a:lnSpc>
@@ -7857,7 +8078,7 @@
                 <a:sym typeface="Lato"/>
               </a:defRPr>
             </a:lvl8pPr>
-            <a:lvl9pPr indent="-317500" lvl="8" marL="4114800">
+            <a:lvl9pPr marL="4114800" lvl="8" indent="-317500">
               <a:lnSpc>
                 <a:spcPct val="115000"/>
               </a:lnSpc>
@@ -7884,15 +8105,19 @@
               </a:defRPr>
             </a:lvl9pPr>
           </a:lstStyle>
-          <a:p/>
+          <a:p>
+            <a:endParaRPr/>
+          </a:p>
         </p:txBody>
       </p:sp>
       <p:sp>
         <p:nvSpPr>
           <p:cNvPr id="8" name="Google Shape;8;p1"/>
-          <p:cNvSpPr txBox="1"/>
+          <p:cNvSpPr txBox="1">
+            <a:spLocks noGrp="1"/>
+          </p:cNvSpPr>
           <p:nvPr>
-            <p:ph idx="12" type="sldNum"/>
+            <p:ph type="sldNum" idx="12"/>
           </p:nvPr>
         </p:nvSpPr>
         <p:spPr>
@@ -7909,7 +8134,7 @@
           </a:ln>
         </p:spPr>
         <p:txBody>
-          <a:bodyPr anchorCtr="0" anchor="ctr" bIns="91425" lIns="91425" spcFirstLastPara="1" rIns="91425" wrap="square" tIns="91425">
+          <a:bodyPr spcFirstLastPara="1" wrap="square" lIns="91425" tIns="91425" rIns="91425" bIns="91425" anchor="ctr" anchorCtr="0">
             <a:normAutofit/>
           </a:bodyPr>
           <a:lstStyle>
@@ -8023,7 +8248,7 @@
             </a:lvl9pPr>
           </a:lstStyle>
           <a:p>
-            <a:pPr indent="0" lvl="0" marL="0" rtl="0" algn="r">
+            <a:pPr marL="0" lvl="0" indent="0" algn="r" rtl="0">
               <a:spcBef>
                 <a:spcPts val="0"/>
               </a:spcBef>
@@ -8042,7 +8267,7 @@
       </p:sp>
     </p:spTree>
   </p:cSld>
-  <p:clrMap accent1="accent1" accent2="accent2" accent3="accent3" accent4="accent4" accent5="accent5" accent6="accent6" bg1="lt1" bg2="dk2" tx1="dk1" tx2="lt2" folHlink="folHlink" hlink="hlink"/>
+  <p:clrMap bg1="lt1" tx1="dk1" bg2="dk2" tx2="lt2" accent1="accent1" accent2="accent2" accent3="accent3" accent4="accent4" accent5="accent5" accent6="accent6" hlink="hlink" folHlink="folHlink"/>
   <p:sldLayoutIdLst>
     <p:sldLayoutId id="2147483648" r:id="rId1"/>
     <p:sldLayoutId id="2147483649" r:id="rId2"/>
@@ -8056,10 +8281,10 @@
     <p:sldLayoutId id="2147483657" r:id="rId10"/>
     <p:sldLayoutId id="2147483658" r:id="rId11"/>
   </p:sldLayoutIdLst>
-  <p:hf dt="0" ftr="0" hdr="0" sldNum="0"/>
+  <p:hf sldNum="0" hdr="0" ftr="0" dt="0"/>
   <p:txStyles>
     <p:titleStyle>
-      <a:defPPr lvl="0" marR="0" rtl="0" algn="l">
+      <a:defPPr marR="0" lvl="0" algn="l" rtl="0">
         <a:lnSpc>
           <a:spcPct val="100000"/>
         </a:lnSpc>
@@ -8070,7 +8295,7 @@
           <a:spcPts val="0"/>
         </a:spcAft>
       </a:defPPr>
-      <a:lvl1pPr lvl="0" marR="0" rtl="0" algn="l">
+      <a:lvl1pPr marR="0" lvl="0" algn="l" rtl="0">
         <a:lnSpc>
           <a:spcPct val="100000"/>
         </a:lnSpc>
@@ -8084,7 +8309,7 @@
           <a:srgbClr val="000000"/>
         </a:buClr>
         <a:buFont typeface="Arial"/>
-        <a:defRPr b="0" i="0" sz="1400" u="none" cap="none" strike="noStrike">
+        <a:defRPr sz="1400" b="0" i="0" u="none" strike="noStrike" cap="none">
           <a:solidFill>
             <a:srgbClr val="000000"/>
           </a:solidFill>
@@ -8094,7 +8319,7 @@
           <a:sym typeface="Arial"/>
         </a:defRPr>
       </a:lvl1pPr>
-      <a:lvl2pPr lvl="1" marR="0" rtl="0" algn="l">
+      <a:lvl2pPr marR="0" lvl="1" algn="l" rtl="0">
         <a:lnSpc>
           <a:spcPct val="100000"/>
         </a:lnSpc>
@@ -8108,7 +8333,7 @@
           <a:srgbClr val="000000"/>
         </a:buClr>
         <a:buFont typeface="Arial"/>
-        <a:defRPr b="0" i="0" sz="1400" u="none" cap="none" strike="noStrike">
+        <a:defRPr sz="1400" b="0" i="0" u="none" strike="noStrike" cap="none">
           <a:solidFill>
             <a:srgbClr val="000000"/>
           </a:solidFill>
@@ -8118,7 +8343,7 @@
           <a:sym typeface="Arial"/>
         </a:defRPr>
       </a:lvl2pPr>
-      <a:lvl3pPr lvl="2" marR="0" rtl="0" algn="l">
+      <a:lvl3pPr marR="0" lvl="2" algn="l" rtl="0">
         <a:lnSpc>
           <a:spcPct val="100000"/>
         </a:lnSpc>
@@ -8132,7 +8357,7 @@
           <a:srgbClr val="000000"/>
         </a:buClr>
         <a:buFont typeface="Arial"/>
-        <a:defRPr b="0" i="0" sz="1400" u="none" cap="none" strike="noStrike">
+        <a:defRPr sz="1400" b="0" i="0" u="none" strike="noStrike" cap="none">
           <a:solidFill>
             <a:srgbClr val="000000"/>
           </a:solidFill>
@@ -8142,7 +8367,7 @@
           <a:sym typeface="Arial"/>
         </a:defRPr>
       </a:lvl3pPr>
-      <a:lvl4pPr lvl="3" marR="0" rtl="0" algn="l">
+      <a:lvl4pPr marR="0" lvl="3" algn="l" rtl="0">
         <a:lnSpc>
           <a:spcPct val="100000"/>
         </a:lnSpc>
@@ -8156,7 +8381,7 @@
           <a:srgbClr val="000000"/>
         </a:buClr>
         <a:buFont typeface="Arial"/>
-        <a:defRPr b="0" i="0" sz="1400" u="none" cap="none" strike="noStrike">
+        <a:defRPr sz="1400" b="0" i="0" u="none" strike="noStrike" cap="none">
           <a:solidFill>
             <a:srgbClr val="000000"/>
           </a:solidFill>
@@ -8166,7 +8391,7 @@
           <a:sym typeface="Arial"/>
         </a:defRPr>
       </a:lvl4pPr>
-      <a:lvl5pPr lvl="4" marR="0" rtl="0" algn="l">
+      <a:lvl5pPr marR="0" lvl="4" algn="l" rtl="0">
         <a:lnSpc>
           <a:spcPct val="100000"/>
         </a:lnSpc>
@@ -8180,7 +8405,7 @@
           <a:srgbClr val="000000"/>
         </a:buClr>
         <a:buFont typeface="Arial"/>
-        <a:defRPr b="0" i="0" sz="1400" u="none" cap="none" strike="noStrike">
+        <a:defRPr sz="1400" b="0" i="0" u="none" strike="noStrike" cap="none">
           <a:solidFill>
             <a:srgbClr val="000000"/>
           </a:solidFill>
@@ -8190,7 +8415,7 @@
           <a:sym typeface="Arial"/>
         </a:defRPr>
       </a:lvl5pPr>
-      <a:lvl6pPr lvl="5" marR="0" rtl="0" algn="l">
+      <a:lvl6pPr marR="0" lvl="5" algn="l" rtl="0">
         <a:lnSpc>
           <a:spcPct val="100000"/>
         </a:lnSpc>
@@ -8204,7 +8429,7 @@
           <a:srgbClr val="000000"/>
         </a:buClr>
         <a:buFont typeface="Arial"/>
-        <a:defRPr b="0" i="0" sz="1400" u="none" cap="none" strike="noStrike">
+        <a:defRPr sz="1400" b="0" i="0" u="none" strike="noStrike" cap="none">
           <a:solidFill>
             <a:srgbClr val="000000"/>
           </a:solidFill>
@@ -8214,7 +8439,7 @@
           <a:sym typeface="Arial"/>
         </a:defRPr>
       </a:lvl6pPr>
-      <a:lvl7pPr lvl="6" marR="0" rtl="0" algn="l">
+      <a:lvl7pPr marR="0" lvl="6" algn="l" rtl="0">
         <a:lnSpc>
           <a:spcPct val="100000"/>
         </a:lnSpc>
@@ -8228,7 +8453,7 @@
           <a:srgbClr val="000000"/>
         </a:buClr>
         <a:buFont typeface="Arial"/>
-        <a:defRPr b="0" i="0" sz="1400" u="none" cap="none" strike="noStrike">
+        <a:defRPr sz="1400" b="0" i="0" u="none" strike="noStrike" cap="none">
           <a:solidFill>
             <a:srgbClr val="000000"/>
           </a:solidFill>
@@ -8238,7 +8463,7 @@
           <a:sym typeface="Arial"/>
         </a:defRPr>
       </a:lvl7pPr>
-      <a:lvl8pPr lvl="7" marR="0" rtl="0" algn="l">
+      <a:lvl8pPr marR="0" lvl="7" algn="l" rtl="0">
         <a:lnSpc>
           <a:spcPct val="100000"/>
         </a:lnSpc>
@@ -8252,7 +8477,7 @@
           <a:srgbClr val="000000"/>
         </a:buClr>
         <a:buFont typeface="Arial"/>
-        <a:defRPr b="0" i="0" sz="1400" u="none" cap="none" strike="noStrike">
+        <a:defRPr sz="1400" b="0" i="0" u="none" strike="noStrike" cap="none">
           <a:solidFill>
             <a:srgbClr val="000000"/>
           </a:solidFill>
@@ -8262,7 +8487,7 @@
           <a:sym typeface="Arial"/>
         </a:defRPr>
       </a:lvl8pPr>
-      <a:lvl9pPr lvl="8" marR="0" rtl="0" algn="l">
+      <a:lvl9pPr marR="0" lvl="8" algn="l" rtl="0">
         <a:lnSpc>
           <a:spcPct val="100000"/>
         </a:lnSpc>
@@ -8276,7 +8501,7 @@
           <a:srgbClr val="000000"/>
         </a:buClr>
         <a:buFont typeface="Arial"/>
-        <a:defRPr b="0" i="0" sz="1400" u="none" cap="none" strike="noStrike">
+        <a:defRPr sz="1400" b="0" i="0" u="none" strike="noStrike" cap="none">
           <a:solidFill>
             <a:srgbClr val="000000"/>
           </a:solidFill>
@@ -8288,7 +8513,7 @@
       </a:lvl9pPr>
     </p:titleStyle>
     <p:bodyStyle>
-      <a:defPPr lvl="0" marR="0" rtl="0" algn="l">
+      <a:defPPr marR="0" lvl="0" algn="l" rtl="0">
         <a:lnSpc>
           <a:spcPct val="100000"/>
         </a:lnSpc>
@@ -8299,7 +8524,7 @@
           <a:spcPts val="0"/>
         </a:spcAft>
       </a:defPPr>
-      <a:lvl1pPr lvl="0" marR="0" rtl="0" algn="l">
+      <a:lvl1pPr marR="0" lvl="0" algn="l" rtl="0">
         <a:lnSpc>
           <a:spcPct val="100000"/>
         </a:lnSpc>
@@ -8313,7 +8538,7 @@
           <a:srgbClr val="000000"/>
         </a:buClr>
         <a:buFont typeface="Arial"/>
-        <a:defRPr b="0" i="0" sz="1400" u="none" cap="none" strike="noStrike">
+        <a:defRPr sz="1400" b="0" i="0" u="none" strike="noStrike" cap="none">
           <a:solidFill>
             <a:srgbClr val="000000"/>
           </a:solidFill>
@@ -8323,7 +8548,7 @@
           <a:sym typeface="Arial"/>
         </a:defRPr>
       </a:lvl1pPr>
-      <a:lvl2pPr lvl="1" marR="0" rtl="0" algn="l">
+      <a:lvl2pPr marR="0" lvl="1" algn="l" rtl="0">
         <a:lnSpc>
           <a:spcPct val="100000"/>
         </a:lnSpc>
@@ -8337,7 +8562,7 @@
           <a:srgbClr val="000000"/>
         </a:buClr>
         <a:buFont typeface="Arial"/>
-        <a:defRPr b="0" i="0" sz="1400" u="none" cap="none" strike="noStrike">
+        <a:defRPr sz="1400" b="0" i="0" u="none" strike="noStrike" cap="none">
           <a:solidFill>
             <a:srgbClr val="000000"/>
           </a:solidFill>
@@ -8347,7 +8572,7 @@
           <a:sym typeface="Arial"/>
         </a:defRPr>
       </a:lvl2pPr>
-      <a:lvl3pPr lvl="2" marR="0" rtl="0" algn="l">
+      <a:lvl3pPr marR="0" lvl="2" algn="l" rtl="0">
         <a:lnSpc>
           <a:spcPct val="100000"/>
         </a:lnSpc>
@@ -8361,7 +8586,7 @@
           <a:srgbClr val="000000"/>
         </a:buClr>
         <a:buFont typeface="Arial"/>
-        <a:defRPr b="0" i="0" sz="1400" u="none" cap="none" strike="noStrike">
+        <a:defRPr sz="1400" b="0" i="0" u="none" strike="noStrike" cap="none">
           <a:solidFill>
             <a:srgbClr val="000000"/>
           </a:solidFill>
@@ -8371,7 +8596,7 @@
           <a:sym typeface="Arial"/>
         </a:defRPr>
       </a:lvl3pPr>
-      <a:lvl4pPr lvl="3" marR="0" rtl="0" algn="l">
+      <a:lvl4pPr marR="0" lvl="3" algn="l" rtl="0">
         <a:lnSpc>
           <a:spcPct val="100000"/>
         </a:lnSpc>
@@ -8385,7 +8610,7 @@
           <a:srgbClr val="000000"/>
         </a:buClr>
         <a:buFont typeface="Arial"/>
-        <a:defRPr b="0" i="0" sz="1400" u="none" cap="none" strike="noStrike">
+        <a:defRPr sz="1400" b="0" i="0" u="none" strike="noStrike" cap="none">
           <a:solidFill>
             <a:srgbClr val="000000"/>
           </a:solidFill>
@@ -8395,7 +8620,7 @@
           <a:sym typeface="Arial"/>
         </a:defRPr>
       </a:lvl4pPr>
-      <a:lvl5pPr lvl="4" marR="0" rtl="0" algn="l">
+      <a:lvl5pPr marR="0" lvl="4" algn="l" rtl="0">
         <a:lnSpc>
           <a:spcPct val="100000"/>
         </a:lnSpc>
@@ -8409,7 +8634,7 @@
           <a:srgbClr val="000000"/>
         </a:buClr>
         <a:buFont typeface="Arial"/>
-        <a:defRPr b="0" i="0" sz="1400" u="none" cap="none" strike="noStrike">
+        <a:defRPr sz="1400" b="0" i="0" u="none" strike="noStrike" cap="none">
           <a:solidFill>
             <a:srgbClr val="000000"/>
           </a:solidFill>
@@ -8419,7 +8644,7 @@
           <a:sym typeface="Arial"/>
         </a:defRPr>
       </a:lvl5pPr>
-      <a:lvl6pPr lvl="5" marR="0" rtl="0" algn="l">
+      <a:lvl6pPr marR="0" lvl="5" algn="l" rtl="0">
         <a:lnSpc>
           <a:spcPct val="100000"/>
         </a:lnSpc>
@@ -8433,7 +8658,7 @@
           <a:srgbClr val="000000"/>
         </a:buClr>
         <a:buFont typeface="Arial"/>
-        <a:defRPr b="0" i="0" sz="1400" u="none" cap="none" strike="noStrike">
+        <a:defRPr sz="1400" b="0" i="0" u="none" strike="noStrike" cap="none">
           <a:solidFill>
             <a:srgbClr val="000000"/>
           </a:solidFill>
@@ -8443,7 +8668,7 @@
           <a:sym typeface="Arial"/>
         </a:defRPr>
       </a:lvl6pPr>
-      <a:lvl7pPr lvl="6" marR="0" rtl="0" algn="l">
+      <a:lvl7pPr marR="0" lvl="6" algn="l" rtl="0">
         <a:lnSpc>
           <a:spcPct val="100000"/>
         </a:lnSpc>
@@ -8457,7 +8682,7 @@
           <a:srgbClr val="000000"/>
         </a:buClr>
         <a:buFont typeface="Arial"/>
-        <a:defRPr b="0" i="0" sz="1400" u="none" cap="none" strike="noStrike">
+        <a:defRPr sz="1400" b="0" i="0" u="none" strike="noStrike" cap="none">
           <a:solidFill>
             <a:srgbClr val="000000"/>
           </a:solidFill>
@@ -8467,7 +8692,7 @@
           <a:sym typeface="Arial"/>
         </a:defRPr>
       </a:lvl7pPr>
-      <a:lvl8pPr lvl="7" marR="0" rtl="0" algn="l">
+      <a:lvl8pPr marR="0" lvl="7" algn="l" rtl="0">
         <a:lnSpc>
           <a:spcPct val="100000"/>
         </a:lnSpc>
@@ -8481,7 +8706,7 @@
           <a:srgbClr val="000000"/>
         </a:buClr>
         <a:buFont typeface="Arial"/>
-        <a:defRPr b="0" i="0" sz="1400" u="none" cap="none" strike="noStrike">
+        <a:defRPr sz="1400" b="0" i="0" u="none" strike="noStrike" cap="none">
           <a:solidFill>
             <a:srgbClr val="000000"/>
           </a:solidFill>
@@ -8491,7 +8716,7 @@
           <a:sym typeface="Arial"/>
         </a:defRPr>
       </a:lvl8pPr>
-      <a:lvl9pPr lvl="8" marR="0" rtl="0" algn="l">
+      <a:lvl9pPr marR="0" lvl="8" algn="l" rtl="0">
         <a:lnSpc>
           <a:spcPct val="100000"/>
         </a:lnSpc>
@@ -8505,7 +8730,7 @@
           <a:srgbClr val="000000"/>
         </a:buClr>
         <a:buFont typeface="Arial"/>
-        <a:defRPr b="0" i="0" sz="1400" u="none" cap="none" strike="noStrike">
+        <a:defRPr sz="1400" b="0" i="0" u="none" strike="noStrike" cap="none">
           <a:solidFill>
             <a:srgbClr val="000000"/>
           </a:solidFill>
@@ -8517,7 +8742,7 @@
       </a:lvl9pPr>
     </p:bodyStyle>
     <p:otherStyle>
-      <a:defPPr lvl="0" marR="0" rtl="0" algn="l">
+      <a:defPPr marR="0" lvl="0" algn="l" rtl="0">
         <a:lnSpc>
           <a:spcPct val="100000"/>
         </a:lnSpc>
@@ -8528,7 +8753,7 @@
           <a:spcPts val="0"/>
         </a:spcAft>
       </a:defPPr>
-      <a:lvl1pPr lvl="0" marR="0" rtl="0" algn="l">
+      <a:lvl1pPr marR="0" lvl="0" algn="l" rtl="0">
         <a:lnSpc>
           <a:spcPct val="100000"/>
         </a:lnSpc>
@@ -8542,7 +8767,7 @@
           <a:srgbClr val="000000"/>
         </a:buClr>
         <a:buFont typeface="Arial"/>
-        <a:defRPr b="0" i="0" sz="1400" u="none" cap="none" strike="noStrike">
+        <a:defRPr sz="1400" b="0" i="0" u="none" strike="noStrike" cap="none">
           <a:solidFill>
             <a:srgbClr val="000000"/>
           </a:solidFill>
@@ -8552,7 +8777,7 @@
           <a:sym typeface="Arial"/>
         </a:defRPr>
       </a:lvl1pPr>
-      <a:lvl2pPr lvl="1" marR="0" rtl="0" algn="l">
+      <a:lvl2pPr marR="0" lvl="1" algn="l" rtl="0">
         <a:lnSpc>
           <a:spcPct val="100000"/>
         </a:lnSpc>
@@ -8566,7 +8791,7 @@
           <a:srgbClr val="000000"/>
         </a:buClr>
         <a:buFont typeface="Arial"/>
-        <a:defRPr b="0" i="0" sz="1400" u="none" cap="none" strike="noStrike">
+        <a:defRPr sz="1400" b="0" i="0" u="none" strike="noStrike" cap="none">
           <a:solidFill>
             <a:srgbClr val="000000"/>
           </a:solidFill>
@@ -8576,7 +8801,7 @@
           <a:sym typeface="Arial"/>
         </a:defRPr>
       </a:lvl2pPr>
-      <a:lvl3pPr lvl="2" marR="0" rtl="0" algn="l">
+      <a:lvl3pPr marR="0" lvl="2" algn="l" rtl="0">
         <a:lnSpc>
           <a:spcPct val="100000"/>
         </a:lnSpc>
@@ -8590,7 +8815,7 @@
           <a:srgbClr val="000000"/>
         </a:buClr>
         <a:buFont typeface="Arial"/>
-        <a:defRPr b="0" i="0" sz="1400" u="none" cap="none" strike="noStrike">
+        <a:defRPr sz="1400" b="0" i="0" u="none" strike="noStrike" cap="none">
           <a:solidFill>
             <a:srgbClr val="000000"/>
           </a:solidFill>
@@ -8600,7 +8825,7 @@
           <a:sym typeface="Arial"/>
         </a:defRPr>
       </a:lvl3pPr>
-      <a:lvl4pPr lvl="3" marR="0" rtl="0" algn="l">
+      <a:lvl4pPr marR="0" lvl="3" algn="l" rtl="0">
         <a:lnSpc>
           <a:spcPct val="100000"/>
         </a:lnSpc>
@@ -8614,7 +8839,7 @@
           <a:srgbClr val="000000"/>
         </a:buClr>
         <a:buFont typeface="Arial"/>
-        <a:defRPr b="0" i="0" sz="1400" u="none" cap="none" strike="noStrike">
+        <a:defRPr sz="1400" b="0" i="0" u="none" strike="noStrike" cap="none">
           <a:solidFill>
             <a:srgbClr val="000000"/>
           </a:solidFill>
@@ -8624,7 +8849,7 @@
           <a:sym typeface="Arial"/>
         </a:defRPr>
       </a:lvl4pPr>
-      <a:lvl5pPr lvl="4" marR="0" rtl="0" algn="l">
+      <a:lvl5pPr marR="0" lvl="4" algn="l" rtl="0">
         <a:lnSpc>
           <a:spcPct val="100000"/>
         </a:lnSpc>
@@ -8638,7 +8863,7 @@
           <a:srgbClr val="000000"/>
         </a:buClr>
         <a:buFont typeface="Arial"/>
-        <a:defRPr b="0" i="0" sz="1400" u="none" cap="none" strike="noStrike">
+        <a:defRPr sz="1400" b="0" i="0" u="none" strike="noStrike" cap="none">
           <a:solidFill>
             <a:srgbClr val="000000"/>
           </a:solidFill>
@@ -8648,7 +8873,7 @@
           <a:sym typeface="Arial"/>
         </a:defRPr>
       </a:lvl5pPr>
-      <a:lvl6pPr lvl="5" marR="0" rtl="0" algn="l">
+      <a:lvl6pPr marR="0" lvl="5" algn="l" rtl="0">
         <a:lnSpc>
           <a:spcPct val="100000"/>
         </a:lnSpc>
@@ -8662,7 +8887,7 @@
           <a:srgbClr val="000000"/>
         </a:buClr>
         <a:buFont typeface="Arial"/>
-        <a:defRPr b="0" i="0" sz="1400" u="none" cap="none" strike="noStrike">
+        <a:defRPr sz="1400" b="0" i="0" u="none" strike="noStrike" cap="none">
           <a:solidFill>
             <a:srgbClr val="000000"/>
           </a:solidFill>
@@ -8672,7 +8897,7 @@
           <a:sym typeface="Arial"/>
         </a:defRPr>
       </a:lvl6pPr>
-      <a:lvl7pPr lvl="6" marR="0" rtl="0" algn="l">
+      <a:lvl7pPr marR="0" lvl="6" algn="l" rtl="0">
         <a:lnSpc>
           <a:spcPct val="100000"/>
         </a:lnSpc>
@@ -8686,7 +8911,7 @@
           <a:srgbClr val="000000"/>
         </a:buClr>
         <a:buFont typeface="Arial"/>
-        <a:defRPr b="0" i="0" sz="1400" u="none" cap="none" strike="noStrike">
+        <a:defRPr sz="1400" b="0" i="0" u="none" strike="noStrike" cap="none">
           <a:solidFill>
             <a:srgbClr val="000000"/>
           </a:solidFill>
@@ -8696,7 +8921,7 @@
           <a:sym typeface="Arial"/>
         </a:defRPr>
       </a:lvl7pPr>
-      <a:lvl8pPr lvl="7" marR="0" rtl="0" algn="l">
+      <a:lvl8pPr marR="0" lvl="7" algn="l" rtl="0">
         <a:lnSpc>
           <a:spcPct val="100000"/>
         </a:lnSpc>
@@ -8710,7 +8935,7 @@
           <a:srgbClr val="000000"/>
         </a:buClr>
         <a:buFont typeface="Arial"/>
-        <a:defRPr b="0" i="0" sz="1400" u="none" cap="none" strike="noStrike">
+        <a:defRPr sz="1400" b="0" i="0" u="none" strike="noStrike" cap="none">
           <a:solidFill>
             <a:srgbClr val="000000"/>
           </a:solidFill>
@@ -8720,7 +8945,7 @@
           <a:sym typeface="Arial"/>
         </a:defRPr>
       </a:lvl8pPr>
-      <a:lvl9pPr lvl="8" marR="0" rtl="0" algn="l">
+      <a:lvl9pPr marR="0" lvl="8" algn="l" rtl="0">
         <a:lnSpc>
           <a:spcPct val="100000"/>
         </a:lnSpc>
@@ -8734,7 +8959,7 @@
           <a:srgbClr val="000000"/>
         </a:buClr>
         <a:buFont typeface="Arial"/>
-        <a:defRPr b="0" i="0" sz="1400" u="none" cap="none" strike="noStrike">
+        <a:defRPr sz="1400" b="0" i="0" u="none" strike="noStrike" cap="none">
           <a:solidFill>
             <a:srgbClr val="000000"/>
           </a:solidFill>
@@ -8750,11 +8975,11 @@
 </file>
 
 <file path=ppt/slides/slide1.xml><?xml version="1.0" encoding="utf-8"?>
-<p:sld xmlns:a="http://schemas.openxmlformats.org/drawingml/2006/main" xmlns:r="http://schemas.openxmlformats.org/officeDocument/2006/relationships" xmlns:mc="http://schemas.openxmlformats.org/markup-compatibility/2006" xmlns:mv="urn:schemas-microsoft-com:mac:vml" xmlns:p="http://schemas.openxmlformats.org/presentationml/2006/main" xmlns:c="http://schemas.openxmlformats.org/drawingml/2006/chart" xmlns:dgm="http://schemas.openxmlformats.org/drawingml/2006/diagram" xmlns:o="urn:schemas-microsoft-com:office:office" xmlns:v="urn:schemas-microsoft-com:vml" xmlns:pvml="urn:schemas-microsoft-com:office:powerpoint" xmlns:com="http://schemas.openxmlformats.org/drawingml/2006/compatibility" xmlns:p14="http://schemas.microsoft.com/office/powerpoint/2010/main" xmlns:p15="http://schemas.microsoft.com/office/powerpoint/2012/main" xmlns:ahyp="http://schemas.microsoft.com/office/drawing/2018/hyperlinkcolor">
+<p:sld xmlns:a="http://schemas.openxmlformats.org/drawingml/2006/main" xmlns:r="http://schemas.openxmlformats.org/officeDocument/2006/relationships" xmlns:p="http://schemas.openxmlformats.org/presentationml/2006/main">
   <p:cSld>
     <p:spTree>
       <p:nvGrpSpPr>
-        <p:cNvPr id="58" name="Shape 58"/>
+        <p:cNvPr id="1" name="Shape 58"/>
         <p:cNvGrpSpPr/>
         <p:nvPr/>
       </p:nvGrpSpPr>
@@ -8769,7 +8994,9 @@
       <p:sp>
         <p:nvSpPr>
           <p:cNvPr id="59" name="Google Shape;59;p13"/>
-          <p:cNvSpPr txBox="1"/>
+          <p:cNvSpPr txBox="1">
+            <a:spLocks noGrp="1"/>
+          </p:cNvSpPr>
           <p:nvPr>
             <p:ph type="ctrTitle"/>
           </p:nvPr>
@@ -8784,12 +9011,12 @@
           </a:prstGeom>
         </p:spPr>
         <p:txBody>
-          <a:bodyPr anchorCtr="0" anchor="ctr" bIns="91425" lIns="91425" spcFirstLastPara="1" rIns="91425" wrap="square" tIns="91425">
+          <a:bodyPr spcFirstLastPara="1" wrap="square" lIns="91425" tIns="91425" rIns="91425" bIns="91425" anchor="ctr" anchorCtr="0">
             <a:normAutofit/>
           </a:bodyPr>
           <a:lstStyle/>
           <a:p>
-            <a:pPr indent="0" lvl="0" marL="0" rtl="0" algn="ctr">
+            <a:pPr marL="0" lvl="0" indent="0" algn="ctr" rtl="0">
               <a:spcBef>
                 <a:spcPts val="0"/>
               </a:spcBef>
@@ -8800,11 +9027,7 @@
             </a:pPr>
             <a:r>
               <a:rPr lang="ja"/>
-              <a:t>AI勉強会 </a:t>
-            </a:r>
-            <a:r>
-              <a:rPr lang="ja"/>
-              <a:t>8月</a:t>
+              <a:t>AI勉強会 8月</a:t>
             </a:r>
             <a:endParaRPr/>
           </a:p>
@@ -8813,9 +9036,11 @@
       <p:sp>
         <p:nvSpPr>
           <p:cNvPr id="60" name="Google Shape;60;p13"/>
-          <p:cNvSpPr txBox="1"/>
+          <p:cNvSpPr txBox="1">
+            <a:spLocks noGrp="1"/>
+          </p:cNvSpPr>
           <p:nvPr>
-            <p:ph idx="1" type="subTitle"/>
+            <p:ph type="subTitle" idx="1"/>
           </p:nvPr>
         </p:nvSpPr>
         <p:spPr>
@@ -8828,12 +9053,12 @@
           </a:prstGeom>
         </p:spPr>
         <p:txBody>
-          <a:bodyPr anchorCtr="0" anchor="b" bIns="91425" lIns="91425" spcFirstLastPara="1" rIns="91425" wrap="square" tIns="91425">
+          <a:bodyPr spcFirstLastPara="1" wrap="square" lIns="91425" tIns="91425" rIns="91425" bIns="91425" anchor="b" anchorCtr="0">
             <a:normAutofit/>
           </a:bodyPr>
           <a:lstStyle/>
           <a:p>
-            <a:pPr indent="0" lvl="0" marL="0" rtl="0" algn="ctr">
+            <a:pPr marL="0" lvl="0" indent="0" algn="ctr" rtl="0">
               <a:spcBef>
                 <a:spcPts val="0"/>
               </a:spcBef>
@@ -8870,12 +9095,12 @@
           </a:ln>
         </p:spPr>
         <p:txBody>
-          <a:bodyPr anchorCtr="0" anchor="t" bIns="91425" lIns="91425" spcFirstLastPara="1" rIns="91425" wrap="square" tIns="91425">
+          <a:bodyPr spcFirstLastPara="1" wrap="square" lIns="91425" tIns="91425" rIns="91425" bIns="91425" anchor="t" anchorCtr="0">
             <a:noAutofit/>
           </a:bodyPr>
           <a:lstStyle/>
           <a:p>
-            <a:pPr indent="0" lvl="0" marL="0" rtl="0" algn="l">
+            <a:pPr marL="0" lvl="0" indent="0" algn="l" rtl="0">
               <a:spcBef>
                 <a:spcPts val="0"/>
               </a:spcBef>
@@ -8884,9 +9109,6 @@
               </a:spcAft>
               <a:buNone/>
             </a:pPr>
-            <a:r>
-              <a:t/>
-            </a:r>
             <a:endParaRPr>
               <a:latin typeface="Lato"/>
               <a:ea typeface="Lato"/>
@@ -8905,11 +9127,11 @@
 </file>
 
 <file path=ppt/slides/slide10.xml><?xml version="1.0" encoding="utf-8"?>
-<p:sld xmlns:a="http://schemas.openxmlformats.org/drawingml/2006/main" xmlns:r="http://schemas.openxmlformats.org/officeDocument/2006/relationships" xmlns:mc="http://schemas.openxmlformats.org/markup-compatibility/2006" xmlns:mv="urn:schemas-microsoft-com:mac:vml" xmlns:p="http://schemas.openxmlformats.org/presentationml/2006/main" xmlns:c="http://schemas.openxmlformats.org/drawingml/2006/chart" xmlns:dgm="http://schemas.openxmlformats.org/drawingml/2006/diagram" xmlns:o="urn:schemas-microsoft-com:office:office" xmlns:v="urn:schemas-microsoft-com:vml" xmlns:pvml="urn:schemas-microsoft-com:office:powerpoint" xmlns:com="http://schemas.openxmlformats.org/drawingml/2006/compatibility" xmlns:p14="http://schemas.microsoft.com/office/powerpoint/2010/main" xmlns:p15="http://schemas.microsoft.com/office/powerpoint/2012/main" xmlns:ahyp="http://schemas.microsoft.com/office/drawing/2018/hyperlinkcolor">
+<p:sld xmlns:a="http://schemas.openxmlformats.org/drawingml/2006/main" xmlns:r="http://schemas.openxmlformats.org/officeDocument/2006/relationships" xmlns:p="http://schemas.openxmlformats.org/presentationml/2006/main">
   <p:cSld>
     <p:spTree>
       <p:nvGrpSpPr>
-        <p:cNvPr id="107" name="Shape 107"/>
+        <p:cNvPr id="1" name="Shape 107"/>
         <p:cNvGrpSpPr/>
         <p:nvPr/>
       </p:nvGrpSpPr>
@@ -8924,7 +9146,9 @@
       <p:sp>
         <p:nvSpPr>
           <p:cNvPr id="108" name="Google Shape;108;p22"/>
-          <p:cNvSpPr txBox="1"/>
+          <p:cNvSpPr txBox="1">
+            <a:spLocks noGrp="1"/>
+          </p:cNvSpPr>
           <p:nvPr>
             <p:ph type="title"/>
           </p:nvPr>
@@ -8939,12 +9163,12 @@
           </a:prstGeom>
         </p:spPr>
         <p:txBody>
-          <a:bodyPr anchorCtr="0" anchor="t" bIns="91425" lIns="91425" spcFirstLastPara="1" rIns="91425" wrap="square" tIns="91425">
+          <a:bodyPr spcFirstLastPara="1" wrap="square" lIns="91425" tIns="91425" rIns="91425" bIns="91425" anchor="t" anchorCtr="0">
             <a:normAutofit fontScale="90000"/>
           </a:bodyPr>
           <a:lstStyle/>
           <a:p>
-            <a:pPr indent="0" lvl="0" marL="0" rtl="0" algn="l">
+            <a:pPr marL="0" lvl="0" indent="0" algn="l" rtl="0">
               <a:spcBef>
                 <a:spcPts val="0"/>
               </a:spcBef>
@@ -8998,11 +9222,11 @@
 </file>
 
 <file path=ppt/slides/slide11.xml><?xml version="1.0" encoding="utf-8"?>
-<p:sld xmlns:a="http://schemas.openxmlformats.org/drawingml/2006/main" xmlns:r="http://schemas.openxmlformats.org/officeDocument/2006/relationships" xmlns:mc="http://schemas.openxmlformats.org/markup-compatibility/2006" xmlns:mv="urn:schemas-microsoft-com:mac:vml" xmlns:p="http://schemas.openxmlformats.org/presentationml/2006/main" xmlns:c="http://schemas.openxmlformats.org/drawingml/2006/chart" xmlns:dgm="http://schemas.openxmlformats.org/drawingml/2006/diagram" xmlns:o="urn:schemas-microsoft-com:office:office" xmlns:v="urn:schemas-microsoft-com:vml" xmlns:pvml="urn:schemas-microsoft-com:office:powerpoint" xmlns:com="http://schemas.openxmlformats.org/drawingml/2006/compatibility" xmlns:p14="http://schemas.microsoft.com/office/powerpoint/2010/main" xmlns:p15="http://schemas.microsoft.com/office/powerpoint/2012/main" xmlns:ahyp="http://schemas.microsoft.com/office/drawing/2018/hyperlinkcolor">
+<p:sld xmlns:a="http://schemas.openxmlformats.org/drawingml/2006/main" xmlns:r="http://schemas.openxmlformats.org/officeDocument/2006/relationships" xmlns:p="http://schemas.openxmlformats.org/presentationml/2006/main">
   <p:cSld>
     <p:spTree>
       <p:nvGrpSpPr>
-        <p:cNvPr id="113" name="Shape 113"/>
+        <p:cNvPr id="1" name="Shape 113"/>
         <p:cNvGrpSpPr/>
         <p:nvPr/>
       </p:nvGrpSpPr>
@@ -9052,7 +9276,7 @@
           <a:blip r:embed="rId4">
             <a:alphaModFix/>
           </a:blip>
-          <a:srcRect b="9873" l="10586" r="10412" t="9785"/>
+          <a:srcRect l="10586" t="9785" r="10412" b="9873"/>
           <a:stretch/>
         </p:blipFill>
         <p:spPr>
@@ -9072,7 +9296,9 @@
       <p:sp>
         <p:nvSpPr>
           <p:cNvPr id="116" name="Google Shape;116;p23"/>
-          <p:cNvSpPr txBox="1"/>
+          <p:cNvSpPr txBox="1">
+            <a:spLocks noGrp="1"/>
+          </p:cNvSpPr>
           <p:nvPr>
             <p:ph type="title"/>
           </p:nvPr>
@@ -9087,12 +9313,12 @@
           </a:prstGeom>
         </p:spPr>
         <p:txBody>
-          <a:bodyPr anchorCtr="0" anchor="t" bIns="91425" lIns="91425" spcFirstLastPara="1" rIns="91425" wrap="square" tIns="91425">
+          <a:bodyPr spcFirstLastPara="1" wrap="square" lIns="91425" tIns="91425" rIns="91425" bIns="91425" anchor="t" anchorCtr="0">
             <a:noAutofit/>
           </a:bodyPr>
           <a:lstStyle/>
           <a:p>
-            <a:pPr indent="0" lvl="0" marL="0" rtl="0" algn="l">
+            <a:pPr marL="0" lvl="0" indent="0" algn="l" rtl="0">
               <a:spcBef>
                 <a:spcPts val="0"/>
               </a:spcBef>
@@ -9109,16 +9335,7 @@
                 <a:cs typeface="Lato"/>
                 <a:sym typeface="Lato"/>
               </a:rPr>
-              <a:t>Q：</a:t>
-            </a:r>
-            <a:r>
-              <a:rPr lang="ja" sz="2000">
-                <a:latin typeface="Lato"/>
-                <a:ea typeface="Lato"/>
-                <a:cs typeface="Lato"/>
-                <a:sym typeface="Lato"/>
-              </a:rPr>
-              <a:t>ECサイトのログイン処理のシーケンス図を表現して</a:t>
+              <a:t>Q：ECサイトのログイン処理のシーケンス図を表現して</a:t>
             </a:r>
             <a:endParaRPr sz="2000">
               <a:latin typeface="Lato"/>
@@ -9138,11 +9355,11 @@
 </file>
 
 <file path=ppt/slides/slide12.xml><?xml version="1.0" encoding="utf-8"?>
-<p:sld xmlns:a="http://schemas.openxmlformats.org/drawingml/2006/main" xmlns:r="http://schemas.openxmlformats.org/officeDocument/2006/relationships" xmlns:mc="http://schemas.openxmlformats.org/markup-compatibility/2006" xmlns:mv="urn:schemas-microsoft-com:mac:vml" xmlns:p="http://schemas.openxmlformats.org/presentationml/2006/main" xmlns:c="http://schemas.openxmlformats.org/drawingml/2006/chart" xmlns:dgm="http://schemas.openxmlformats.org/drawingml/2006/diagram" xmlns:o="urn:schemas-microsoft-com:office:office" xmlns:v="urn:schemas-microsoft-com:vml" xmlns:pvml="urn:schemas-microsoft-com:office:powerpoint" xmlns:com="http://schemas.openxmlformats.org/drawingml/2006/compatibility" xmlns:p14="http://schemas.microsoft.com/office/powerpoint/2010/main" xmlns:p15="http://schemas.microsoft.com/office/powerpoint/2012/main" xmlns:ahyp="http://schemas.microsoft.com/office/drawing/2018/hyperlinkcolor">
+<p:sld xmlns:a="http://schemas.openxmlformats.org/drawingml/2006/main" xmlns:r="http://schemas.openxmlformats.org/officeDocument/2006/relationships" xmlns:p="http://schemas.openxmlformats.org/presentationml/2006/main">
   <p:cSld>
     <p:spTree>
       <p:nvGrpSpPr>
-        <p:cNvPr id="120" name="Shape 120"/>
+        <p:cNvPr id="1" name="Shape 120"/>
         <p:cNvGrpSpPr/>
         <p:nvPr/>
       </p:nvGrpSpPr>
@@ -9157,7 +9374,9 @@
       <p:sp>
         <p:nvSpPr>
           <p:cNvPr id="121" name="Google Shape;121;p24"/>
-          <p:cNvSpPr txBox="1"/>
+          <p:cNvSpPr txBox="1">
+            <a:spLocks noGrp="1"/>
+          </p:cNvSpPr>
           <p:nvPr>
             <p:ph type="title"/>
           </p:nvPr>
@@ -9172,12 +9391,12 @@
           </a:prstGeom>
         </p:spPr>
         <p:txBody>
-          <a:bodyPr anchorCtr="0" anchor="t" bIns="91425" lIns="91425" spcFirstLastPara="1" rIns="91425" wrap="square" tIns="91425">
+          <a:bodyPr spcFirstLastPara="1" wrap="square" lIns="91425" tIns="91425" rIns="91425" bIns="91425" anchor="t" anchorCtr="0">
             <a:noAutofit/>
           </a:bodyPr>
           <a:lstStyle/>
           <a:p>
-            <a:pPr indent="0" lvl="0" marL="0" rtl="0" algn="l">
+            <a:pPr marL="0" lvl="0" indent="0" algn="l" rtl="0">
               <a:spcBef>
                 <a:spcPts val="0"/>
               </a:spcBef>
@@ -9208,9 +9427,11 @@
       <p:sp>
         <p:nvSpPr>
           <p:cNvPr id="122" name="Google Shape;122;p24"/>
-          <p:cNvSpPr txBox="1"/>
+          <p:cNvSpPr txBox="1">
+            <a:spLocks noGrp="1"/>
+          </p:cNvSpPr>
           <p:nvPr>
-            <p:ph idx="1" type="body"/>
+            <p:ph type="body" idx="1"/>
           </p:nvPr>
         </p:nvSpPr>
         <p:spPr>
@@ -9223,12 +9444,12 @@
           </a:prstGeom>
         </p:spPr>
         <p:txBody>
-          <a:bodyPr anchorCtr="0" anchor="t" bIns="91425" lIns="91425" spcFirstLastPara="1" rIns="91425" wrap="square" tIns="91425">
+          <a:bodyPr spcFirstLastPara="1" wrap="square" lIns="91425" tIns="91425" rIns="91425" bIns="91425" anchor="t" anchorCtr="0">
             <a:normAutofit/>
           </a:bodyPr>
           <a:lstStyle/>
           <a:p>
-            <a:pPr indent="-355600" lvl="0" marL="457200" rtl="0" algn="l">
+            <a:pPr marL="457200" lvl="0" indent="-355600" algn="l" rtl="0">
               <a:lnSpc>
                 <a:spcPct val="150000"/>
               </a:lnSpc>
@@ -9248,7 +9469,7 @@
             <a:endParaRPr sz="2000"/>
           </a:p>
           <a:p>
-            <a:pPr indent="-330200" lvl="1" marL="914400" rtl="0" algn="l">
+            <a:pPr marL="914400" lvl="1" indent="-330200" algn="l" rtl="0">
               <a:lnSpc>
                 <a:spcPct val="150000"/>
               </a:lnSpc>
@@ -9263,16 +9484,12 @@
             </a:pPr>
             <a:r>
               <a:rPr lang="ja" sz="1600"/>
-              <a:t>一般的な処理を</a:t>
-            </a:r>
-            <a:r>
-              <a:rPr lang="ja" sz="1600"/>
-              <a:t>適切でかつ簡潔な流れを表現できている。</a:t>
+              <a:t>一般的な処理を適切でかつ簡潔な流れを表現できている。</a:t>
             </a:r>
             <a:endParaRPr sz="1600"/>
           </a:p>
           <a:p>
-            <a:pPr indent="-330200" lvl="2" marL="1371600" rtl="0" algn="l">
+            <a:pPr marL="1371600" lvl="2" indent="-330200" algn="l" rtl="0">
               <a:lnSpc>
                 <a:spcPct val="150000"/>
               </a:lnSpc>
@@ -9292,7 +9509,7 @@
             <a:endParaRPr sz="1600"/>
           </a:p>
           <a:p>
-            <a:pPr indent="-330200" lvl="1" marL="914400" rtl="0" algn="l">
+            <a:pPr marL="914400" lvl="1" indent="-330200" algn="l" rtl="0">
               <a:lnSpc>
                 <a:spcPct val="150000"/>
               </a:lnSpc>
@@ -9312,7 +9529,7 @@
             <a:endParaRPr sz="1600"/>
           </a:p>
           <a:p>
-            <a:pPr indent="-330200" lvl="2" marL="1371600" rtl="0" algn="l">
+            <a:pPr marL="1371600" lvl="2" indent="-330200" algn="l" rtl="0">
               <a:lnSpc>
                 <a:spcPct val="150000"/>
               </a:lnSpc>
@@ -9342,11 +9559,11 @@
 </file>
 
 <file path=ppt/slides/slide13.xml><?xml version="1.0" encoding="utf-8"?>
-<p:sld xmlns:a="http://schemas.openxmlformats.org/drawingml/2006/main" xmlns:r="http://schemas.openxmlformats.org/officeDocument/2006/relationships" xmlns:mc="http://schemas.openxmlformats.org/markup-compatibility/2006" xmlns:mv="urn:schemas-microsoft-com:mac:vml" xmlns:p="http://schemas.openxmlformats.org/presentationml/2006/main" xmlns:c="http://schemas.openxmlformats.org/drawingml/2006/chart" xmlns:dgm="http://schemas.openxmlformats.org/drawingml/2006/diagram" xmlns:o="urn:schemas-microsoft-com:office:office" xmlns:v="urn:schemas-microsoft-com:vml" xmlns:pvml="urn:schemas-microsoft-com:office:powerpoint" xmlns:com="http://schemas.openxmlformats.org/drawingml/2006/compatibility" xmlns:p14="http://schemas.microsoft.com/office/powerpoint/2010/main" xmlns:p15="http://schemas.microsoft.com/office/powerpoint/2012/main" xmlns:ahyp="http://schemas.microsoft.com/office/drawing/2018/hyperlinkcolor">
+<p:sld xmlns:a="http://schemas.openxmlformats.org/drawingml/2006/main" xmlns:r="http://schemas.openxmlformats.org/officeDocument/2006/relationships" xmlns:p="http://schemas.openxmlformats.org/presentationml/2006/main">
   <p:cSld>
     <p:spTree>
       <p:nvGrpSpPr>
-        <p:cNvPr id="126" name="Shape 126"/>
+        <p:cNvPr id="1" name="Shape 126"/>
         <p:cNvGrpSpPr/>
         <p:nvPr/>
       </p:nvGrpSpPr>
@@ -9361,7 +9578,9 @@
       <p:sp>
         <p:nvSpPr>
           <p:cNvPr id="127" name="Google Shape;127;p25"/>
-          <p:cNvSpPr txBox="1"/>
+          <p:cNvSpPr txBox="1">
+            <a:spLocks noGrp="1"/>
+          </p:cNvSpPr>
           <p:nvPr>
             <p:ph type="title"/>
           </p:nvPr>
@@ -9376,12 +9595,12 @@
           </a:prstGeom>
         </p:spPr>
         <p:txBody>
-          <a:bodyPr anchorCtr="0" anchor="ctr" bIns="91425" lIns="91425" spcFirstLastPara="1" rIns="91425" wrap="square" tIns="91425">
+          <a:bodyPr spcFirstLastPara="1" wrap="square" lIns="91425" tIns="91425" rIns="91425" bIns="91425" anchor="ctr" anchorCtr="0">
             <a:normAutofit/>
           </a:bodyPr>
           <a:lstStyle/>
           <a:p>
-            <a:pPr indent="0" lvl="0" marL="0" rtl="0" algn="ctr">
+            <a:pPr marL="0" lvl="0" indent="0" algn="ctr" rtl="0">
               <a:spcBef>
                 <a:spcPts val="0"/>
               </a:spcBef>
@@ -9414,11 +9633,11 @@
 </file>
 
 <file path=ppt/slides/slide14.xml><?xml version="1.0" encoding="utf-8"?>
-<p:sld xmlns:a="http://schemas.openxmlformats.org/drawingml/2006/main" xmlns:r="http://schemas.openxmlformats.org/officeDocument/2006/relationships" xmlns:mc="http://schemas.openxmlformats.org/markup-compatibility/2006" xmlns:mv="urn:schemas-microsoft-com:mac:vml" xmlns:p="http://schemas.openxmlformats.org/presentationml/2006/main" xmlns:c="http://schemas.openxmlformats.org/drawingml/2006/chart" xmlns:dgm="http://schemas.openxmlformats.org/drawingml/2006/diagram" xmlns:o="urn:schemas-microsoft-com:office:office" xmlns:v="urn:schemas-microsoft-com:vml" xmlns:pvml="urn:schemas-microsoft-com:office:powerpoint" xmlns:com="http://schemas.openxmlformats.org/drawingml/2006/compatibility" xmlns:p14="http://schemas.microsoft.com/office/powerpoint/2010/main" xmlns:p15="http://schemas.microsoft.com/office/powerpoint/2012/main" xmlns:ahyp="http://schemas.microsoft.com/office/drawing/2018/hyperlinkcolor">
+<p:sld xmlns:a="http://schemas.openxmlformats.org/drawingml/2006/main" xmlns:r="http://schemas.openxmlformats.org/officeDocument/2006/relationships" xmlns:p="http://schemas.openxmlformats.org/presentationml/2006/main">
   <p:cSld>
     <p:spTree>
       <p:nvGrpSpPr>
-        <p:cNvPr id="131" name="Shape 131"/>
+        <p:cNvPr id="1" name="Shape 131"/>
         <p:cNvGrpSpPr/>
         <p:nvPr/>
       </p:nvGrpSpPr>
@@ -9433,7 +9652,9 @@
       <p:sp>
         <p:nvSpPr>
           <p:cNvPr id="132" name="Google Shape;132;p26"/>
-          <p:cNvSpPr txBox="1"/>
+          <p:cNvSpPr txBox="1">
+            <a:spLocks noGrp="1"/>
+          </p:cNvSpPr>
           <p:nvPr>
             <p:ph type="title"/>
           </p:nvPr>
@@ -9448,12 +9669,12 @@
           </a:prstGeom>
         </p:spPr>
         <p:txBody>
-          <a:bodyPr anchorCtr="0" anchor="t" bIns="91425" lIns="91425" spcFirstLastPara="1" rIns="91425" wrap="square" tIns="91425">
+          <a:bodyPr spcFirstLastPara="1" wrap="square" lIns="91425" tIns="91425" rIns="91425" bIns="91425" anchor="t" anchorCtr="0">
             <a:normAutofit fontScale="90000"/>
           </a:bodyPr>
           <a:lstStyle/>
           <a:p>
-            <a:pPr indent="0" lvl="0" marL="0" rtl="0" algn="l">
+            <a:pPr marL="0" lvl="0" indent="0" algn="l" rtl="0">
               <a:spcBef>
                 <a:spcPts val="0"/>
               </a:spcBef>
@@ -9480,7 +9701,7 @@
           <a:blip r:embed="rId3">
             <a:alphaModFix/>
           </a:blip>
-          <a:srcRect b="5276" l="0" r="0" t="0"/>
+          <a:srcRect b="5276"/>
           <a:stretch/>
         </p:blipFill>
         <p:spPr>
@@ -9506,11 +9727,11 @@
 </file>
 
 <file path=ppt/slides/slide15.xml><?xml version="1.0" encoding="utf-8"?>
-<p:sld xmlns:a="http://schemas.openxmlformats.org/drawingml/2006/main" xmlns:r="http://schemas.openxmlformats.org/officeDocument/2006/relationships" xmlns:mc="http://schemas.openxmlformats.org/markup-compatibility/2006" xmlns:mv="urn:schemas-microsoft-com:mac:vml" xmlns:p="http://schemas.openxmlformats.org/presentationml/2006/main" xmlns:c="http://schemas.openxmlformats.org/drawingml/2006/chart" xmlns:dgm="http://schemas.openxmlformats.org/drawingml/2006/diagram" xmlns:o="urn:schemas-microsoft-com:office:office" xmlns:v="urn:schemas-microsoft-com:vml" xmlns:pvml="urn:schemas-microsoft-com:office:powerpoint" xmlns:com="http://schemas.openxmlformats.org/drawingml/2006/compatibility" xmlns:p14="http://schemas.microsoft.com/office/powerpoint/2010/main" xmlns:p15="http://schemas.microsoft.com/office/powerpoint/2012/main" xmlns:ahyp="http://schemas.microsoft.com/office/drawing/2018/hyperlinkcolor">
+<p:sld xmlns:a="http://schemas.openxmlformats.org/drawingml/2006/main" xmlns:r="http://schemas.openxmlformats.org/officeDocument/2006/relationships" xmlns:p="http://schemas.openxmlformats.org/presentationml/2006/main">
   <p:cSld>
     <p:spTree>
       <p:nvGrpSpPr>
-        <p:cNvPr id="137" name="Shape 137"/>
+        <p:cNvPr id="1" name="Shape 137"/>
         <p:cNvGrpSpPr/>
         <p:nvPr/>
       </p:nvGrpSpPr>
@@ -9525,7 +9746,9 @@
       <p:sp>
         <p:nvSpPr>
           <p:cNvPr id="138" name="Google Shape;138;p27"/>
-          <p:cNvSpPr txBox="1"/>
+          <p:cNvSpPr txBox="1">
+            <a:spLocks noGrp="1"/>
+          </p:cNvSpPr>
           <p:nvPr>
             <p:ph type="title"/>
           </p:nvPr>
@@ -9540,12 +9763,12 @@
           </a:prstGeom>
         </p:spPr>
         <p:txBody>
-          <a:bodyPr anchorCtr="0" anchor="t" bIns="91425" lIns="91425" spcFirstLastPara="1" rIns="91425" wrap="square" tIns="91425">
+          <a:bodyPr spcFirstLastPara="1" wrap="square" lIns="91425" tIns="91425" rIns="91425" bIns="91425" anchor="t" anchorCtr="0">
             <a:normAutofit fontScale="90000"/>
           </a:bodyPr>
           <a:lstStyle/>
           <a:p>
-            <a:pPr indent="0" lvl="0" marL="0" rtl="0" algn="l">
+            <a:pPr marL="0" lvl="0" indent="0" algn="l" rtl="0">
               <a:spcBef>
                 <a:spcPts val="0"/>
               </a:spcBef>
@@ -9565,9 +9788,11 @@
       <p:sp>
         <p:nvSpPr>
           <p:cNvPr id="139" name="Google Shape;139;p27"/>
-          <p:cNvSpPr txBox="1"/>
+          <p:cNvSpPr txBox="1">
+            <a:spLocks noGrp="1"/>
+          </p:cNvSpPr>
           <p:nvPr>
-            <p:ph idx="1" type="body"/>
+            <p:ph type="body" idx="1"/>
           </p:nvPr>
         </p:nvSpPr>
         <p:spPr>
@@ -9580,12 +9805,12 @@
           </a:prstGeom>
         </p:spPr>
         <p:txBody>
-          <a:bodyPr anchorCtr="0" anchor="t" bIns="91425" lIns="91425" spcFirstLastPara="1" rIns="91425" wrap="square" tIns="91425">
+          <a:bodyPr spcFirstLastPara="1" wrap="square" lIns="91425" tIns="91425" rIns="91425" bIns="91425" anchor="t" anchorCtr="0">
             <a:normAutofit/>
           </a:bodyPr>
           <a:lstStyle/>
           <a:p>
-            <a:pPr indent="0" lvl="0" marL="0" rtl="0" algn="l">
+            <a:pPr marL="0" lvl="0" indent="0" algn="l" rtl="0">
               <a:spcBef>
                 <a:spcPts val="0"/>
               </a:spcBef>
@@ -9639,11 +9864,11 @@
 </file>
 
 <file path=ppt/slides/slide16.xml><?xml version="1.0" encoding="utf-8"?>
-<p:sld xmlns:a="http://schemas.openxmlformats.org/drawingml/2006/main" xmlns:r="http://schemas.openxmlformats.org/officeDocument/2006/relationships" xmlns:mc="http://schemas.openxmlformats.org/markup-compatibility/2006" xmlns:mv="urn:schemas-microsoft-com:mac:vml" xmlns:p="http://schemas.openxmlformats.org/presentationml/2006/main" xmlns:c="http://schemas.openxmlformats.org/drawingml/2006/chart" xmlns:dgm="http://schemas.openxmlformats.org/drawingml/2006/diagram" xmlns:o="urn:schemas-microsoft-com:office:office" xmlns:v="urn:schemas-microsoft-com:vml" xmlns:pvml="urn:schemas-microsoft-com:office:powerpoint" xmlns:com="http://schemas.openxmlformats.org/drawingml/2006/compatibility" xmlns:p14="http://schemas.microsoft.com/office/powerpoint/2010/main" xmlns:p15="http://schemas.microsoft.com/office/powerpoint/2012/main" xmlns:ahyp="http://schemas.microsoft.com/office/drawing/2018/hyperlinkcolor">
+<p:sld xmlns:a="http://schemas.openxmlformats.org/drawingml/2006/main" xmlns:r="http://schemas.openxmlformats.org/officeDocument/2006/relationships" xmlns:p="http://schemas.openxmlformats.org/presentationml/2006/main">
   <p:cSld>
     <p:spTree>
       <p:nvGrpSpPr>
-        <p:cNvPr id="144" name="Shape 144"/>
+        <p:cNvPr id="1" name="Shape 144"/>
         <p:cNvGrpSpPr/>
         <p:nvPr/>
       </p:nvGrpSpPr>
@@ -9658,7 +9883,9 @@
       <p:sp>
         <p:nvSpPr>
           <p:cNvPr id="145" name="Google Shape;145;p28"/>
-          <p:cNvSpPr txBox="1"/>
+          <p:cNvSpPr txBox="1">
+            <a:spLocks noGrp="1"/>
+          </p:cNvSpPr>
           <p:nvPr>
             <p:ph type="title"/>
           </p:nvPr>
@@ -9673,12 +9900,12 @@
           </a:prstGeom>
         </p:spPr>
         <p:txBody>
-          <a:bodyPr anchorCtr="0" anchor="t" bIns="91425" lIns="91425" spcFirstLastPara="1" rIns="91425" wrap="square" tIns="91425">
+          <a:bodyPr spcFirstLastPara="1" wrap="square" lIns="91425" tIns="91425" rIns="91425" bIns="91425" anchor="t" anchorCtr="0">
             <a:normAutofit fontScale="90000"/>
           </a:bodyPr>
           <a:lstStyle/>
           <a:p>
-            <a:pPr indent="0" lvl="0" marL="0" rtl="0" algn="l">
+            <a:pPr marL="0" lvl="0" indent="0" algn="l" rtl="0">
               <a:spcBef>
                 <a:spcPts val="0"/>
               </a:spcBef>
@@ -9715,7 +9942,7 @@
           <a:blip r:embed="rId3">
             <a:alphaModFix/>
           </a:blip>
-          <a:srcRect b="4980" l="10461" r="9621" t="4953"/>
+          <a:srcRect l="10461" t="4953" r="9621" b="4980"/>
           <a:stretch/>
         </p:blipFill>
         <p:spPr>
@@ -9769,11 +9996,11 @@
 </file>
 
 <file path=ppt/slides/slide17.xml><?xml version="1.0" encoding="utf-8"?>
-<p:sld xmlns:a="http://schemas.openxmlformats.org/drawingml/2006/main" xmlns:r="http://schemas.openxmlformats.org/officeDocument/2006/relationships" xmlns:mc="http://schemas.openxmlformats.org/markup-compatibility/2006" xmlns:mv="urn:schemas-microsoft-com:mac:vml" xmlns:p="http://schemas.openxmlformats.org/presentationml/2006/main" xmlns:c="http://schemas.openxmlformats.org/drawingml/2006/chart" xmlns:dgm="http://schemas.openxmlformats.org/drawingml/2006/diagram" xmlns:o="urn:schemas-microsoft-com:office:office" xmlns:v="urn:schemas-microsoft-com:vml" xmlns:pvml="urn:schemas-microsoft-com:office:powerpoint" xmlns:com="http://schemas.openxmlformats.org/drawingml/2006/compatibility" xmlns:p14="http://schemas.microsoft.com/office/powerpoint/2010/main" xmlns:p15="http://schemas.microsoft.com/office/powerpoint/2012/main" xmlns:ahyp="http://schemas.microsoft.com/office/drawing/2018/hyperlinkcolor">
+<p:sld xmlns:a="http://schemas.openxmlformats.org/drawingml/2006/main" xmlns:r="http://schemas.openxmlformats.org/officeDocument/2006/relationships" xmlns:p="http://schemas.openxmlformats.org/presentationml/2006/main">
   <p:cSld>
     <p:spTree>
       <p:nvGrpSpPr>
-        <p:cNvPr id="151" name="Shape 151"/>
+        <p:cNvPr id="1" name="Shape 151"/>
         <p:cNvGrpSpPr/>
         <p:nvPr/>
       </p:nvGrpSpPr>
@@ -9788,7 +10015,9 @@
       <p:sp>
         <p:nvSpPr>
           <p:cNvPr id="152" name="Google Shape;152;p29"/>
-          <p:cNvSpPr txBox="1"/>
+          <p:cNvSpPr txBox="1">
+            <a:spLocks noGrp="1"/>
+          </p:cNvSpPr>
           <p:nvPr>
             <p:ph type="title"/>
           </p:nvPr>
@@ -9803,12 +10032,12 @@
           </a:prstGeom>
         </p:spPr>
         <p:txBody>
-          <a:bodyPr anchorCtr="0" anchor="t" bIns="91425" lIns="91425" spcFirstLastPara="1" rIns="91425" wrap="square" tIns="91425">
+          <a:bodyPr spcFirstLastPara="1" wrap="square" lIns="91425" tIns="91425" rIns="91425" bIns="91425" anchor="t" anchorCtr="0">
             <a:normAutofit fontScale="90000"/>
           </a:bodyPr>
           <a:lstStyle/>
           <a:p>
-            <a:pPr indent="0" lvl="0" marL="0" rtl="0" algn="l">
+            <a:pPr marL="0" lvl="0" indent="0" algn="l" rtl="0">
               <a:spcBef>
                 <a:spcPts val="0"/>
               </a:spcBef>
@@ -9845,7 +10074,7 @@
           <a:blip r:embed="rId3">
             <a:alphaModFix/>
           </a:blip>
-          <a:srcRect b="4518" l="9994" r="9145" t="4745"/>
+          <a:srcRect l="9994" t="4745" r="9145" b="4518"/>
           <a:stretch/>
         </p:blipFill>
         <p:spPr>
@@ -9899,11 +10128,11 @@
 </file>
 
 <file path=ppt/slides/slide18.xml><?xml version="1.0" encoding="utf-8"?>
-<p:sld xmlns:a="http://schemas.openxmlformats.org/drawingml/2006/main" xmlns:r="http://schemas.openxmlformats.org/officeDocument/2006/relationships" xmlns:mc="http://schemas.openxmlformats.org/markup-compatibility/2006" xmlns:mv="urn:schemas-microsoft-com:mac:vml" xmlns:p="http://schemas.openxmlformats.org/presentationml/2006/main" xmlns:c="http://schemas.openxmlformats.org/drawingml/2006/chart" xmlns:dgm="http://schemas.openxmlformats.org/drawingml/2006/diagram" xmlns:o="urn:schemas-microsoft-com:office:office" xmlns:v="urn:schemas-microsoft-com:vml" xmlns:pvml="urn:schemas-microsoft-com:office:powerpoint" xmlns:com="http://schemas.openxmlformats.org/drawingml/2006/compatibility" xmlns:p14="http://schemas.microsoft.com/office/powerpoint/2010/main" xmlns:p15="http://schemas.microsoft.com/office/powerpoint/2012/main" xmlns:ahyp="http://schemas.microsoft.com/office/drawing/2018/hyperlinkcolor">
+<p:sld xmlns:a="http://schemas.openxmlformats.org/drawingml/2006/main" xmlns:r="http://schemas.openxmlformats.org/officeDocument/2006/relationships" xmlns:p="http://schemas.openxmlformats.org/presentationml/2006/main">
   <p:cSld>
     <p:spTree>
       <p:nvGrpSpPr>
-        <p:cNvPr id="158" name="Shape 158"/>
+        <p:cNvPr id="1" name="Shape 158"/>
         <p:cNvGrpSpPr/>
         <p:nvPr/>
       </p:nvGrpSpPr>
@@ -9918,7 +10147,9 @@
       <p:sp>
         <p:nvSpPr>
           <p:cNvPr id="159" name="Google Shape;159;p30"/>
-          <p:cNvSpPr txBox="1"/>
+          <p:cNvSpPr txBox="1">
+            <a:spLocks noGrp="1"/>
+          </p:cNvSpPr>
           <p:nvPr>
             <p:ph type="title"/>
           </p:nvPr>
@@ -9933,12 +10164,12 @@
           </a:prstGeom>
         </p:spPr>
         <p:txBody>
-          <a:bodyPr anchorCtr="0" anchor="t" bIns="91425" lIns="91425" spcFirstLastPara="1" rIns="91425" wrap="square" tIns="91425">
+          <a:bodyPr spcFirstLastPara="1" wrap="square" lIns="91425" tIns="91425" rIns="91425" bIns="91425" anchor="t" anchorCtr="0">
             <a:normAutofit fontScale="90000"/>
           </a:bodyPr>
           <a:lstStyle/>
           <a:p>
-            <a:pPr indent="0" lvl="0" marL="0" rtl="0" algn="l">
+            <a:pPr marL="0" lvl="0" indent="0" algn="l" rtl="0">
               <a:spcBef>
                 <a:spcPts val="0"/>
               </a:spcBef>
@@ -9975,7 +10206,7 @@
           <a:blip r:embed="rId3">
             <a:alphaModFix/>
           </a:blip>
-          <a:srcRect b="9191" l="10206" r="9991" t="9175"/>
+          <a:srcRect l="10206" t="9175" r="9991" b="9191"/>
           <a:stretch/>
         </p:blipFill>
         <p:spPr>
@@ -10029,11 +10260,11 @@
 </file>
 
 <file path=ppt/slides/slide19.xml><?xml version="1.0" encoding="utf-8"?>
-<p:sld xmlns:a="http://schemas.openxmlformats.org/drawingml/2006/main" xmlns:r="http://schemas.openxmlformats.org/officeDocument/2006/relationships" xmlns:mc="http://schemas.openxmlformats.org/markup-compatibility/2006" xmlns:mv="urn:schemas-microsoft-com:mac:vml" xmlns:p="http://schemas.openxmlformats.org/presentationml/2006/main" xmlns:c="http://schemas.openxmlformats.org/drawingml/2006/chart" xmlns:dgm="http://schemas.openxmlformats.org/drawingml/2006/diagram" xmlns:o="urn:schemas-microsoft-com:office:office" xmlns:v="urn:schemas-microsoft-com:vml" xmlns:pvml="urn:schemas-microsoft-com:office:powerpoint" xmlns:com="http://schemas.openxmlformats.org/drawingml/2006/compatibility" xmlns:p14="http://schemas.microsoft.com/office/powerpoint/2010/main" xmlns:p15="http://schemas.microsoft.com/office/powerpoint/2012/main" xmlns:ahyp="http://schemas.microsoft.com/office/drawing/2018/hyperlinkcolor">
+<p:sld xmlns:a="http://schemas.openxmlformats.org/drawingml/2006/main" xmlns:r="http://schemas.openxmlformats.org/officeDocument/2006/relationships" xmlns:p="http://schemas.openxmlformats.org/presentationml/2006/main">
   <p:cSld>
     <p:spTree>
       <p:nvGrpSpPr>
-        <p:cNvPr id="165" name="Shape 165"/>
+        <p:cNvPr id="1" name="Shape 165"/>
         <p:cNvGrpSpPr/>
         <p:nvPr/>
       </p:nvGrpSpPr>
@@ -10048,7 +10279,9 @@
       <p:sp>
         <p:nvSpPr>
           <p:cNvPr id="166" name="Google Shape;166;p31"/>
-          <p:cNvSpPr txBox="1"/>
+          <p:cNvSpPr txBox="1">
+            <a:spLocks noGrp="1"/>
+          </p:cNvSpPr>
           <p:nvPr>
             <p:ph type="title"/>
           </p:nvPr>
@@ -10063,12 +10296,12 @@
           </a:prstGeom>
         </p:spPr>
         <p:txBody>
-          <a:bodyPr anchorCtr="0" anchor="t" bIns="91425" lIns="91425" spcFirstLastPara="1" rIns="91425" wrap="square" tIns="91425">
+          <a:bodyPr spcFirstLastPara="1" wrap="square" lIns="91425" tIns="91425" rIns="91425" bIns="91425" anchor="t" anchorCtr="0">
             <a:noAutofit/>
           </a:bodyPr>
           <a:lstStyle/>
           <a:p>
-            <a:pPr indent="0" lvl="0" marL="0" rtl="0" algn="l">
+            <a:pPr marL="0" lvl="0" indent="0" algn="l" rtl="0">
               <a:spcBef>
                 <a:spcPts val="0"/>
               </a:spcBef>
@@ -10099,9 +10332,11 @@
       <p:sp>
         <p:nvSpPr>
           <p:cNvPr id="167" name="Google Shape;167;p31"/>
-          <p:cNvSpPr txBox="1"/>
+          <p:cNvSpPr txBox="1">
+            <a:spLocks noGrp="1"/>
+          </p:cNvSpPr>
           <p:nvPr>
-            <p:ph idx="1" type="body"/>
+            <p:ph type="body" idx="1"/>
           </p:nvPr>
         </p:nvSpPr>
         <p:spPr>
@@ -10114,12 +10349,12 @@
           </a:prstGeom>
         </p:spPr>
         <p:txBody>
-          <a:bodyPr anchorCtr="0" anchor="t" bIns="91425" lIns="91425" spcFirstLastPara="1" rIns="91425" wrap="square" tIns="91425">
+          <a:bodyPr spcFirstLastPara="1" wrap="square" lIns="91425" tIns="91425" rIns="91425" bIns="91425" anchor="t" anchorCtr="0">
             <a:normAutofit fontScale="85000" lnSpcReduction="10000"/>
           </a:bodyPr>
           <a:lstStyle/>
           <a:p>
-            <a:pPr indent="-347345" lvl="0" marL="457200" rtl="0" algn="l">
+            <a:pPr marL="457200" lvl="0" indent="-347345" algn="l" rtl="0">
               <a:lnSpc>
                 <a:spcPct val="150000"/>
               </a:lnSpc>
@@ -10139,7 +10374,7 @@
             <a:endParaRPr/>
           </a:p>
           <a:p>
-            <a:pPr indent="-304165" lvl="1" marL="914400" rtl="0" algn="l">
+            <a:pPr marL="914400" lvl="1" indent="-304165" algn="l" rtl="0">
               <a:lnSpc>
                 <a:spcPct val="150000"/>
               </a:lnSpc>
@@ -10159,7 +10394,7 @@
             <a:endParaRPr/>
           </a:p>
           <a:p>
-            <a:pPr indent="-304164" lvl="2" marL="1371600" rtl="0" algn="l">
+            <a:pPr marL="1371600" lvl="2" indent="-304164" algn="l" rtl="0">
               <a:lnSpc>
                 <a:spcPct val="150000"/>
               </a:lnSpc>
@@ -10179,7 +10414,7 @@
             <a:endParaRPr/>
           </a:p>
           <a:p>
-            <a:pPr indent="-304164" lvl="3" marL="1828800" rtl="0" algn="l">
+            <a:pPr marL="1828800" lvl="3" indent="-304164" algn="l" rtl="0">
               <a:lnSpc>
                 <a:spcPct val="150000"/>
               </a:lnSpc>
@@ -10199,7 +10434,7 @@
             <a:endParaRPr/>
           </a:p>
           <a:p>
-            <a:pPr indent="-304164" lvl="3" marL="1828800" rtl="0" algn="l">
+            <a:pPr marL="1828800" lvl="3" indent="-304164" algn="l" rtl="0">
               <a:lnSpc>
                 <a:spcPct val="150000"/>
               </a:lnSpc>
@@ -10219,7 +10454,7 @@
             <a:endParaRPr/>
           </a:p>
           <a:p>
-            <a:pPr indent="-325755" lvl="0" marL="457200" rtl="0" algn="l">
+            <a:pPr marL="457200" lvl="0" indent="-325755" algn="l" rtl="0">
               <a:lnSpc>
                 <a:spcPct val="150000"/>
               </a:lnSpc>
@@ -10239,7 +10474,7 @@
             <a:endParaRPr/>
           </a:p>
           <a:p>
-            <a:pPr indent="-304165" lvl="1" marL="914400" rtl="0" algn="l">
+            <a:pPr marL="914400" lvl="1" indent="-304165" algn="l" rtl="0">
               <a:lnSpc>
                 <a:spcPct val="150000"/>
               </a:lnSpc>
@@ -10259,7 +10494,7 @@
             <a:endParaRPr/>
           </a:p>
           <a:p>
-            <a:pPr indent="-304165" lvl="1" marL="914400" rtl="0" algn="l">
+            <a:pPr marL="914400" lvl="1" indent="-304165" algn="l" rtl="0">
               <a:lnSpc>
                 <a:spcPct val="150000"/>
               </a:lnSpc>
@@ -10279,7 +10514,7 @@
             <a:endParaRPr/>
           </a:p>
           <a:p>
-            <a:pPr indent="-304164" lvl="2" marL="1371600" rtl="0" algn="l">
+            <a:pPr marL="1371600" lvl="2" indent="-304164" algn="l" rtl="0">
               <a:lnSpc>
                 <a:spcPct val="150000"/>
               </a:lnSpc>
@@ -10299,7 +10534,7 @@
             <a:endParaRPr/>
           </a:p>
           <a:p>
-            <a:pPr indent="-325755" lvl="0" marL="457200" rtl="0" algn="l">
+            <a:pPr marL="457200" lvl="0" indent="-325755" algn="l" rtl="0">
               <a:lnSpc>
                 <a:spcPct val="150000"/>
               </a:lnSpc>
@@ -10319,7 +10554,7 @@
             <a:endParaRPr/>
           </a:p>
           <a:p>
-            <a:pPr indent="-304165" lvl="1" marL="914400" rtl="0" algn="l">
+            <a:pPr marL="914400" lvl="1" indent="-304165" algn="l" rtl="0">
               <a:lnSpc>
                 <a:spcPct val="150000"/>
               </a:lnSpc>
@@ -10339,7 +10574,7 @@
             <a:endParaRPr/>
           </a:p>
           <a:p>
-            <a:pPr indent="-304165" lvl="1" marL="914400" rtl="0" algn="l">
+            <a:pPr marL="914400" lvl="1" indent="-304165" algn="l" rtl="0">
               <a:lnSpc>
                 <a:spcPct val="150000"/>
               </a:lnSpc>
@@ -10359,7 +10594,7 @@
             <a:endParaRPr/>
           </a:p>
           <a:p>
-            <a:pPr indent="-304165" lvl="1" marL="914400" rtl="0" algn="l">
+            <a:pPr marL="914400" lvl="1" indent="-304165" algn="l" rtl="0">
               <a:lnSpc>
                 <a:spcPct val="150000"/>
               </a:lnSpc>
@@ -10389,11 +10624,11 @@
 </file>
 
 <file path=ppt/slides/slide2.xml><?xml version="1.0" encoding="utf-8"?>
-<p:sld xmlns:a="http://schemas.openxmlformats.org/drawingml/2006/main" xmlns:r="http://schemas.openxmlformats.org/officeDocument/2006/relationships" xmlns:mc="http://schemas.openxmlformats.org/markup-compatibility/2006" xmlns:mv="urn:schemas-microsoft-com:mac:vml" xmlns:p="http://schemas.openxmlformats.org/presentationml/2006/main" xmlns:c="http://schemas.openxmlformats.org/drawingml/2006/chart" xmlns:dgm="http://schemas.openxmlformats.org/drawingml/2006/diagram" xmlns:o="urn:schemas-microsoft-com:office:office" xmlns:v="urn:schemas-microsoft-com:vml" xmlns:pvml="urn:schemas-microsoft-com:office:powerpoint" xmlns:com="http://schemas.openxmlformats.org/drawingml/2006/compatibility" xmlns:p14="http://schemas.microsoft.com/office/powerpoint/2010/main" xmlns:p15="http://schemas.microsoft.com/office/powerpoint/2012/main" xmlns:ahyp="http://schemas.microsoft.com/office/drawing/2018/hyperlinkcolor">
+<p:sld xmlns:a="http://schemas.openxmlformats.org/drawingml/2006/main" xmlns:r="http://schemas.openxmlformats.org/officeDocument/2006/relationships" xmlns:p="http://schemas.openxmlformats.org/presentationml/2006/main">
   <p:cSld>
     <p:spTree>
       <p:nvGrpSpPr>
-        <p:cNvPr id="65" name="Shape 65"/>
+        <p:cNvPr id="1" name="Shape 65"/>
         <p:cNvGrpSpPr/>
         <p:nvPr/>
       </p:nvGrpSpPr>
@@ -10408,7 +10643,9 @@
       <p:sp>
         <p:nvSpPr>
           <p:cNvPr id="66" name="Google Shape;66;p14"/>
-          <p:cNvSpPr txBox="1"/>
+          <p:cNvSpPr txBox="1">
+            <a:spLocks noGrp="1"/>
+          </p:cNvSpPr>
           <p:nvPr>
             <p:ph type="title"/>
           </p:nvPr>
@@ -10423,12 +10660,12 @@
           </a:prstGeom>
         </p:spPr>
         <p:txBody>
-          <a:bodyPr anchorCtr="0" anchor="ctr" bIns="91425" lIns="91425" spcFirstLastPara="1" rIns="91425" wrap="square" tIns="91425">
+          <a:bodyPr spcFirstLastPara="1" wrap="square" lIns="91425" tIns="91425" rIns="91425" bIns="91425" anchor="ctr" anchorCtr="0">
             <a:normAutofit/>
           </a:bodyPr>
           <a:lstStyle/>
           <a:p>
-            <a:pPr indent="0" lvl="0" marL="0" rtl="0" algn="ctr">
+            <a:pPr marL="0" lvl="0" indent="0" algn="ctr" rtl="0">
               <a:spcBef>
                 <a:spcPts val="0"/>
               </a:spcBef>
@@ -10444,7 +10681,7 @@
             <a:endParaRPr sz="2800"/>
           </a:p>
           <a:p>
-            <a:pPr indent="0" lvl="0" marL="457200" rtl="0" algn="ctr">
+            <a:pPr marL="457200" lvl="0" indent="0" algn="ctr" rtl="0">
               <a:spcBef>
                 <a:spcPts val="0"/>
               </a:spcBef>
@@ -10470,11 +10707,11 @@
 </file>
 
 <file path=ppt/slides/slide20.xml><?xml version="1.0" encoding="utf-8"?>
-<p:sld xmlns:a="http://schemas.openxmlformats.org/drawingml/2006/main" xmlns:r="http://schemas.openxmlformats.org/officeDocument/2006/relationships" xmlns:mc="http://schemas.openxmlformats.org/markup-compatibility/2006" xmlns:mv="urn:schemas-microsoft-com:mac:vml" xmlns:p="http://schemas.openxmlformats.org/presentationml/2006/main" xmlns:c="http://schemas.openxmlformats.org/drawingml/2006/chart" xmlns:dgm="http://schemas.openxmlformats.org/drawingml/2006/diagram" xmlns:o="urn:schemas-microsoft-com:office:office" xmlns:v="urn:schemas-microsoft-com:vml" xmlns:pvml="urn:schemas-microsoft-com:office:powerpoint" xmlns:com="http://schemas.openxmlformats.org/drawingml/2006/compatibility" xmlns:p14="http://schemas.microsoft.com/office/powerpoint/2010/main" xmlns:p15="http://schemas.microsoft.com/office/powerpoint/2012/main" xmlns:ahyp="http://schemas.microsoft.com/office/drawing/2018/hyperlinkcolor">
+<p:sld xmlns:a="http://schemas.openxmlformats.org/drawingml/2006/main" xmlns:r="http://schemas.openxmlformats.org/officeDocument/2006/relationships" xmlns:p="http://schemas.openxmlformats.org/presentationml/2006/main">
   <p:cSld>
     <p:spTree>
       <p:nvGrpSpPr>
-        <p:cNvPr id="171" name="Shape 171"/>
+        <p:cNvPr id="1" name="Shape 171"/>
         <p:cNvGrpSpPr/>
         <p:nvPr/>
       </p:nvGrpSpPr>
@@ -10489,7 +10726,9 @@
       <p:sp>
         <p:nvSpPr>
           <p:cNvPr id="172" name="Google Shape;172;p32"/>
-          <p:cNvSpPr txBox="1"/>
+          <p:cNvSpPr txBox="1">
+            <a:spLocks noGrp="1"/>
+          </p:cNvSpPr>
           <p:nvPr>
             <p:ph type="title"/>
           </p:nvPr>
@@ -10504,12 +10743,12 @@
           </a:prstGeom>
         </p:spPr>
         <p:txBody>
-          <a:bodyPr anchorCtr="0" anchor="t" bIns="91425" lIns="91425" spcFirstLastPara="1" rIns="91425" wrap="square" tIns="91425">
+          <a:bodyPr spcFirstLastPara="1" wrap="square" lIns="91425" tIns="91425" rIns="91425" bIns="91425" anchor="t" anchorCtr="0">
             <a:noAutofit/>
           </a:bodyPr>
           <a:lstStyle/>
           <a:p>
-            <a:pPr indent="0" lvl="0" marL="0" rtl="0" algn="l">
+            <a:pPr marL="0" lvl="0" indent="0" algn="l" rtl="0">
               <a:spcBef>
                 <a:spcPts val="0"/>
               </a:spcBef>
@@ -10540,9 +10779,11 @@
       <p:sp>
         <p:nvSpPr>
           <p:cNvPr id="173" name="Google Shape;173;p32"/>
-          <p:cNvSpPr txBox="1"/>
+          <p:cNvSpPr txBox="1">
+            <a:spLocks noGrp="1"/>
+          </p:cNvSpPr>
           <p:nvPr>
-            <p:ph idx="1" type="body"/>
+            <p:ph type="body" idx="1"/>
           </p:nvPr>
         </p:nvSpPr>
         <p:spPr>
@@ -10555,12 +10796,12 @@
           </a:prstGeom>
         </p:spPr>
         <p:txBody>
-          <a:bodyPr anchorCtr="0" anchor="t" bIns="91425" lIns="91425" spcFirstLastPara="1" rIns="91425" wrap="square" tIns="91425">
+          <a:bodyPr spcFirstLastPara="1" wrap="square" lIns="91425" tIns="91425" rIns="91425" bIns="91425" anchor="t" anchorCtr="0">
             <a:normAutofit/>
           </a:bodyPr>
           <a:lstStyle/>
           <a:p>
-            <a:pPr indent="-342900" lvl="0" marL="457200" rtl="0" algn="l">
+            <a:pPr marL="457200" lvl="0" indent="-342900" algn="l" rtl="0">
               <a:lnSpc>
                 <a:spcPct val="115000"/>
               </a:lnSpc>
@@ -10580,7 +10821,7 @@
             <a:endParaRPr/>
           </a:p>
           <a:p>
-            <a:pPr indent="-317500" lvl="1" marL="914400" rtl="0" algn="l">
+            <a:pPr marL="914400" lvl="1" indent="-317500" algn="l" rtl="0">
               <a:lnSpc>
                 <a:spcPct val="115000"/>
               </a:lnSpc>
@@ -10600,7 +10841,7 @@
             <a:endParaRPr/>
           </a:p>
           <a:p>
-            <a:pPr indent="-317500" lvl="2" marL="1371600" rtl="0" algn="l">
+            <a:pPr marL="1371600" lvl="2" indent="-317500" algn="l" rtl="0">
               <a:lnSpc>
                 <a:spcPct val="115000"/>
               </a:lnSpc>
@@ -10620,7 +10861,7 @@
             <a:endParaRPr/>
           </a:p>
           <a:p>
-            <a:pPr indent="-317500" lvl="1" marL="914400" rtl="0" algn="l">
+            <a:pPr marL="914400" lvl="1" indent="-317500" algn="l" rtl="0">
               <a:lnSpc>
                 <a:spcPct val="115000"/>
               </a:lnSpc>
@@ -10640,7 +10881,7 @@
             <a:endParaRPr/>
           </a:p>
           <a:p>
-            <a:pPr indent="-342900" lvl="0" marL="457200" rtl="0" algn="l">
+            <a:pPr marL="457200" lvl="0" indent="-342900" algn="l" rtl="0">
               <a:lnSpc>
                 <a:spcPct val="115000"/>
               </a:lnSpc>
@@ -10655,16 +10896,12 @@
             </a:pPr>
             <a:r>
               <a:rPr lang="ja"/>
-              <a:t>結</a:t>
-            </a:r>
-            <a:r>
-              <a:rPr lang="ja"/>
-              <a:t>論</a:t>
+              <a:t>結論</a:t>
             </a:r>
             <a:endParaRPr/>
           </a:p>
           <a:p>
-            <a:pPr indent="-317500" lvl="1" marL="914400" rtl="0" algn="l">
+            <a:pPr marL="914400" lvl="1" indent="-317500" algn="l" rtl="0">
               <a:lnSpc>
                 <a:spcPct val="115000"/>
               </a:lnSpc>
@@ -10684,7 +10921,7 @@
             <a:endParaRPr/>
           </a:p>
           <a:p>
-            <a:pPr indent="-317500" lvl="2" marL="1371600" rtl="0" algn="l">
+            <a:pPr marL="1371600" lvl="2" indent="-317500" algn="l" rtl="0">
               <a:lnSpc>
                 <a:spcPct val="115000"/>
               </a:lnSpc>
@@ -10704,7 +10941,7 @@
             <a:endParaRPr/>
           </a:p>
           <a:p>
-            <a:pPr indent="-317500" lvl="2" marL="1371600" rtl="0" algn="l">
+            <a:pPr marL="1371600" lvl="2" indent="-317500" algn="l" rtl="0">
               <a:lnSpc>
                 <a:spcPct val="115000"/>
               </a:lnSpc>
@@ -10737,11 +10974,11 @@
 </file>
 
 <file path=ppt/slides/slide21.xml><?xml version="1.0" encoding="utf-8"?>
-<p:sld xmlns:a="http://schemas.openxmlformats.org/drawingml/2006/main" xmlns:r="http://schemas.openxmlformats.org/officeDocument/2006/relationships" xmlns:mc="http://schemas.openxmlformats.org/markup-compatibility/2006" xmlns:mv="urn:schemas-microsoft-com:mac:vml" xmlns:p="http://schemas.openxmlformats.org/presentationml/2006/main" xmlns:c="http://schemas.openxmlformats.org/drawingml/2006/chart" xmlns:dgm="http://schemas.openxmlformats.org/drawingml/2006/diagram" xmlns:o="urn:schemas-microsoft-com:office:office" xmlns:v="urn:schemas-microsoft-com:vml" xmlns:pvml="urn:schemas-microsoft-com:office:powerpoint" xmlns:com="http://schemas.openxmlformats.org/drawingml/2006/compatibility" xmlns:p14="http://schemas.microsoft.com/office/powerpoint/2010/main" xmlns:p15="http://schemas.microsoft.com/office/powerpoint/2012/main" xmlns:ahyp="http://schemas.microsoft.com/office/drawing/2018/hyperlinkcolor">
+<p:sld xmlns:a="http://schemas.openxmlformats.org/drawingml/2006/main" xmlns:r="http://schemas.openxmlformats.org/officeDocument/2006/relationships" xmlns:p="http://schemas.openxmlformats.org/presentationml/2006/main">
   <p:cSld>
     <p:spTree>
       <p:nvGrpSpPr>
-        <p:cNvPr id="177" name="Shape 177"/>
+        <p:cNvPr id="1" name="Shape 177"/>
         <p:cNvGrpSpPr/>
         <p:nvPr/>
       </p:nvGrpSpPr>
@@ -10756,7 +10993,9 @@
       <p:sp>
         <p:nvSpPr>
           <p:cNvPr id="178" name="Google Shape;178;p33"/>
-          <p:cNvSpPr txBox="1"/>
+          <p:cNvSpPr txBox="1">
+            <a:spLocks noGrp="1"/>
+          </p:cNvSpPr>
           <p:nvPr>
             <p:ph type="title"/>
           </p:nvPr>
@@ -10771,12 +11010,12 @@
           </a:prstGeom>
         </p:spPr>
         <p:txBody>
-          <a:bodyPr anchorCtr="0" anchor="ctr" bIns="91425" lIns="91425" spcFirstLastPara="1" rIns="91425" wrap="square" tIns="91425">
+          <a:bodyPr spcFirstLastPara="1" wrap="square" lIns="91425" tIns="91425" rIns="91425" bIns="91425" anchor="ctr" anchorCtr="0">
             <a:normAutofit/>
           </a:bodyPr>
           <a:lstStyle/>
           <a:p>
-            <a:pPr indent="0" lvl="0" marL="0" rtl="0" algn="ctr">
+            <a:pPr marL="0" lvl="0" indent="0" algn="ctr" rtl="0">
               <a:spcBef>
                 <a:spcPts val="0"/>
               </a:spcBef>
@@ -10802,11 +11041,11 @@
 </file>
 
 <file path=ppt/slides/slide22.xml><?xml version="1.0" encoding="utf-8"?>
-<p:sld xmlns:a="http://schemas.openxmlformats.org/drawingml/2006/main" xmlns:r="http://schemas.openxmlformats.org/officeDocument/2006/relationships" xmlns:mc="http://schemas.openxmlformats.org/markup-compatibility/2006" xmlns:mv="urn:schemas-microsoft-com:mac:vml" xmlns:p="http://schemas.openxmlformats.org/presentationml/2006/main" xmlns:c="http://schemas.openxmlformats.org/drawingml/2006/chart" xmlns:dgm="http://schemas.openxmlformats.org/drawingml/2006/diagram" xmlns:o="urn:schemas-microsoft-com:office:office" xmlns:v="urn:schemas-microsoft-com:vml" xmlns:pvml="urn:schemas-microsoft-com:office:powerpoint" xmlns:com="http://schemas.openxmlformats.org/drawingml/2006/compatibility" xmlns:p14="http://schemas.microsoft.com/office/powerpoint/2010/main" xmlns:p15="http://schemas.microsoft.com/office/powerpoint/2012/main" xmlns:ahyp="http://schemas.microsoft.com/office/drawing/2018/hyperlinkcolor">
+<p:sld xmlns:a="http://schemas.openxmlformats.org/drawingml/2006/main" xmlns:r="http://schemas.openxmlformats.org/officeDocument/2006/relationships" xmlns:p="http://schemas.openxmlformats.org/presentationml/2006/main">
   <p:cSld>
     <p:spTree>
       <p:nvGrpSpPr>
-        <p:cNvPr id="182" name="Shape 182"/>
+        <p:cNvPr id="1" name="Shape 182"/>
         <p:cNvGrpSpPr/>
         <p:nvPr/>
       </p:nvGrpSpPr>
@@ -10821,7 +11060,9 @@
       <p:sp>
         <p:nvSpPr>
           <p:cNvPr id="183" name="Google Shape;183;p34"/>
-          <p:cNvSpPr txBox="1"/>
+          <p:cNvSpPr txBox="1">
+            <a:spLocks noGrp="1"/>
+          </p:cNvSpPr>
           <p:nvPr>
             <p:ph type="title"/>
           </p:nvPr>
@@ -10836,12 +11077,12 @@
           </a:prstGeom>
         </p:spPr>
         <p:txBody>
-          <a:bodyPr anchorCtr="0" anchor="t" bIns="91425" lIns="91425" spcFirstLastPara="1" rIns="91425" wrap="square" tIns="91425">
+          <a:bodyPr spcFirstLastPara="1" wrap="square" lIns="91425" tIns="91425" rIns="91425" bIns="91425" anchor="t" anchorCtr="0">
             <a:noAutofit/>
           </a:bodyPr>
           <a:lstStyle/>
           <a:p>
-            <a:pPr indent="0" lvl="0" marL="0" rtl="0" algn="l">
+            <a:pPr marL="0" lvl="0" indent="0" algn="l" rtl="0">
               <a:spcBef>
                 <a:spcPts val="0"/>
               </a:spcBef>
@@ -10872,9 +11113,11 @@
       <p:sp>
         <p:nvSpPr>
           <p:cNvPr id="184" name="Google Shape;184;p34"/>
-          <p:cNvSpPr txBox="1"/>
+          <p:cNvSpPr txBox="1">
+            <a:spLocks noGrp="1"/>
+          </p:cNvSpPr>
           <p:nvPr>
-            <p:ph idx="1" type="body"/>
+            <p:ph type="body" idx="1"/>
           </p:nvPr>
         </p:nvSpPr>
         <p:spPr>
@@ -10887,12 +11130,12 @@
           </a:prstGeom>
         </p:spPr>
         <p:txBody>
-          <a:bodyPr anchorCtr="0" anchor="t" bIns="91425" lIns="91425" spcFirstLastPara="1" rIns="91425" wrap="square" tIns="91425">
+          <a:bodyPr spcFirstLastPara="1" wrap="square" lIns="91425" tIns="91425" rIns="91425" bIns="91425" anchor="t" anchorCtr="0">
             <a:normAutofit/>
           </a:bodyPr>
           <a:lstStyle/>
           <a:p>
-            <a:pPr indent="-342900" lvl="0" marL="457200" rtl="0" algn="l">
+            <a:pPr marL="457200" lvl="0" indent="-342900" algn="l" rtl="0">
               <a:lnSpc>
                 <a:spcPct val="150000"/>
               </a:lnSpc>
@@ -10919,7 +11162,7 @@
             <a:endParaRPr/>
           </a:p>
           <a:p>
-            <a:pPr indent="-330200" lvl="1" marL="914400" rtl="0" algn="l">
+            <a:pPr marL="914400" lvl="1" indent="-330200" algn="l" rtl="0">
               <a:lnSpc>
                 <a:spcPct val="150000"/>
               </a:lnSpc>
@@ -10939,7 +11182,7 @@
             <a:endParaRPr sz="1600"/>
           </a:p>
           <a:p>
-            <a:pPr indent="-330200" lvl="1" marL="914400" rtl="0" algn="l">
+            <a:pPr marL="914400" lvl="1" indent="-330200" algn="l" rtl="0">
               <a:lnSpc>
                 <a:spcPct val="150000"/>
               </a:lnSpc>
@@ -10959,7 +11202,7 @@
             <a:endParaRPr sz="1600"/>
           </a:p>
           <a:p>
-            <a:pPr indent="-330200" lvl="2" marL="1371600" rtl="0" algn="l">
+            <a:pPr marL="1371600" lvl="2" indent="-330200" algn="l" rtl="0">
               <a:lnSpc>
                 <a:spcPct val="150000"/>
               </a:lnSpc>
@@ -10979,7 +11222,7 @@
             <a:endParaRPr sz="1600"/>
           </a:p>
           <a:p>
-            <a:pPr indent="-330200" lvl="3" marL="1828800" rtl="0" algn="l">
+            <a:pPr marL="1828800" lvl="3" indent="-330200" algn="l" rtl="0">
               <a:lnSpc>
                 <a:spcPct val="150000"/>
               </a:lnSpc>
@@ -10999,7 +11242,7 @@
             <a:endParaRPr sz="1600"/>
           </a:p>
           <a:p>
-            <a:pPr indent="-330200" lvl="3" marL="1828800" rtl="0" algn="l">
+            <a:pPr marL="1828800" lvl="3" indent="-330200" algn="l" rtl="0">
               <a:lnSpc>
                 <a:spcPct val="150000"/>
               </a:lnSpc>
@@ -11029,11 +11272,11 @@
 </file>
 
 <file path=ppt/slides/slide23.xml><?xml version="1.0" encoding="utf-8"?>
-<p:sld xmlns:a="http://schemas.openxmlformats.org/drawingml/2006/main" xmlns:r="http://schemas.openxmlformats.org/officeDocument/2006/relationships" xmlns:mc="http://schemas.openxmlformats.org/markup-compatibility/2006" xmlns:mv="urn:schemas-microsoft-com:mac:vml" xmlns:p="http://schemas.openxmlformats.org/presentationml/2006/main" xmlns:c="http://schemas.openxmlformats.org/drawingml/2006/chart" xmlns:dgm="http://schemas.openxmlformats.org/drawingml/2006/diagram" xmlns:o="urn:schemas-microsoft-com:office:office" xmlns:v="urn:schemas-microsoft-com:vml" xmlns:pvml="urn:schemas-microsoft-com:office:powerpoint" xmlns:com="http://schemas.openxmlformats.org/drawingml/2006/compatibility" xmlns:p14="http://schemas.microsoft.com/office/powerpoint/2010/main" xmlns:p15="http://schemas.microsoft.com/office/powerpoint/2012/main" xmlns:ahyp="http://schemas.microsoft.com/office/drawing/2018/hyperlinkcolor">
+<p:sld xmlns:a="http://schemas.openxmlformats.org/drawingml/2006/main" xmlns:r="http://schemas.openxmlformats.org/officeDocument/2006/relationships" xmlns:p="http://schemas.openxmlformats.org/presentationml/2006/main">
   <p:cSld>
     <p:spTree>
       <p:nvGrpSpPr>
-        <p:cNvPr id="188" name="Shape 188"/>
+        <p:cNvPr id="1" name="Shape 188"/>
         <p:cNvGrpSpPr/>
         <p:nvPr/>
       </p:nvGrpSpPr>
@@ -11048,7 +11291,9 @@
       <p:sp>
         <p:nvSpPr>
           <p:cNvPr id="189" name="Google Shape;189;p35"/>
-          <p:cNvSpPr txBox="1"/>
+          <p:cNvSpPr txBox="1">
+            <a:spLocks noGrp="1"/>
+          </p:cNvSpPr>
           <p:nvPr>
             <p:ph type="title"/>
           </p:nvPr>
@@ -11063,12 +11308,12 @@
           </a:prstGeom>
         </p:spPr>
         <p:txBody>
-          <a:bodyPr anchorCtr="0" anchor="ctr" bIns="91425" lIns="91425" spcFirstLastPara="1" rIns="91425" wrap="square" tIns="91425">
+          <a:bodyPr spcFirstLastPara="1" wrap="square" lIns="91425" tIns="91425" rIns="91425" bIns="91425" anchor="ctr" anchorCtr="0">
             <a:normAutofit/>
           </a:bodyPr>
           <a:lstStyle/>
           <a:p>
-            <a:pPr indent="0" lvl="0" marL="0" rtl="0" algn="ctr">
+            <a:pPr marL="0" lvl="0" indent="0" algn="ctr" rtl="0">
               <a:spcBef>
                 <a:spcPts val="0"/>
               </a:spcBef>
@@ -11094,11 +11339,11 @@
 </file>
 
 <file path=ppt/slides/slide24.xml><?xml version="1.0" encoding="utf-8"?>
-<p:sld xmlns:a="http://schemas.openxmlformats.org/drawingml/2006/main" xmlns:r="http://schemas.openxmlformats.org/officeDocument/2006/relationships" xmlns:mc="http://schemas.openxmlformats.org/markup-compatibility/2006" xmlns:mv="urn:schemas-microsoft-com:mac:vml" xmlns:p="http://schemas.openxmlformats.org/presentationml/2006/main" xmlns:c="http://schemas.openxmlformats.org/drawingml/2006/chart" xmlns:dgm="http://schemas.openxmlformats.org/drawingml/2006/diagram" xmlns:o="urn:schemas-microsoft-com:office:office" xmlns:v="urn:schemas-microsoft-com:vml" xmlns:pvml="urn:schemas-microsoft-com:office:powerpoint" xmlns:com="http://schemas.openxmlformats.org/drawingml/2006/compatibility" xmlns:p14="http://schemas.microsoft.com/office/powerpoint/2010/main" xmlns:p15="http://schemas.microsoft.com/office/powerpoint/2012/main" xmlns:ahyp="http://schemas.microsoft.com/office/drawing/2018/hyperlinkcolor">
+<p:sld xmlns:a="http://schemas.openxmlformats.org/drawingml/2006/main" xmlns:r="http://schemas.openxmlformats.org/officeDocument/2006/relationships" xmlns:p="http://schemas.openxmlformats.org/presentationml/2006/main">
   <p:cSld>
     <p:spTree>
       <p:nvGrpSpPr>
-        <p:cNvPr id="193" name="Shape 193"/>
+        <p:cNvPr id="1" name="Shape 193"/>
         <p:cNvGrpSpPr/>
         <p:nvPr/>
       </p:nvGrpSpPr>
@@ -11113,9 +11358,11 @@
       <p:sp>
         <p:nvSpPr>
           <p:cNvPr id="194" name="Google Shape;194;p36"/>
-          <p:cNvSpPr txBox="1"/>
+          <p:cNvSpPr txBox="1">
+            <a:spLocks noGrp="1"/>
+          </p:cNvSpPr>
           <p:nvPr>
-            <p:ph idx="1" type="body"/>
+            <p:ph type="body" idx="1"/>
           </p:nvPr>
         </p:nvSpPr>
         <p:spPr>
@@ -11128,12 +11375,12 @@
           </a:prstGeom>
         </p:spPr>
         <p:txBody>
-          <a:bodyPr anchorCtr="0" anchor="t" bIns="91425" lIns="91425" spcFirstLastPara="1" rIns="91425" wrap="square" tIns="91425">
+          <a:bodyPr spcFirstLastPara="1" wrap="square" lIns="91425" tIns="91425" rIns="91425" bIns="91425" anchor="t" anchorCtr="0">
             <a:normAutofit/>
           </a:bodyPr>
           <a:lstStyle/>
           <a:p>
-            <a:pPr indent="-342900" lvl="0" marL="457200" rtl="0" algn="l">
+            <a:pPr marL="457200" lvl="0" indent="-342900" algn="l" rtl="0">
               <a:lnSpc>
                 <a:spcPct val="200000"/>
               </a:lnSpc>
@@ -11154,7 +11401,7 @@
                 <a:hlinkClick r:id="rId3">
                   <a:extLst>
                     <a:ext uri="{A12FA001-AC4F-418D-AE19-62706E023703}">
-                      <ahyp:hlinkClr val="tx"/>
+                      <ahyp:hlinkClr xmlns:ahyp="http://schemas.microsoft.com/office/drawing/2018/hyperlinkcolor" val="tx"/>
                     </a:ext>
                   </a:extLst>
                 </a:hlinkClick>
@@ -11164,7 +11411,7 @@
             <a:endParaRPr/>
           </a:p>
           <a:p>
-            <a:pPr indent="-342900" lvl="0" marL="457200" rtl="0" algn="l">
+            <a:pPr marL="457200" lvl="0" indent="-342900" algn="l" rtl="0">
               <a:lnSpc>
                 <a:spcPct val="200000"/>
               </a:lnSpc>
@@ -11189,7 +11436,7 @@
             <a:endParaRPr/>
           </a:p>
           <a:p>
-            <a:pPr indent="-342900" lvl="0" marL="457200" rtl="0" algn="l">
+            <a:pPr marL="457200" lvl="0" indent="-342900" algn="l" rtl="0">
               <a:lnSpc>
                 <a:spcPct val="200000"/>
               </a:lnSpc>
@@ -11214,7 +11461,7 @@
             <a:endParaRPr/>
           </a:p>
           <a:p>
-            <a:pPr indent="-342900" lvl="0" marL="457200" rtl="0" algn="l">
+            <a:pPr marL="457200" lvl="0" indent="-342900" algn="l" rtl="0">
               <a:lnSpc>
                 <a:spcPct val="200000"/>
               </a:lnSpc>
@@ -11239,7 +11486,7 @@
             <a:endParaRPr/>
           </a:p>
           <a:p>
-            <a:pPr indent="-342900" lvl="0" marL="457200" rtl="0" algn="l">
+            <a:pPr marL="457200" lvl="0" indent="-342900" algn="l" rtl="0">
               <a:lnSpc>
                 <a:spcPct val="200000"/>
               </a:lnSpc>
@@ -11274,11 +11521,11 @@
 </file>
 
 <file path=ppt/slides/slide3.xml><?xml version="1.0" encoding="utf-8"?>
-<p:sld xmlns:a="http://schemas.openxmlformats.org/drawingml/2006/main" xmlns:r="http://schemas.openxmlformats.org/officeDocument/2006/relationships" xmlns:mc="http://schemas.openxmlformats.org/markup-compatibility/2006" xmlns:mv="urn:schemas-microsoft-com:mac:vml" xmlns:p="http://schemas.openxmlformats.org/presentationml/2006/main" xmlns:c="http://schemas.openxmlformats.org/drawingml/2006/chart" xmlns:dgm="http://schemas.openxmlformats.org/drawingml/2006/diagram" xmlns:o="urn:schemas-microsoft-com:office:office" xmlns:v="urn:schemas-microsoft-com:vml" xmlns:pvml="urn:schemas-microsoft-com:office:powerpoint" xmlns:com="http://schemas.openxmlformats.org/drawingml/2006/compatibility" xmlns:p14="http://schemas.microsoft.com/office/powerpoint/2010/main" xmlns:p15="http://schemas.microsoft.com/office/powerpoint/2012/main" xmlns:ahyp="http://schemas.microsoft.com/office/drawing/2018/hyperlinkcolor">
+<p:sld xmlns:a="http://schemas.openxmlformats.org/drawingml/2006/main" xmlns:r="http://schemas.openxmlformats.org/officeDocument/2006/relationships" xmlns:p="http://schemas.openxmlformats.org/presentationml/2006/main">
   <p:cSld>
     <p:spTree>
       <p:nvGrpSpPr>
-        <p:cNvPr id="70" name="Shape 70"/>
+        <p:cNvPr id="1" name="Shape 70"/>
         <p:cNvGrpSpPr/>
         <p:nvPr/>
       </p:nvGrpSpPr>
@@ -11293,7 +11540,9 @@
       <p:sp>
         <p:nvSpPr>
           <p:cNvPr id="71" name="Google Shape;71;p15"/>
-          <p:cNvSpPr txBox="1"/>
+          <p:cNvSpPr txBox="1">
+            <a:spLocks noGrp="1"/>
+          </p:cNvSpPr>
           <p:nvPr>
             <p:ph type="title"/>
           </p:nvPr>
@@ -11308,12 +11557,12 @@
           </a:prstGeom>
         </p:spPr>
         <p:txBody>
-          <a:bodyPr anchorCtr="0" anchor="ctr" bIns="91425" lIns="91425" spcFirstLastPara="1" rIns="91425" wrap="square" tIns="91425">
+          <a:bodyPr spcFirstLastPara="1" wrap="square" lIns="91425" tIns="91425" rIns="91425" bIns="91425" anchor="ctr" anchorCtr="0">
             <a:normAutofit/>
           </a:bodyPr>
           <a:lstStyle/>
           <a:p>
-            <a:pPr indent="0" lvl="0" marL="457200" rtl="0" algn="ctr">
+            <a:pPr marL="457200" lvl="0" indent="0" algn="ctr" rtl="0">
               <a:spcBef>
                 <a:spcPts val="0"/>
               </a:spcBef>
@@ -11339,11 +11588,11 @@
 </file>
 
 <file path=ppt/slides/slide4.xml><?xml version="1.0" encoding="utf-8"?>
-<p:sld xmlns:a="http://schemas.openxmlformats.org/drawingml/2006/main" xmlns:r="http://schemas.openxmlformats.org/officeDocument/2006/relationships" xmlns:mc="http://schemas.openxmlformats.org/markup-compatibility/2006" xmlns:mv="urn:schemas-microsoft-com:mac:vml" xmlns:p="http://schemas.openxmlformats.org/presentationml/2006/main" xmlns:c="http://schemas.openxmlformats.org/drawingml/2006/chart" xmlns:dgm="http://schemas.openxmlformats.org/drawingml/2006/diagram" xmlns:o="urn:schemas-microsoft-com:office:office" xmlns:v="urn:schemas-microsoft-com:vml" xmlns:pvml="urn:schemas-microsoft-com:office:powerpoint" xmlns:com="http://schemas.openxmlformats.org/drawingml/2006/compatibility" xmlns:p14="http://schemas.microsoft.com/office/powerpoint/2010/main" xmlns:p15="http://schemas.microsoft.com/office/powerpoint/2012/main" xmlns:ahyp="http://schemas.microsoft.com/office/drawing/2018/hyperlinkcolor">
+<p:sld xmlns:a="http://schemas.openxmlformats.org/drawingml/2006/main" xmlns:r="http://schemas.openxmlformats.org/officeDocument/2006/relationships" xmlns:p="http://schemas.openxmlformats.org/presentationml/2006/main">
   <p:cSld>
     <p:spTree>
       <p:nvGrpSpPr>
-        <p:cNvPr id="75" name="Shape 75"/>
+        <p:cNvPr id="1" name="Shape 75"/>
         <p:cNvGrpSpPr/>
         <p:nvPr/>
       </p:nvGrpSpPr>
@@ -11358,7 +11607,9 @@
       <p:sp>
         <p:nvSpPr>
           <p:cNvPr id="76" name="Google Shape;76;p16"/>
-          <p:cNvSpPr txBox="1"/>
+          <p:cNvSpPr txBox="1">
+            <a:spLocks noGrp="1"/>
+          </p:cNvSpPr>
           <p:nvPr>
             <p:ph type="title"/>
           </p:nvPr>
@@ -11373,12 +11624,12 @@
           </a:prstGeom>
         </p:spPr>
         <p:txBody>
-          <a:bodyPr anchorCtr="0" anchor="t" bIns="91425" lIns="91425" spcFirstLastPara="1" rIns="91425" wrap="square" tIns="91425">
+          <a:bodyPr spcFirstLastPara="1" wrap="square" lIns="91425" tIns="91425" rIns="91425" bIns="91425" anchor="t" anchorCtr="0">
             <a:normAutofit fontScale="90000"/>
           </a:bodyPr>
           <a:lstStyle/>
           <a:p>
-            <a:pPr indent="0" lvl="0" marL="0" rtl="0" algn="l">
+            <a:pPr marL="0" lvl="0" indent="0" algn="l" rtl="0">
               <a:spcBef>
                 <a:spcPts val="0"/>
               </a:spcBef>
@@ -11398,9 +11649,11 @@
       <p:sp>
         <p:nvSpPr>
           <p:cNvPr id="77" name="Google Shape;77;p16"/>
-          <p:cNvSpPr txBox="1"/>
+          <p:cNvSpPr txBox="1">
+            <a:spLocks noGrp="1"/>
+          </p:cNvSpPr>
           <p:nvPr>
-            <p:ph idx="1" type="body"/>
+            <p:ph type="body" idx="1"/>
           </p:nvPr>
         </p:nvSpPr>
         <p:spPr>
@@ -11413,12 +11666,12 @@
           </a:prstGeom>
         </p:spPr>
         <p:txBody>
-          <a:bodyPr anchorCtr="0" anchor="t" bIns="91425" lIns="91425" spcFirstLastPara="1" rIns="91425" wrap="square" tIns="91425">
+          <a:bodyPr spcFirstLastPara="1" wrap="square" lIns="91425" tIns="91425" rIns="91425" bIns="91425" anchor="t" anchorCtr="0">
             <a:normAutofit/>
           </a:bodyPr>
           <a:lstStyle/>
           <a:p>
-            <a:pPr indent="-355600" lvl="0" marL="457200" rtl="0" algn="l">
+            <a:pPr marL="457200" lvl="0" indent="-355600" algn="l" rtl="0">
               <a:lnSpc>
                 <a:spcPct val="150000"/>
               </a:lnSpc>
@@ -11432,13 +11685,13 @@
               <a:buChar char="●"/>
             </a:pPr>
             <a:r>
-              <a:rPr lang="ja" sz="2000"/>
+              <a:rPr lang="ja" sz="2000" dirty="0"/>
               <a:t>READMEを書くことになった</a:t>
             </a:r>
-            <a:endParaRPr sz="2000"/>
-          </a:p>
-          <a:p>
-            <a:pPr indent="-330200" lvl="1" marL="914400" rtl="0" algn="l">
+            <a:endParaRPr sz="2000" dirty="0"/>
+          </a:p>
+          <a:p>
+            <a:pPr marL="914400" lvl="1" indent="-330200" algn="l" rtl="0">
               <a:lnSpc>
                 <a:spcPct val="150000"/>
               </a:lnSpc>
@@ -11452,13 +11705,13 @@
               <a:buChar char="○"/>
             </a:pPr>
             <a:r>
-              <a:rPr lang="ja" sz="1600"/>
-              <a:t>CHIYODA案件でGitHubの導入があるのが起因</a:t>
+              <a:rPr lang="ja" sz="1600" dirty="0"/>
+              <a:t>案件でGitHubの導入があるのが起因</a:t>
             </a:r>
-            <a:endParaRPr sz="1600"/>
-          </a:p>
-          <a:p>
-            <a:pPr indent="-330200" lvl="1" marL="914400" rtl="0" algn="l">
+            <a:endParaRPr sz="1600" dirty="0"/>
+          </a:p>
+          <a:p>
+            <a:pPr marL="914400" lvl="1" indent="-330200" algn="l" rtl="0">
               <a:lnSpc>
                 <a:spcPct val="150000"/>
               </a:lnSpc>
@@ -11472,13 +11725,13 @@
               <a:buChar char="○"/>
             </a:pPr>
             <a:r>
-              <a:rPr lang="ja" sz="1600"/>
+              <a:rPr lang="ja" sz="1600" dirty="0"/>
               <a:t>その中で、シーケンス図を描きたいケースがあった</a:t>
             </a:r>
-            <a:endParaRPr sz="1600"/>
-          </a:p>
-          <a:p>
-            <a:pPr indent="-330200" lvl="1" marL="914400" rtl="0" algn="l">
+            <a:endParaRPr sz="1600" dirty="0"/>
+          </a:p>
+          <a:p>
+            <a:pPr marL="914400" lvl="1" indent="-330200" algn="l" rtl="0">
               <a:lnSpc>
                 <a:spcPct val="150000"/>
               </a:lnSpc>
@@ -11492,13 +11745,13 @@
               <a:buChar char="○"/>
             </a:pPr>
             <a:r>
-              <a:rPr lang="ja" sz="1600"/>
+              <a:rPr lang="ja" sz="1600" dirty="0"/>
               <a:t>できれば、Miroなどのツールを使わず書きたい</a:t>
             </a:r>
-            <a:endParaRPr sz="1600"/>
-          </a:p>
-          <a:p>
-            <a:pPr indent="-330200" lvl="2" marL="1371600" rtl="0" algn="l">
+            <a:endParaRPr sz="1600" dirty="0"/>
+          </a:p>
+          <a:p>
+            <a:pPr marL="1371600" lvl="2" indent="-330200" algn="l" rtl="0">
               <a:lnSpc>
                 <a:spcPct val="150000"/>
               </a:lnSpc>
@@ -11512,13 +11765,13 @@
               <a:buChar char="■"/>
             </a:pPr>
             <a:r>
-              <a:rPr lang="ja" sz="1600"/>
+              <a:rPr lang="ja" sz="1600" dirty="0"/>
               <a:t>複雑になると時間がかかる</a:t>
             </a:r>
-            <a:endParaRPr sz="1600"/>
-          </a:p>
-          <a:p>
-            <a:pPr indent="-330200" lvl="3" marL="1828800" rtl="0" algn="l">
+            <a:endParaRPr sz="1600" dirty="0"/>
+          </a:p>
+          <a:p>
+            <a:pPr marL="1828800" lvl="3" indent="-330200" algn="l" rtl="0">
               <a:lnSpc>
                 <a:spcPct val="150000"/>
               </a:lnSpc>
@@ -11532,10 +11785,10 @@
               <a:buChar char="●"/>
             </a:pPr>
             <a:r>
-              <a:rPr lang="ja" sz="1600"/>
+              <a:rPr lang="ja" sz="1600" dirty="0"/>
               <a:t>保守も大変になりそう</a:t>
             </a:r>
-            <a:endParaRPr sz="1600"/>
+            <a:endParaRPr sz="1600" dirty="0"/>
           </a:p>
         </p:txBody>
       </p:sp>
@@ -11548,11 +11801,11 @@
 </file>
 
 <file path=ppt/slides/slide5.xml><?xml version="1.0" encoding="utf-8"?>
-<p:sld xmlns:a="http://schemas.openxmlformats.org/drawingml/2006/main" xmlns:r="http://schemas.openxmlformats.org/officeDocument/2006/relationships" xmlns:mc="http://schemas.openxmlformats.org/markup-compatibility/2006" xmlns:mv="urn:schemas-microsoft-com:mac:vml" xmlns:p="http://schemas.openxmlformats.org/presentationml/2006/main" xmlns:c="http://schemas.openxmlformats.org/drawingml/2006/chart" xmlns:dgm="http://schemas.openxmlformats.org/drawingml/2006/diagram" xmlns:o="urn:schemas-microsoft-com:office:office" xmlns:v="urn:schemas-microsoft-com:vml" xmlns:pvml="urn:schemas-microsoft-com:office:powerpoint" xmlns:com="http://schemas.openxmlformats.org/drawingml/2006/compatibility" xmlns:p14="http://schemas.microsoft.com/office/powerpoint/2010/main" xmlns:p15="http://schemas.microsoft.com/office/powerpoint/2012/main" xmlns:ahyp="http://schemas.microsoft.com/office/drawing/2018/hyperlinkcolor">
+<p:sld xmlns:a="http://schemas.openxmlformats.org/drawingml/2006/main" xmlns:r="http://schemas.openxmlformats.org/officeDocument/2006/relationships" xmlns:p="http://schemas.openxmlformats.org/presentationml/2006/main">
   <p:cSld>
     <p:spTree>
       <p:nvGrpSpPr>
-        <p:cNvPr id="81" name="Shape 81"/>
+        <p:cNvPr id="1" name="Shape 81"/>
         <p:cNvGrpSpPr/>
         <p:nvPr/>
       </p:nvGrpSpPr>
@@ -11567,7 +11820,9 @@
       <p:sp>
         <p:nvSpPr>
           <p:cNvPr id="82" name="Google Shape;82;p17"/>
-          <p:cNvSpPr txBox="1"/>
+          <p:cNvSpPr txBox="1">
+            <a:spLocks noGrp="1"/>
+          </p:cNvSpPr>
           <p:nvPr>
             <p:ph type="title"/>
           </p:nvPr>
@@ -11582,12 +11837,12 @@
           </a:prstGeom>
         </p:spPr>
         <p:txBody>
-          <a:bodyPr anchorCtr="0" anchor="ctr" bIns="91425" lIns="91425" spcFirstLastPara="1" rIns="91425" wrap="square" tIns="91425">
+          <a:bodyPr spcFirstLastPara="1" wrap="square" lIns="91425" tIns="91425" rIns="91425" bIns="91425" anchor="ctr" anchorCtr="0">
             <a:normAutofit/>
           </a:bodyPr>
           <a:lstStyle/>
           <a:p>
-            <a:pPr indent="0" lvl="0" marL="0" rtl="0" algn="ctr">
+            <a:pPr marL="0" lvl="0" indent="0" algn="ctr" rtl="0">
               <a:spcBef>
                 <a:spcPts val="0"/>
               </a:spcBef>
@@ -11603,7 +11858,7 @@
             <a:endParaRPr sz="2800"/>
           </a:p>
           <a:p>
-            <a:pPr indent="0" lvl="0" marL="0" rtl="0" algn="ctr">
+            <a:pPr marL="0" lvl="0" indent="0" algn="ctr" rtl="0">
               <a:spcBef>
                 <a:spcPts val="0"/>
               </a:spcBef>
@@ -11619,7 +11874,7 @@
             <a:endParaRPr sz="2800"/>
           </a:p>
           <a:p>
-            <a:pPr indent="0" lvl="0" marL="0" rtl="0" algn="ctr">
+            <a:pPr marL="0" lvl="0" indent="0" algn="ctr" rtl="0">
               <a:spcBef>
                 <a:spcPts val="0"/>
               </a:spcBef>
@@ -11645,11 +11900,11 @@
 </file>
 
 <file path=ppt/slides/slide6.xml><?xml version="1.0" encoding="utf-8"?>
-<p:sld xmlns:a="http://schemas.openxmlformats.org/drawingml/2006/main" xmlns:r="http://schemas.openxmlformats.org/officeDocument/2006/relationships" xmlns:mc="http://schemas.openxmlformats.org/markup-compatibility/2006" xmlns:mv="urn:schemas-microsoft-com:mac:vml" xmlns:p="http://schemas.openxmlformats.org/presentationml/2006/main" xmlns:c="http://schemas.openxmlformats.org/drawingml/2006/chart" xmlns:dgm="http://schemas.openxmlformats.org/drawingml/2006/diagram" xmlns:o="urn:schemas-microsoft-com:office:office" xmlns:v="urn:schemas-microsoft-com:vml" xmlns:pvml="urn:schemas-microsoft-com:office:powerpoint" xmlns:com="http://schemas.openxmlformats.org/drawingml/2006/compatibility" xmlns:p14="http://schemas.microsoft.com/office/powerpoint/2010/main" xmlns:p15="http://schemas.microsoft.com/office/powerpoint/2012/main" xmlns:ahyp="http://schemas.microsoft.com/office/drawing/2018/hyperlinkcolor">
+<p:sld xmlns:a="http://schemas.openxmlformats.org/drawingml/2006/main" xmlns:r="http://schemas.openxmlformats.org/officeDocument/2006/relationships" xmlns:p="http://schemas.openxmlformats.org/presentationml/2006/main">
   <p:cSld>
     <p:spTree>
       <p:nvGrpSpPr>
-        <p:cNvPr id="86" name="Shape 86"/>
+        <p:cNvPr id="1" name="Shape 86"/>
         <p:cNvGrpSpPr/>
         <p:nvPr/>
       </p:nvGrpSpPr>
@@ -11664,7 +11919,9 @@
       <p:sp>
         <p:nvSpPr>
           <p:cNvPr id="87" name="Google Shape;87;p18"/>
-          <p:cNvSpPr txBox="1"/>
+          <p:cNvSpPr txBox="1">
+            <a:spLocks noGrp="1"/>
+          </p:cNvSpPr>
           <p:nvPr>
             <p:ph type="title"/>
           </p:nvPr>
@@ -11679,12 +11936,12 @@
           </a:prstGeom>
         </p:spPr>
         <p:txBody>
-          <a:bodyPr anchorCtr="0" anchor="ctr" bIns="91425" lIns="91425" spcFirstLastPara="1" rIns="91425" wrap="square" tIns="91425">
+          <a:bodyPr spcFirstLastPara="1" wrap="square" lIns="91425" tIns="91425" rIns="91425" bIns="91425" anchor="ctr" anchorCtr="0">
             <a:normAutofit/>
           </a:bodyPr>
           <a:lstStyle/>
           <a:p>
-            <a:pPr indent="0" lvl="0" marL="457200" rtl="0" algn="ctr">
+            <a:pPr marL="457200" lvl="0" indent="0" algn="ctr" rtl="0">
               <a:spcBef>
                 <a:spcPts val="0"/>
               </a:spcBef>
@@ -11710,11 +11967,11 @@
 </file>
 
 <file path=ppt/slides/slide7.xml><?xml version="1.0" encoding="utf-8"?>
-<p:sld xmlns:a="http://schemas.openxmlformats.org/drawingml/2006/main" xmlns:r="http://schemas.openxmlformats.org/officeDocument/2006/relationships" xmlns:mc="http://schemas.openxmlformats.org/markup-compatibility/2006" xmlns:mv="urn:schemas-microsoft-com:mac:vml" xmlns:p="http://schemas.openxmlformats.org/presentationml/2006/main" xmlns:c="http://schemas.openxmlformats.org/drawingml/2006/chart" xmlns:dgm="http://schemas.openxmlformats.org/drawingml/2006/diagram" xmlns:o="urn:schemas-microsoft-com:office:office" xmlns:v="urn:schemas-microsoft-com:vml" xmlns:pvml="urn:schemas-microsoft-com:office:powerpoint" xmlns:com="http://schemas.openxmlformats.org/drawingml/2006/compatibility" xmlns:p14="http://schemas.microsoft.com/office/powerpoint/2010/main" xmlns:p15="http://schemas.microsoft.com/office/powerpoint/2012/main" xmlns:ahyp="http://schemas.microsoft.com/office/drawing/2018/hyperlinkcolor">
+<p:sld xmlns:a="http://schemas.openxmlformats.org/drawingml/2006/main" xmlns:r="http://schemas.openxmlformats.org/officeDocument/2006/relationships" xmlns:p="http://schemas.openxmlformats.org/presentationml/2006/main">
   <p:cSld>
     <p:spTree>
       <p:nvGrpSpPr>
-        <p:cNvPr id="91" name="Shape 91"/>
+        <p:cNvPr id="1" name="Shape 91"/>
         <p:cNvGrpSpPr/>
         <p:nvPr/>
       </p:nvGrpSpPr>
@@ -11729,7 +11986,9 @@
       <p:sp>
         <p:nvSpPr>
           <p:cNvPr id="92" name="Google Shape;92;p19"/>
-          <p:cNvSpPr txBox="1"/>
+          <p:cNvSpPr txBox="1">
+            <a:spLocks noGrp="1"/>
+          </p:cNvSpPr>
           <p:nvPr>
             <p:ph type="title"/>
           </p:nvPr>
@@ -11744,12 +12003,12 @@
           </a:prstGeom>
         </p:spPr>
         <p:txBody>
-          <a:bodyPr anchorCtr="0" anchor="t" bIns="91425" lIns="91425" spcFirstLastPara="1" rIns="91425" wrap="square" tIns="91425">
+          <a:bodyPr spcFirstLastPara="1" wrap="square" lIns="91425" tIns="91425" rIns="91425" bIns="91425" anchor="t" anchorCtr="0">
             <a:normAutofit fontScale="90000"/>
           </a:bodyPr>
           <a:lstStyle/>
           <a:p>
-            <a:pPr indent="0" lvl="0" marL="0" rtl="0" algn="l">
+            <a:pPr marL="0" lvl="0" indent="0" algn="l" rtl="0">
               <a:spcBef>
                 <a:spcPts val="0"/>
               </a:spcBef>
@@ -11769,9 +12028,11 @@
       <p:sp>
         <p:nvSpPr>
           <p:cNvPr id="93" name="Google Shape;93;p19"/>
-          <p:cNvSpPr txBox="1"/>
+          <p:cNvSpPr txBox="1">
+            <a:spLocks noGrp="1"/>
+          </p:cNvSpPr>
           <p:nvPr>
-            <p:ph idx="1" type="body"/>
+            <p:ph type="body" idx="1"/>
           </p:nvPr>
         </p:nvSpPr>
         <p:spPr>
@@ -11784,12 +12045,12 @@
           </a:prstGeom>
         </p:spPr>
         <p:txBody>
-          <a:bodyPr anchorCtr="0" anchor="t" bIns="91425" lIns="91425" spcFirstLastPara="1" rIns="91425" wrap="square" tIns="91425">
+          <a:bodyPr spcFirstLastPara="1" wrap="square" lIns="91425" tIns="91425" rIns="91425" bIns="91425" anchor="t" anchorCtr="0">
             <a:normAutofit/>
           </a:bodyPr>
           <a:lstStyle/>
           <a:p>
-            <a:pPr indent="-355600" lvl="0" marL="457200" rtl="0" algn="l">
+            <a:pPr marL="457200" lvl="0" indent="-355600" algn="l" rtl="0">
               <a:lnSpc>
                 <a:spcPct val="150000"/>
               </a:lnSpc>
@@ -11809,7 +12070,7 @@
             <a:endParaRPr sz="2000"/>
           </a:p>
           <a:p>
-            <a:pPr indent="-330200" lvl="1" marL="914400" rtl="0" algn="l">
+            <a:pPr marL="914400" lvl="1" indent="-330200" algn="l" rtl="0">
               <a:lnSpc>
                 <a:spcPct val="150000"/>
               </a:lnSpc>
@@ -11829,7 +12090,7 @@
             <a:endParaRPr sz="1600"/>
           </a:p>
           <a:p>
-            <a:pPr indent="-355600" lvl="0" marL="457200" rtl="0" algn="l">
+            <a:pPr marL="457200" lvl="0" indent="-355600" algn="l" rtl="0">
               <a:lnSpc>
                 <a:spcPct val="150000"/>
               </a:lnSpc>
@@ -11849,7 +12110,7 @@
             <a:endParaRPr sz="2000"/>
           </a:p>
           <a:p>
-            <a:pPr indent="-330200" lvl="1" marL="914400" rtl="0" algn="l">
+            <a:pPr marL="914400" lvl="1" indent="-330200" algn="l" rtl="0">
               <a:lnSpc>
                 <a:spcPct val="150000"/>
               </a:lnSpc>
@@ -11869,7 +12130,7 @@
             <a:endParaRPr sz="1600"/>
           </a:p>
           <a:p>
-            <a:pPr indent="-330200" lvl="1" marL="914400" rtl="0" algn="l">
+            <a:pPr marL="914400" lvl="1" indent="-330200" algn="l" rtl="0">
               <a:lnSpc>
                 <a:spcPct val="150000"/>
               </a:lnSpc>
@@ -11899,11 +12160,11 @@
 </file>
 
 <file path=ppt/slides/slide8.xml><?xml version="1.0" encoding="utf-8"?>
-<p:sld xmlns:a="http://schemas.openxmlformats.org/drawingml/2006/main" xmlns:r="http://schemas.openxmlformats.org/officeDocument/2006/relationships" xmlns:mc="http://schemas.openxmlformats.org/markup-compatibility/2006" xmlns:mv="urn:schemas-microsoft-com:mac:vml" xmlns:p="http://schemas.openxmlformats.org/presentationml/2006/main" xmlns:c="http://schemas.openxmlformats.org/drawingml/2006/chart" xmlns:dgm="http://schemas.openxmlformats.org/drawingml/2006/diagram" xmlns:o="urn:schemas-microsoft-com:office:office" xmlns:v="urn:schemas-microsoft-com:vml" xmlns:pvml="urn:schemas-microsoft-com:office:powerpoint" xmlns:com="http://schemas.openxmlformats.org/drawingml/2006/compatibility" xmlns:p14="http://schemas.microsoft.com/office/powerpoint/2010/main" xmlns:p15="http://schemas.microsoft.com/office/powerpoint/2012/main" xmlns:ahyp="http://schemas.microsoft.com/office/drawing/2018/hyperlinkcolor">
+<p:sld xmlns:a="http://schemas.openxmlformats.org/drawingml/2006/main" xmlns:r="http://schemas.openxmlformats.org/officeDocument/2006/relationships" xmlns:p="http://schemas.openxmlformats.org/presentationml/2006/main">
   <p:cSld>
     <p:spTree>
       <p:nvGrpSpPr>
-        <p:cNvPr id="97" name="Shape 97"/>
+        <p:cNvPr id="1" name="Shape 97"/>
         <p:cNvGrpSpPr/>
         <p:nvPr/>
       </p:nvGrpSpPr>
@@ -11918,7 +12179,9 @@
       <p:sp>
         <p:nvSpPr>
           <p:cNvPr id="98" name="Google Shape;98;p20"/>
-          <p:cNvSpPr txBox="1"/>
+          <p:cNvSpPr txBox="1">
+            <a:spLocks noGrp="1"/>
+          </p:cNvSpPr>
           <p:nvPr>
             <p:ph type="title"/>
           </p:nvPr>
@@ -11933,12 +12196,12 @@
           </a:prstGeom>
         </p:spPr>
         <p:txBody>
-          <a:bodyPr anchorCtr="0" anchor="ctr" bIns="91425" lIns="91425" spcFirstLastPara="1" rIns="91425" wrap="square" tIns="91425">
+          <a:bodyPr spcFirstLastPara="1" wrap="square" lIns="91425" tIns="91425" rIns="91425" bIns="91425" anchor="ctr" anchorCtr="0">
             <a:normAutofit/>
           </a:bodyPr>
           <a:lstStyle/>
           <a:p>
-            <a:pPr indent="0" lvl="0" marL="0" rtl="0" algn="ctr">
+            <a:pPr marL="0" lvl="0" indent="0" algn="ctr" rtl="0">
               <a:spcBef>
                 <a:spcPts val="0"/>
               </a:spcBef>
@@ -11964,11 +12227,11 @@
 </file>
 
 <file path=ppt/slides/slide9.xml><?xml version="1.0" encoding="utf-8"?>
-<p:sld xmlns:a="http://schemas.openxmlformats.org/drawingml/2006/main" xmlns:r="http://schemas.openxmlformats.org/officeDocument/2006/relationships" xmlns:mc="http://schemas.openxmlformats.org/markup-compatibility/2006" xmlns:mv="urn:schemas-microsoft-com:mac:vml" xmlns:p="http://schemas.openxmlformats.org/presentationml/2006/main" xmlns:c="http://schemas.openxmlformats.org/drawingml/2006/chart" xmlns:dgm="http://schemas.openxmlformats.org/drawingml/2006/diagram" xmlns:o="urn:schemas-microsoft-com:office:office" xmlns:v="urn:schemas-microsoft-com:vml" xmlns:pvml="urn:schemas-microsoft-com:office:powerpoint" xmlns:com="http://schemas.openxmlformats.org/drawingml/2006/compatibility" xmlns:p14="http://schemas.microsoft.com/office/powerpoint/2010/main" xmlns:p15="http://schemas.microsoft.com/office/powerpoint/2012/main" xmlns:ahyp="http://schemas.microsoft.com/office/drawing/2018/hyperlinkcolor">
+<p:sld xmlns:a="http://schemas.openxmlformats.org/drawingml/2006/main" xmlns:r="http://schemas.openxmlformats.org/officeDocument/2006/relationships" xmlns:p="http://schemas.openxmlformats.org/presentationml/2006/main">
   <p:cSld>
     <p:spTree>
       <p:nvGrpSpPr>
-        <p:cNvPr id="102" name="Shape 102"/>
+        <p:cNvPr id="1" name="Shape 102"/>
         <p:cNvGrpSpPr/>
         <p:nvPr/>
       </p:nvGrpSpPr>
@@ -11983,7 +12246,9 @@
       <p:sp>
         <p:nvSpPr>
           <p:cNvPr id="103" name="Google Shape;103;p21"/>
-          <p:cNvSpPr txBox="1"/>
+          <p:cNvSpPr txBox="1">
+            <a:spLocks noGrp="1"/>
+          </p:cNvSpPr>
           <p:nvPr>
             <p:ph type="title"/>
           </p:nvPr>
@@ -11998,12 +12263,12 @@
           </a:prstGeom>
         </p:spPr>
         <p:txBody>
-          <a:bodyPr anchorCtr="0" anchor="ctr" bIns="91425" lIns="91425" spcFirstLastPara="1" rIns="91425" wrap="square" tIns="91425">
+          <a:bodyPr spcFirstLastPara="1" wrap="square" lIns="91425" tIns="91425" rIns="91425" bIns="91425" anchor="ctr" anchorCtr="0">
             <a:normAutofit/>
           </a:bodyPr>
           <a:lstStyle/>
           <a:p>
-            <a:pPr indent="0" lvl="0" marL="0" rtl="0" algn="ctr">
+            <a:pPr marL="0" lvl="0" indent="0" algn="ctr" rtl="0">
               <a:spcBef>
                 <a:spcPts val="0"/>
               </a:spcBef>
@@ -12019,7 +12284,7 @@
             <a:endParaRPr sz="2800"/>
           </a:p>
           <a:p>
-            <a:pPr indent="0" lvl="0" marL="0" rtl="0" algn="ctr">
+            <a:pPr marL="0" lvl="0" indent="0" algn="ctr" rtl="0">
               <a:spcBef>
                 <a:spcPts val="0"/>
               </a:spcBef>
@@ -12052,7 +12317,7 @@
 </file>
 
 <file path=ppt/theme/theme1.xml><?xml version="1.0" encoding="utf-8"?>
-<a:theme xmlns:a="http://schemas.openxmlformats.org/drawingml/2006/main" xmlns:r="http://schemas.openxmlformats.org/officeDocument/2006/relationships" name="Coral">
+<a:theme xmlns:a="http://schemas.openxmlformats.org/drawingml/2006/main" name="Coral">
   <a:themeElements>
     <a:clrScheme name="Coral">
       <a:dk1>
@@ -12327,11 +12592,13 @@
       </a:bgFillStyleLst>
     </a:fmtScheme>
   </a:themeElements>
+  <a:objectDefaults/>
+  <a:extraClrSchemeLst/>
 </a:theme>
 </file>
 
 <file path=ppt/theme/theme2.xml><?xml version="1.0" encoding="utf-8"?>
-<a:theme xmlns:a="http://schemas.openxmlformats.org/drawingml/2006/main" xmlns:r="http://schemas.openxmlformats.org/officeDocument/2006/relationships">
+<a:theme xmlns:a="http://schemas.openxmlformats.org/drawingml/2006/main">
   <a:themeElements>
     <a:clrScheme name="Default">
       <a:dk1>
@@ -12606,5 +12873,7 @@
       </a:bgFillStyleLst>
     </a:fmtScheme>
   </a:themeElements>
+  <a:objectDefaults/>
+  <a:extraClrSchemeLst/>
 </a:theme>
 </file>